--- a/기획문서/인생연극-기획발표.pptx
+++ b/기획문서/인생연극-기획발표.pptx
@@ -5,22 +5,21 @@
     <p:sldMasterId id="2147483695" r:id="rId1"/>
   </p:sldMasterIdLst>
   <p:notesMasterIdLst>
-    <p:notesMasterId r:id="rId15"/>
+    <p:notesMasterId r:id="rId14"/>
   </p:notesMasterIdLst>
   <p:sldIdLst>
     <p:sldId id="256" r:id="rId2"/>
     <p:sldId id="264" r:id="rId3"/>
     <p:sldId id="267" r:id="rId4"/>
     <p:sldId id="268" r:id="rId5"/>
-    <p:sldId id="270" r:id="rId6"/>
-    <p:sldId id="275" r:id="rId7"/>
-    <p:sldId id="276" r:id="rId8"/>
-    <p:sldId id="274" r:id="rId9"/>
-    <p:sldId id="277" r:id="rId10"/>
-    <p:sldId id="278" r:id="rId11"/>
-    <p:sldId id="273" r:id="rId12"/>
-    <p:sldId id="269" r:id="rId13"/>
-    <p:sldId id="272" r:id="rId14"/>
+    <p:sldId id="275" r:id="rId6"/>
+    <p:sldId id="276" r:id="rId7"/>
+    <p:sldId id="274" r:id="rId8"/>
+    <p:sldId id="277" r:id="rId9"/>
+    <p:sldId id="278" r:id="rId10"/>
+    <p:sldId id="273" r:id="rId11"/>
+    <p:sldId id="269" r:id="rId12"/>
+    <p:sldId id="272" r:id="rId13"/>
   </p:sldIdLst>
   <p:sldSz cx="9144000" cy="5143500" type="screen16x9"/>
   <p:notesSz cx="6858000" cy="9144000"/>
@@ -121,7 +120,7 @@
   </p:defaultTextStyle>
   <p:extLst>
     <p:ext uri="{EFAFB233-063F-42B5-8137-9DF3F51BA10A}">
-      <p15:sldGuideLst xmlns:p15="http://schemas.microsoft.com/office/powerpoint/2012/main">
+      <p15:sldGuideLst xmlns:p15="http://schemas.microsoft.com/office/powerpoint/2012/main" xmlns="">
         <p15:guide id="1" orient="horz" pos="1619">
           <p15:clr>
             <a:srgbClr val="A4A3A4"/>
@@ -1163,8 +1162,23 @@
         <a:p>
           <a:pPr latinLnBrk="1"/>
           <a:r>
+            <a:rPr lang="ko-KR" altLang="en-US" dirty="0" smtClean="0"/>
+            <a:t>기술</a:t>
+          </a:r>
+          <a:r>
+            <a:rPr lang="en-US" altLang="ko-KR" dirty="0" smtClean="0"/>
+            <a:t/>
+          </a:r>
+          <a:br>
+            <a:rPr lang="en-US" altLang="ko-KR" dirty="0" smtClean="0"/>
+          </a:br>
+          <a:r>
+            <a:rPr lang="ko-KR" altLang="en-US" dirty="0" smtClean="0"/>
+            <a:t> </a:t>
+          </a:r>
+          <a:r>
             <a:rPr lang="ko-KR" altLang="en-US" dirty="0"/>
-            <a:t>기술 테스트</a:t>
+            <a:t>테스트</a:t>
           </a:r>
         </a:p>
       </dgm:t>
@@ -1323,6 +1337,14 @@
         </dgm:presLayoutVars>
       </dgm:prSet>
       <dgm:spPr/>
+      <dgm:t>
+        <a:bodyPr/>
+        <a:lstStyle/>
+        <a:p>
+          <a:pPr latinLnBrk="1"/>
+          <a:endParaRPr lang="ko-KR" altLang="en-US"/>
+        </a:p>
+      </dgm:t>
     </dgm:pt>
     <dgm:pt modelId="{63808DFB-74B3-46D7-9645-DDE52C2A1434}" type="pres">
       <dgm:prSet presAssocID="{4AC0A4E6-BEA5-4F61-A855-7A7E8472DA02}" presName="composite" presStyleCnt="0"/>
@@ -1337,10 +1359,26 @@
         </dgm:presLayoutVars>
       </dgm:prSet>
       <dgm:spPr/>
+      <dgm:t>
+        <a:bodyPr/>
+        <a:lstStyle/>
+        <a:p>
+          <a:pPr latinLnBrk="1"/>
+          <a:endParaRPr lang="ko-KR" altLang="en-US"/>
+        </a:p>
+      </dgm:t>
     </dgm:pt>
     <dgm:pt modelId="{13ABD454-8E78-417F-AAE3-E86132888354}" type="pres">
       <dgm:prSet presAssocID="{4AC0A4E6-BEA5-4F61-A855-7A7E8472DA02}" presName="parSh" presStyleLbl="node1" presStyleIdx="0" presStyleCnt="4"/>
       <dgm:spPr/>
+      <dgm:t>
+        <a:bodyPr/>
+        <a:lstStyle/>
+        <a:p>
+          <a:pPr latinLnBrk="1"/>
+          <a:endParaRPr lang="ko-KR" altLang="en-US"/>
+        </a:p>
+      </dgm:t>
     </dgm:pt>
     <dgm:pt modelId="{9AE1D7F4-5C36-48FD-8A6B-C248337B3C38}" type="pres">
       <dgm:prSet presAssocID="{4AC0A4E6-BEA5-4F61-A855-7A7E8472DA02}" presName="desTx" presStyleLbl="fgAcc1" presStyleIdx="0" presStyleCnt="4">
@@ -1349,14 +1387,38 @@
         </dgm:presLayoutVars>
       </dgm:prSet>
       <dgm:spPr/>
+      <dgm:t>
+        <a:bodyPr/>
+        <a:lstStyle/>
+        <a:p>
+          <a:pPr latinLnBrk="1"/>
+          <a:endParaRPr lang="ko-KR" altLang="en-US"/>
+        </a:p>
+      </dgm:t>
     </dgm:pt>
     <dgm:pt modelId="{556C5250-B73F-48C2-926A-C1AAE59AF85C}" type="pres">
       <dgm:prSet presAssocID="{2E88C3C6-20A9-48EF-8CE8-D7E1A027664A}" presName="sibTrans" presStyleLbl="sibTrans2D1" presStyleIdx="0" presStyleCnt="3"/>
       <dgm:spPr/>
+      <dgm:t>
+        <a:bodyPr/>
+        <a:lstStyle/>
+        <a:p>
+          <a:pPr latinLnBrk="1"/>
+          <a:endParaRPr lang="ko-KR" altLang="en-US"/>
+        </a:p>
+      </dgm:t>
     </dgm:pt>
     <dgm:pt modelId="{07B9A76F-2124-49FA-AE8E-13BFC9B00AFB}" type="pres">
       <dgm:prSet presAssocID="{2E88C3C6-20A9-48EF-8CE8-D7E1A027664A}" presName="connTx" presStyleLbl="sibTrans2D1" presStyleIdx="0" presStyleCnt="3"/>
       <dgm:spPr/>
+      <dgm:t>
+        <a:bodyPr/>
+        <a:lstStyle/>
+        <a:p>
+          <a:pPr latinLnBrk="1"/>
+          <a:endParaRPr lang="ko-KR" altLang="en-US"/>
+        </a:p>
+      </dgm:t>
     </dgm:pt>
     <dgm:pt modelId="{F07EEAC5-7F3D-40DF-8E98-D6C2B113DB83}" type="pres">
       <dgm:prSet presAssocID="{550F150C-C8E4-459E-9AA6-DBC7F3EFE101}" presName="composite" presStyleCnt="0"/>
@@ -1371,10 +1433,26 @@
         </dgm:presLayoutVars>
       </dgm:prSet>
       <dgm:spPr/>
+      <dgm:t>
+        <a:bodyPr/>
+        <a:lstStyle/>
+        <a:p>
+          <a:pPr latinLnBrk="1"/>
+          <a:endParaRPr lang="ko-KR" altLang="en-US"/>
+        </a:p>
+      </dgm:t>
     </dgm:pt>
     <dgm:pt modelId="{15EBA2F3-3195-4933-B48F-6C38E5AC7B71}" type="pres">
       <dgm:prSet presAssocID="{550F150C-C8E4-459E-9AA6-DBC7F3EFE101}" presName="parSh" presStyleLbl="node1" presStyleIdx="1" presStyleCnt="4"/>
       <dgm:spPr/>
+      <dgm:t>
+        <a:bodyPr/>
+        <a:lstStyle/>
+        <a:p>
+          <a:pPr latinLnBrk="1"/>
+          <a:endParaRPr lang="ko-KR" altLang="en-US"/>
+        </a:p>
+      </dgm:t>
     </dgm:pt>
     <dgm:pt modelId="{C3B47D81-901A-4B54-9E75-B832E42F68FD}" type="pres">
       <dgm:prSet presAssocID="{550F150C-C8E4-459E-9AA6-DBC7F3EFE101}" presName="desTx" presStyleLbl="fgAcc1" presStyleIdx="1" presStyleCnt="4">
@@ -1383,14 +1461,38 @@
         </dgm:presLayoutVars>
       </dgm:prSet>
       <dgm:spPr/>
+      <dgm:t>
+        <a:bodyPr/>
+        <a:lstStyle/>
+        <a:p>
+          <a:pPr latinLnBrk="1"/>
+          <a:endParaRPr lang="ko-KR" altLang="en-US"/>
+        </a:p>
+      </dgm:t>
     </dgm:pt>
     <dgm:pt modelId="{CD60327D-37F1-4BE7-B722-1EB7BD9DAB80}" type="pres">
       <dgm:prSet presAssocID="{227924AE-45B3-4F27-BBA8-3B5AB80400B0}" presName="sibTrans" presStyleLbl="sibTrans2D1" presStyleIdx="1" presStyleCnt="3"/>
       <dgm:spPr/>
+      <dgm:t>
+        <a:bodyPr/>
+        <a:lstStyle/>
+        <a:p>
+          <a:pPr latinLnBrk="1"/>
+          <a:endParaRPr lang="ko-KR" altLang="en-US"/>
+        </a:p>
+      </dgm:t>
     </dgm:pt>
     <dgm:pt modelId="{3B0306FC-A996-4689-9D51-E01487787D02}" type="pres">
       <dgm:prSet presAssocID="{227924AE-45B3-4F27-BBA8-3B5AB80400B0}" presName="connTx" presStyleLbl="sibTrans2D1" presStyleIdx="1" presStyleCnt="3"/>
       <dgm:spPr/>
+      <dgm:t>
+        <a:bodyPr/>
+        <a:lstStyle/>
+        <a:p>
+          <a:pPr latinLnBrk="1"/>
+          <a:endParaRPr lang="ko-KR" altLang="en-US"/>
+        </a:p>
+      </dgm:t>
     </dgm:pt>
     <dgm:pt modelId="{0166B773-DA0F-4C3D-951B-078D14D39B19}" type="pres">
       <dgm:prSet presAssocID="{983F13D8-C996-4C26-9B3C-1361F47F9BAD}" presName="composite" presStyleCnt="0"/>
@@ -1405,10 +1507,26 @@
         </dgm:presLayoutVars>
       </dgm:prSet>
       <dgm:spPr/>
+      <dgm:t>
+        <a:bodyPr/>
+        <a:lstStyle/>
+        <a:p>
+          <a:pPr latinLnBrk="1"/>
+          <a:endParaRPr lang="ko-KR" altLang="en-US"/>
+        </a:p>
+      </dgm:t>
     </dgm:pt>
     <dgm:pt modelId="{431B965B-9A09-43F0-9F80-94DCD3FC4FF0}" type="pres">
       <dgm:prSet presAssocID="{983F13D8-C996-4C26-9B3C-1361F47F9BAD}" presName="parSh" presStyleLbl="node1" presStyleIdx="2" presStyleCnt="4"/>
       <dgm:spPr/>
+      <dgm:t>
+        <a:bodyPr/>
+        <a:lstStyle/>
+        <a:p>
+          <a:pPr latinLnBrk="1"/>
+          <a:endParaRPr lang="ko-KR" altLang="en-US"/>
+        </a:p>
+      </dgm:t>
     </dgm:pt>
     <dgm:pt modelId="{65161523-0A16-4DC2-9D33-B0D7BBA729EB}" type="pres">
       <dgm:prSet presAssocID="{983F13D8-C996-4C26-9B3C-1361F47F9BAD}" presName="desTx" presStyleLbl="fgAcc1" presStyleIdx="2" presStyleCnt="4">
@@ -1417,14 +1535,38 @@
         </dgm:presLayoutVars>
       </dgm:prSet>
       <dgm:spPr/>
+      <dgm:t>
+        <a:bodyPr/>
+        <a:lstStyle/>
+        <a:p>
+          <a:pPr latinLnBrk="1"/>
+          <a:endParaRPr lang="ko-KR" altLang="en-US"/>
+        </a:p>
+      </dgm:t>
     </dgm:pt>
     <dgm:pt modelId="{9184DEEB-CA07-4256-B4E9-3CBF5A1D1BAF}" type="pres">
       <dgm:prSet presAssocID="{067E8324-4898-4018-935B-A33F81598C3F}" presName="sibTrans" presStyleLbl="sibTrans2D1" presStyleIdx="2" presStyleCnt="3"/>
       <dgm:spPr/>
+      <dgm:t>
+        <a:bodyPr/>
+        <a:lstStyle/>
+        <a:p>
+          <a:pPr latinLnBrk="1"/>
+          <a:endParaRPr lang="ko-KR" altLang="en-US"/>
+        </a:p>
+      </dgm:t>
     </dgm:pt>
     <dgm:pt modelId="{0C9966AF-30CC-4FCC-907D-17FFD24F396F}" type="pres">
       <dgm:prSet presAssocID="{067E8324-4898-4018-935B-A33F81598C3F}" presName="connTx" presStyleLbl="sibTrans2D1" presStyleIdx="2" presStyleCnt="3"/>
       <dgm:spPr/>
+      <dgm:t>
+        <a:bodyPr/>
+        <a:lstStyle/>
+        <a:p>
+          <a:pPr latinLnBrk="1"/>
+          <a:endParaRPr lang="ko-KR" altLang="en-US"/>
+        </a:p>
+      </dgm:t>
     </dgm:pt>
     <dgm:pt modelId="{437B9B43-1C84-46C8-855F-D4D9E644C094}" type="pres">
       <dgm:prSet presAssocID="{A26C2C8B-A900-4EAF-93A1-5ABD59683373}" presName="composite" presStyleCnt="0"/>
@@ -1439,10 +1581,26 @@
         </dgm:presLayoutVars>
       </dgm:prSet>
       <dgm:spPr/>
+      <dgm:t>
+        <a:bodyPr/>
+        <a:lstStyle/>
+        <a:p>
+          <a:pPr latinLnBrk="1"/>
+          <a:endParaRPr lang="ko-KR" altLang="en-US"/>
+        </a:p>
+      </dgm:t>
     </dgm:pt>
     <dgm:pt modelId="{B16BF611-24E4-4C90-93E3-D8C1272E095C}" type="pres">
       <dgm:prSet presAssocID="{A26C2C8B-A900-4EAF-93A1-5ABD59683373}" presName="parSh" presStyleLbl="node1" presStyleIdx="3" presStyleCnt="4"/>
       <dgm:spPr/>
+      <dgm:t>
+        <a:bodyPr/>
+        <a:lstStyle/>
+        <a:p>
+          <a:pPr latinLnBrk="1"/>
+          <a:endParaRPr lang="ko-KR" altLang="en-US"/>
+        </a:p>
+      </dgm:t>
     </dgm:pt>
     <dgm:pt modelId="{366FD0E3-FD00-4AB0-AE74-DE89380283E2}" type="pres">
       <dgm:prSet presAssocID="{A26C2C8B-A900-4EAF-93A1-5ABD59683373}" presName="desTx" presStyleLbl="fgAcc1" presStyleIdx="3" presStyleCnt="4">
@@ -1451,40 +1609,48 @@
         </dgm:presLayoutVars>
       </dgm:prSet>
       <dgm:spPr/>
+      <dgm:t>
+        <a:bodyPr/>
+        <a:lstStyle/>
+        <a:p>
+          <a:pPr latinLnBrk="1"/>
+          <a:endParaRPr lang="ko-KR" altLang="en-US"/>
+        </a:p>
+      </dgm:t>
     </dgm:pt>
   </dgm:ptLst>
   <dgm:cxnLst>
-    <dgm:cxn modelId="{E22C890A-AF6D-41A5-940F-C9C465CC200C}" type="presOf" srcId="{8E2600F6-04E1-4706-9A3F-88395B247CCA}" destId="{537FC788-8DA9-457D-9587-C56B9F842661}" srcOrd="0" destOrd="0" presId="urn:microsoft.com/office/officeart/2005/8/layout/process3"/>
+    <dgm:cxn modelId="{AC93D631-087D-46AD-9B5C-B32CE3C1C37C}" srcId="{983F13D8-C996-4C26-9B3C-1361F47F9BAD}" destId="{BE272ABF-6165-4E08-82B3-B1CF953E82EE}" srcOrd="0" destOrd="0" parTransId="{DE2027A7-CBBD-42B9-A4E3-5E7910C05E32}" sibTransId="{BD41F25C-F444-49B6-8466-2D0F2A6F73FD}"/>
     <dgm:cxn modelId="{D0C3F90C-CEE5-4E63-B876-C398525B7FBB}" type="presOf" srcId="{983F13D8-C996-4C26-9B3C-1361F47F9BAD}" destId="{431B965B-9A09-43F0-9F80-94DCD3FC4FF0}" srcOrd="1" destOrd="0" presId="urn:microsoft.com/office/officeart/2005/8/layout/process3"/>
+    <dgm:cxn modelId="{07D3E5A6-DDEA-44D4-97E7-8098681C117F}" type="presOf" srcId="{2E88C3C6-20A9-48EF-8CE8-D7E1A027664A}" destId="{07B9A76F-2124-49FA-AE8E-13BFC9B00AFB}" srcOrd="1" destOrd="0" presId="urn:microsoft.com/office/officeart/2005/8/layout/process3"/>
+    <dgm:cxn modelId="{5D29FA49-3CCA-438D-A78F-B1C0A6F3D081}" type="presOf" srcId="{4AC0A4E6-BEA5-4F61-A855-7A7E8472DA02}" destId="{7317BB78-842E-461A-821A-1EF3D4CB70A1}" srcOrd="0" destOrd="0" presId="urn:microsoft.com/office/officeart/2005/8/layout/process3"/>
+    <dgm:cxn modelId="{74C1B433-6882-4A2F-83C9-539FEACC65D6}" srcId="{550F150C-C8E4-459E-9AA6-DBC7F3EFE101}" destId="{75753CFF-CF81-41AA-AE28-EC6559AFF5F6}" srcOrd="0" destOrd="0" parTransId="{8D8E8735-97C3-4B42-A482-64BECAC9491D}" sibTransId="{C3BCAB20-BD70-4306-80EA-BB1CBB0D829E}"/>
+    <dgm:cxn modelId="{61B0FB52-44BB-4D7A-B635-597984835FC1}" type="presOf" srcId="{A26C2C8B-A900-4EAF-93A1-5ABD59683373}" destId="{993D856B-4A6A-4101-8881-EC56084D0353}" srcOrd="0" destOrd="0" presId="urn:microsoft.com/office/officeart/2005/8/layout/process3"/>
+    <dgm:cxn modelId="{C817A7F0-42C4-4F2B-93DF-1AA805A5126E}" srcId="{8E2600F6-04E1-4706-9A3F-88395B247CCA}" destId="{A26C2C8B-A900-4EAF-93A1-5ABD59683373}" srcOrd="3" destOrd="0" parTransId="{D1152FDC-1508-40BC-B71B-D0CA5EEBFB3E}" sibTransId="{8B34B4D5-C726-472E-B1D7-B48D498AB13B}"/>
     <dgm:cxn modelId="{6DB47E21-4C06-4953-8748-8BA3CF6C8B25}" type="presOf" srcId="{A3DE7996-CA16-4EE5-BE03-666A5F36568D}" destId="{9AE1D7F4-5C36-48FD-8A6B-C248337B3C38}" srcOrd="0" destOrd="1" presId="urn:microsoft.com/office/officeart/2005/8/layout/process3"/>
-    <dgm:cxn modelId="{6BBB8822-551D-4625-89E0-AD06214ACF5D}" type="presOf" srcId="{550F150C-C8E4-459E-9AA6-DBC7F3EFE101}" destId="{15EBA2F3-3195-4933-B48F-6C38E5AC7B71}" srcOrd="1" destOrd="0" presId="urn:microsoft.com/office/officeart/2005/8/layout/process3"/>
-    <dgm:cxn modelId="{7F8FAC2A-1DF2-40B7-A7EA-CE3D5705A99A}" type="presOf" srcId="{4AC0A4E6-BEA5-4F61-A855-7A7E8472DA02}" destId="{13ABD454-8E78-417F-AAE3-E86132888354}" srcOrd="1" destOrd="0" presId="urn:microsoft.com/office/officeart/2005/8/layout/process3"/>
-    <dgm:cxn modelId="{1A06E62C-3381-4DFE-9D9B-5F61D1FA8500}" type="presOf" srcId="{34CE33C2-48E1-446E-88BA-B0C691AE0346}" destId="{366FD0E3-FD00-4AB0-AE74-DE89380283E2}" srcOrd="0" destOrd="0" presId="urn:microsoft.com/office/officeart/2005/8/layout/process3"/>
-    <dgm:cxn modelId="{AC93D631-087D-46AD-9B5C-B32CE3C1C37C}" srcId="{983F13D8-C996-4C26-9B3C-1361F47F9BAD}" destId="{BE272ABF-6165-4E08-82B3-B1CF953E82EE}" srcOrd="0" destOrd="0" parTransId="{DE2027A7-CBBD-42B9-A4E3-5E7910C05E32}" sibTransId="{BD41F25C-F444-49B6-8466-2D0F2A6F73FD}"/>
-    <dgm:cxn modelId="{74C1B433-6882-4A2F-83C9-539FEACC65D6}" srcId="{550F150C-C8E4-459E-9AA6-DBC7F3EFE101}" destId="{75753CFF-CF81-41AA-AE28-EC6559AFF5F6}" srcOrd="0" destOrd="0" parTransId="{8D8E8735-97C3-4B42-A482-64BECAC9491D}" sibTransId="{C3BCAB20-BD70-4306-80EA-BB1CBB0D829E}"/>
-    <dgm:cxn modelId="{1311213D-FD0E-49FA-BC24-7CB55CBA51C3}" type="presOf" srcId="{2E88C3C6-20A9-48EF-8CE8-D7E1A027664A}" destId="{556C5250-B73F-48C2-926A-C1AAE59AF85C}" srcOrd="0" destOrd="0" presId="urn:microsoft.com/office/officeart/2005/8/layout/process3"/>
-    <dgm:cxn modelId="{48A0AE3E-3986-47AF-8B6B-C1A8C688F5F8}" type="presOf" srcId="{BE272ABF-6165-4E08-82B3-B1CF953E82EE}" destId="{65161523-0A16-4DC2-9D33-B0D7BBA729EB}" srcOrd="0" destOrd="0" presId="urn:microsoft.com/office/officeart/2005/8/layout/process3"/>
-    <dgm:cxn modelId="{5D29FA49-3CCA-438D-A78F-B1C0A6F3D081}" type="presOf" srcId="{4AC0A4E6-BEA5-4F61-A855-7A7E8472DA02}" destId="{7317BB78-842E-461A-821A-1EF3D4CB70A1}" srcOrd="0" destOrd="0" presId="urn:microsoft.com/office/officeart/2005/8/layout/process3"/>
-    <dgm:cxn modelId="{F21EBF71-3ED5-4894-BC17-DBF89F3A08BC}" srcId="{8E2600F6-04E1-4706-9A3F-88395B247CCA}" destId="{550F150C-C8E4-459E-9AA6-DBC7F3EFE101}" srcOrd="1" destOrd="0" parTransId="{5BD00521-F1E7-4C0E-8444-28DC8517FADB}" sibTransId="{227924AE-45B3-4F27-BBA8-3B5AB80400B0}"/>
-    <dgm:cxn modelId="{61B0FB52-44BB-4D7A-B635-597984835FC1}" type="presOf" srcId="{A26C2C8B-A900-4EAF-93A1-5ABD59683373}" destId="{993D856B-4A6A-4101-8881-EC56084D0353}" srcOrd="0" destOrd="0" presId="urn:microsoft.com/office/officeart/2005/8/layout/process3"/>
-    <dgm:cxn modelId="{F4B39A7A-460A-4A23-B542-16E73DEEA05E}" type="presOf" srcId="{550F150C-C8E4-459E-9AA6-DBC7F3EFE101}" destId="{2E4EBA14-83E8-4090-8C54-3E0DE8B940AA}" srcOrd="0" destOrd="0" presId="urn:microsoft.com/office/officeart/2005/8/layout/process3"/>
-    <dgm:cxn modelId="{F461D793-5839-4221-905F-B202FF61B729}" srcId="{A26C2C8B-A900-4EAF-93A1-5ABD59683373}" destId="{5B4356C7-864C-488F-82A1-2E4887F792AF}" srcOrd="1" destOrd="0" parTransId="{7A9B6406-FE93-4B3A-B281-A0F9EEEB188F}" sibTransId="{C40C36AC-CF18-47EE-8389-10BC9981069E}"/>
     <dgm:cxn modelId="{BB47C795-0012-45CE-BD5B-EDC28477E68B}" srcId="{4AC0A4E6-BEA5-4F61-A855-7A7E8472DA02}" destId="{11A32B08-2C91-438B-9C14-66E92E204C20}" srcOrd="0" destOrd="0" parTransId="{5DA82852-B2AA-4D32-B6D1-149BCD2271A6}" sibTransId="{C4500254-3A56-459C-A652-BFF37735413C}"/>
-    <dgm:cxn modelId="{2EAEC498-C225-400C-8EA5-CF7323E740BC}" type="presOf" srcId="{5B4356C7-864C-488F-82A1-2E4887F792AF}" destId="{366FD0E3-FD00-4AB0-AE74-DE89380283E2}" srcOrd="0" destOrd="1" presId="urn:microsoft.com/office/officeart/2005/8/layout/process3"/>
-    <dgm:cxn modelId="{01E4D4A0-E571-46C7-9368-9390C10C6AC3}" type="presOf" srcId="{227924AE-45B3-4F27-BBA8-3B5AB80400B0}" destId="{CD60327D-37F1-4BE7-B722-1EB7BD9DAB80}" srcOrd="0" destOrd="0" presId="urn:microsoft.com/office/officeart/2005/8/layout/process3"/>
-    <dgm:cxn modelId="{07D3E5A6-DDEA-44D4-97E7-8098681C117F}" type="presOf" srcId="{2E88C3C6-20A9-48EF-8CE8-D7E1A027664A}" destId="{07B9A76F-2124-49FA-AE8E-13BFC9B00AFB}" srcOrd="1" destOrd="0" presId="urn:microsoft.com/office/officeart/2005/8/layout/process3"/>
-    <dgm:cxn modelId="{AEB04BAA-E11F-4513-BCC6-7058592FA438}" srcId="{A26C2C8B-A900-4EAF-93A1-5ABD59683373}" destId="{34CE33C2-48E1-446E-88BA-B0C691AE0346}" srcOrd="0" destOrd="0" parTransId="{41D5385C-8616-4F31-9E7E-F532577D0CA3}" sibTransId="{6E875902-7649-4344-8C7A-BCBB8A99CAA2}"/>
     <dgm:cxn modelId="{C9DA62AF-4961-42FC-8485-83406C14B156}" type="presOf" srcId="{75753CFF-CF81-41AA-AE28-EC6559AFF5F6}" destId="{C3B47D81-901A-4B54-9E75-B832E42F68FD}" srcOrd="0" destOrd="0" presId="urn:microsoft.com/office/officeart/2005/8/layout/process3"/>
     <dgm:cxn modelId="{AF19C6B1-3BC3-4194-8F4E-09E95AC580E3}" type="presOf" srcId="{227924AE-45B3-4F27-BBA8-3B5AB80400B0}" destId="{3B0306FC-A996-4689-9D51-E01487787D02}" srcOrd="1" destOrd="0" presId="urn:microsoft.com/office/officeart/2005/8/layout/process3"/>
+    <dgm:cxn modelId="{1BA482D0-278F-411D-88E1-BDFA9A40B9B9}" srcId="{8E2600F6-04E1-4706-9A3F-88395B247CCA}" destId="{983F13D8-C996-4C26-9B3C-1361F47F9BAD}" srcOrd="2" destOrd="0" parTransId="{5170F111-15C0-443D-9D42-88AB6E354FC4}" sibTransId="{067E8324-4898-4018-935B-A33F81598C3F}"/>
+    <dgm:cxn modelId="{48A0AE3E-3986-47AF-8B6B-C1A8C688F5F8}" type="presOf" srcId="{BE272ABF-6165-4E08-82B3-B1CF953E82EE}" destId="{65161523-0A16-4DC2-9D33-B0D7BBA729EB}" srcOrd="0" destOrd="0" presId="urn:microsoft.com/office/officeart/2005/8/layout/process3"/>
+    <dgm:cxn modelId="{C32BA9EC-1B0C-425C-BBF1-321D9467418D}" srcId="{4AC0A4E6-BEA5-4F61-A855-7A7E8472DA02}" destId="{A3DE7996-CA16-4EE5-BE03-666A5F36568D}" srcOrd="1" destOrd="0" parTransId="{88BCB6B7-7643-4030-B40A-AC18A24B25D6}" sibTransId="{4AF4C04E-3703-4D22-AFCE-EF2B2C1E81B0}"/>
     <dgm:cxn modelId="{45F698C1-E5F3-4F85-A552-5CA04EAB87C9}" type="presOf" srcId="{A26C2C8B-A900-4EAF-93A1-5ABD59683373}" destId="{B16BF611-24E4-4C90-93E3-D8C1272E095C}" srcOrd="1" destOrd="0" presId="urn:microsoft.com/office/officeart/2005/8/layout/process3"/>
+    <dgm:cxn modelId="{9EE53DD4-A039-474E-A38B-FAD6B9F5EDBC}" type="presOf" srcId="{067E8324-4898-4018-935B-A33F81598C3F}" destId="{9184DEEB-CA07-4256-B4E9-3CBF5A1D1BAF}" srcOrd="0" destOrd="0" presId="urn:microsoft.com/office/officeart/2005/8/layout/process3"/>
+    <dgm:cxn modelId="{F4B39A7A-460A-4A23-B542-16E73DEEA05E}" type="presOf" srcId="{550F150C-C8E4-459E-9AA6-DBC7F3EFE101}" destId="{2E4EBA14-83E8-4090-8C54-3E0DE8B940AA}" srcOrd="0" destOrd="0" presId="urn:microsoft.com/office/officeart/2005/8/layout/process3"/>
+    <dgm:cxn modelId="{64D9C2FF-D9CB-4E7E-8D01-C7150B6E459C}" type="presOf" srcId="{983F13D8-C996-4C26-9B3C-1361F47F9BAD}" destId="{746D0E6C-C266-48DE-8280-D300195DC664}" srcOrd="0" destOrd="0" presId="urn:microsoft.com/office/officeart/2005/8/layout/process3"/>
+    <dgm:cxn modelId="{F21EBF71-3ED5-4894-BC17-DBF89F3A08BC}" srcId="{8E2600F6-04E1-4706-9A3F-88395B247CCA}" destId="{550F150C-C8E4-459E-9AA6-DBC7F3EFE101}" srcOrd="1" destOrd="0" parTransId="{5BD00521-F1E7-4C0E-8444-28DC8517FADB}" sibTransId="{227924AE-45B3-4F27-BBA8-3B5AB80400B0}"/>
+    <dgm:cxn modelId="{4A543FEA-AF98-45A8-86EE-03679DE92FEB}" srcId="{8E2600F6-04E1-4706-9A3F-88395B247CCA}" destId="{4AC0A4E6-BEA5-4F61-A855-7A7E8472DA02}" srcOrd="0" destOrd="0" parTransId="{2A9F50DE-ED26-4770-A5A5-EA3EACE13BA5}" sibTransId="{2E88C3C6-20A9-48EF-8CE8-D7E1A027664A}"/>
     <dgm:cxn modelId="{790E0BC3-2CB3-4FAE-A78F-F690B522EC21}" type="presOf" srcId="{11A32B08-2C91-438B-9C14-66E92E204C20}" destId="{9AE1D7F4-5C36-48FD-8A6B-C248337B3C38}" srcOrd="0" destOrd="0" presId="urn:microsoft.com/office/officeart/2005/8/layout/process3"/>
-    <dgm:cxn modelId="{1BA482D0-278F-411D-88E1-BDFA9A40B9B9}" srcId="{8E2600F6-04E1-4706-9A3F-88395B247CCA}" destId="{983F13D8-C996-4C26-9B3C-1361F47F9BAD}" srcOrd="2" destOrd="0" parTransId="{5170F111-15C0-443D-9D42-88AB6E354FC4}" sibTransId="{067E8324-4898-4018-935B-A33F81598C3F}"/>
-    <dgm:cxn modelId="{9EE53DD4-A039-474E-A38B-FAD6B9F5EDBC}" type="presOf" srcId="{067E8324-4898-4018-935B-A33F81598C3F}" destId="{9184DEEB-CA07-4256-B4E9-3CBF5A1D1BAF}" srcOrd="0" destOrd="0" presId="urn:microsoft.com/office/officeart/2005/8/layout/process3"/>
+    <dgm:cxn modelId="{1311213D-FD0E-49FA-BC24-7CB55CBA51C3}" type="presOf" srcId="{2E88C3C6-20A9-48EF-8CE8-D7E1A027664A}" destId="{556C5250-B73F-48C2-926A-C1AAE59AF85C}" srcOrd="0" destOrd="0" presId="urn:microsoft.com/office/officeart/2005/8/layout/process3"/>
+    <dgm:cxn modelId="{F461D793-5839-4221-905F-B202FF61B729}" srcId="{A26C2C8B-A900-4EAF-93A1-5ABD59683373}" destId="{5B4356C7-864C-488F-82A1-2E4887F792AF}" srcOrd="1" destOrd="0" parTransId="{7A9B6406-FE93-4B3A-B281-A0F9EEEB188F}" sibTransId="{C40C36AC-CF18-47EE-8389-10BC9981069E}"/>
+    <dgm:cxn modelId="{AEB04BAA-E11F-4513-BCC6-7058592FA438}" srcId="{A26C2C8B-A900-4EAF-93A1-5ABD59683373}" destId="{34CE33C2-48E1-446E-88BA-B0C691AE0346}" srcOrd="0" destOrd="0" parTransId="{41D5385C-8616-4F31-9E7E-F532577D0CA3}" sibTransId="{6E875902-7649-4344-8C7A-BCBB8A99CAA2}"/>
+    <dgm:cxn modelId="{1A06E62C-3381-4DFE-9D9B-5F61D1FA8500}" type="presOf" srcId="{34CE33C2-48E1-446E-88BA-B0C691AE0346}" destId="{366FD0E3-FD00-4AB0-AE74-DE89380283E2}" srcOrd="0" destOrd="0" presId="urn:microsoft.com/office/officeart/2005/8/layout/process3"/>
+    <dgm:cxn modelId="{7F8FAC2A-1DF2-40B7-A7EA-CE3D5705A99A}" type="presOf" srcId="{4AC0A4E6-BEA5-4F61-A855-7A7E8472DA02}" destId="{13ABD454-8E78-417F-AAE3-E86132888354}" srcOrd="1" destOrd="0" presId="urn:microsoft.com/office/officeart/2005/8/layout/process3"/>
     <dgm:cxn modelId="{FE199CE3-7732-4B24-862F-EE4218BA98F1}" type="presOf" srcId="{067E8324-4898-4018-935B-A33F81598C3F}" destId="{0C9966AF-30CC-4FCC-907D-17FFD24F396F}" srcOrd="1" destOrd="0" presId="urn:microsoft.com/office/officeart/2005/8/layout/process3"/>
-    <dgm:cxn modelId="{4A543FEA-AF98-45A8-86EE-03679DE92FEB}" srcId="{8E2600F6-04E1-4706-9A3F-88395B247CCA}" destId="{4AC0A4E6-BEA5-4F61-A855-7A7E8472DA02}" srcOrd="0" destOrd="0" parTransId="{2A9F50DE-ED26-4770-A5A5-EA3EACE13BA5}" sibTransId="{2E88C3C6-20A9-48EF-8CE8-D7E1A027664A}"/>
-    <dgm:cxn modelId="{C32BA9EC-1B0C-425C-BBF1-321D9467418D}" srcId="{4AC0A4E6-BEA5-4F61-A855-7A7E8472DA02}" destId="{A3DE7996-CA16-4EE5-BE03-666A5F36568D}" srcOrd="1" destOrd="0" parTransId="{88BCB6B7-7643-4030-B40A-AC18A24B25D6}" sibTransId="{4AF4C04E-3703-4D22-AFCE-EF2B2C1E81B0}"/>
-    <dgm:cxn modelId="{C817A7F0-42C4-4F2B-93DF-1AA805A5126E}" srcId="{8E2600F6-04E1-4706-9A3F-88395B247CCA}" destId="{A26C2C8B-A900-4EAF-93A1-5ABD59683373}" srcOrd="3" destOrd="0" parTransId="{D1152FDC-1508-40BC-B71B-D0CA5EEBFB3E}" sibTransId="{8B34B4D5-C726-472E-B1D7-B48D498AB13B}"/>
-    <dgm:cxn modelId="{64D9C2FF-D9CB-4E7E-8D01-C7150B6E459C}" type="presOf" srcId="{983F13D8-C996-4C26-9B3C-1361F47F9BAD}" destId="{746D0E6C-C266-48DE-8280-D300195DC664}" srcOrd="0" destOrd="0" presId="urn:microsoft.com/office/officeart/2005/8/layout/process3"/>
+    <dgm:cxn modelId="{01E4D4A0-E571-46C7-9368-9390C10C6AC3}" type="presOf" srcId="{227924AE-45B3-4F27-BBA8-3B5AB80400B0}" destId="{CD60327D-37F1-4BE7-B722-1EB7BD9DAB80}" srcOrd="0" destOrd="0" presId="urn:microsoft.com/office/officeart/2005/8/layout/process3"/>
+    <dgm:cxn modelId="{6BBB8822-551D-4625-89E0-AD06214ACF5D}" type="presOf" srcId="{550F150C-C8E4-459E-9AA6-DBC7F3EFE101}" destId="{15EBA2F3-3195-4933-B48F-6C38E5AC7B71}" srcOrd="1" destOrd="0" presId="urn:microsoft.com/office/officeart/2005/8/layout/process3"/>
+    <dgm:cxn modelId="{2EAEC498-C225-400C-8EA5-CF7323E740BC}" type="presOf" srcId="{5B4356C7-864C-488F-82A1-2E4887F792AF}" destId="{366FD0E3-FD00-4AB0-AE74-DE89380283E2}" srcOrd="0" destOrd="1" presId="urn:microsoft.com/office/officeart/2005/8/layout/process3"/>
+    <dgm:cxn modelId="{E22C890A-AF6D-41A5-940F-C9C465CC200C}" type="presOf" srcId="{8E2600F6-04E1-4706-9A3F-88395B247CCA}" destId="{537FC788-8DA9-457D-9587-C56B9F842661}" srcOrd="0" destOrd="0" presId="urn:microsoft.com/office/officeart/2005/8/layout/process3"/>
     <dgm:cxn modelId="{2736490B-59FD-44BF-BEC1-C8438CAEE2E3}" type="presParOf" srcId="{537FC788-8DA9-457D-9587-C56B9F842661}" destId="{63808DFB-74B3-46D7-9645-DDE52C2A1434}" srcOrd="0" destOrd="0" presId="urn:microsoft.com/office/officeart/2005/8/layout/process3"/>
     <dgm:cxn modelId="{577E136E-5AD6-4BD0-A89A-46CDC44AB182}" type="presParOf" srcId="{63808DFB-74B3-46D7-9645-DDE52C2A1434}" destId="{7317BB78-842E-461A-821A-1EF3D4CB70A1}" srcOrd="0" destOrd="0" presId="urn:microsoft.com/office/officeart/2005/8/layout/process3"/>
     <dgm:cxn modelId="{5AE27B43-0575-4F47-B8D9-51109E491085}" type="presParOf" srcId="{63808DFB-74B3-46D7-9645-DDE52C2A1434}" destId="{13ABD454-8E78-417F-AAE3-E86132888354}" srcOrd="1" destOrd="0" presId="urn:microsoft.com/office/officeart/2005/8/layout/process3"/>
@@ -1512,7 +1678,7 @@
   <dgm:whole/>
   <dgm:extLst>
     <a:ext uri="http://schemas.microsoft.com/office/drawing/2008/diagram">
-      <dsp:dataModelExt xmlns:dsp="http://schemas.microsoft.com/office/drawing/2008/diagram" relId="rId7" minVer="http://schemas.openxmlformats.org/drawingml/2006/diagram"/>
+      <dsp:dataModelExt xmlns:dsp="http://schemas.microsoft.com/office/drawing/2008/diagram" xmlns="" relId="rId7" minVer="http://schemas.openxmlformats.org/drawingml/2006/diagram"/>
     </a:ext>
   </dgm:extLst>
 </dgm:dataModel>
@@ -3845,7 +4011,8 @@
           <a:p>
             <a:fld id="{F70E848D-353D-4EA9-9893-0023BA2DC56A}" type="datetimeFigureOut">
               <a:rPr lang="ko-KR" altLang="en-US" smtClean="0"/>
-              <a:t>2020-07-11</a:t>
+              <a:pPr/>
+              <a:t>2020-07-16</a:t>
             </a:fld>
             <a:endParaRPr lang="ko-KR" altLang="en-US"/>
           </a:p>
@@ -4003,6 +4170,7 @@
           <a:p>
             <a:fld id="{C35BC5CC-E7B8-46DF-A829-718439F4BE79}" type="slidenum">
               <a:rPr lang="ko-KR" altLang="en-US" smtClean="0"/>
+              <a:pPr/>
               <a:t>‹#›</a:t>
             </a:fld>
             <a:endParaRPr lang="ko-KR" altLang="en-US"/>
@@ -4012,7 +4180,7 @@
     </p:spTree>
     <p:extLst>
       <p:ext uri="{BB962C8B-B14F-4D97-AF65-F5344CB8AC3E}">
-        <p14:creationId xmlns:p14="http://schemas.microsoft.com/office/powerpoint/2010/main" val="395472225"/>
+        <p14:creationId xmlns:p14="http://schemas.microsoft.com/office/powerpoint/2010/main" xmlns="" val="395472225"/>
       </p:ext>
     </p:extLst>
   </p:cSld>
@@ -4180,6 +4348,7 @@
           <a:p>
             <a:fld id="{C35BC5CC-E7B8-46DF-A829-718439F4BE79}" type="slidenum">
               <a:rPr lang="ko-KR" altLang="en-US" smtClean="0"/>
+              <a:pPr/>
               <a:t>1</a:t>
             </a:fld>
             <a:endParaRPr lang="ko-KR" altLang="en-US"/>
@@ -4189,7 +4358,7 @@
     </p:spTree>
     <p:extLst>
       <p:ext uri="{BB962C8B-B14F-4D97-AF65-F5344CB8AC3E}">
-        <p14:creationId xmlns:p14="http://schemas.microsoft.com/office/powerpoint/2010/main" val="1454227997"/>
+        <p14:creationId xmlns:p14="http://schemas.microsoft.com/office/powerpoint/2010/main" xmlns="" val="1454227997"/>
       </p:ext>
     </p:extLst>
   </p:cSld>
@@ -4240,107 +4409,11 @@
         </p:nvSpPr>
         <p:spPr/>
         <p:txBody>
-          <a:bodyPr/>
+          <a:bodyPr>
+            <a:normAutofit/>
+          </a:bodyPr>
           <a:lstStyle/>
           <a:p>
-            <a:r>
-              <a:rPr lang="ko-KR" altLang="en-US" dirty="0"/>
-              <a:t>게시판은 크게 홍보</a:t>
-            </a:r>
-            <a:r>
-              <a:rPr lang="en-US" altLang="ko-KR" dirty="0"/>
-              <a:t>,</a:t>
-            </a:r>
-            <a:r>
-              <a:rPr lang="ko-KR" altLang="en-US" dirty="0"/>
-              <a:t>자유</a:t>
-            </a:r>
-            <a:r>
-              <a:rPr lang="en-US" altLang="ko-KR" dirty="0"/>
-              <a:t>,</a:t>
-            </a:r>
-            <a:r>
-              <a:rPr lang="ko-KR" altLang="en-US" dirty="0"/>
-              <a:t>공지 게시판으로 나뉩니다</a:t>
-            </a:r>
-            <a:r>
-              <a:rPr lang="en-US" altLang="ko-KR" dirty="0"/>
-              <a:t>. </a:t>
-            </a:r>
-            <a:r>
-              <a:rPr lang="ko-KR" altLang="en-US" dirty="0"/>
-              <a:t>게시판의 글은 누구나 읽을 수 있지만 각 게시판별로 글을 작성할 수 있는 권한은 다릅니다</a:t>
-            </a:r>
-            <a:r>
-              <a:rPr lang="en-US" altLang="ko-KR" dirty="0"/>
-              <a:t>. </a:t>
-            </a:r>
-            <a:r>
-              <a:rPr lang="ko-KR" altLang="en-US" dirty="0"/>
-              <a:t>홍보게시판은 공연홍보를 위한 곳으로 공연관계자만이</a:t>
-            </a:r>
-            <a:r>
-              <a:rPr lang="en-US" altLang="ko-KR" dirty="0"/>
-              <a:t>, </a:t>
-            </a:r>
-            <a:r>
-              <a:rPr lang="ko-KR" altLang="en-US" dirty="0"/>
-              <a:t>자유 게시판은 일반회원이</a:t>
-            </a:r>
-            <a:r>
-              <a:rPr lang="en-US" altLang="ko-KR" dirty="0"/>
-              <a:t>, </a:t>
-            </a:r>
-            <a:r>
-              <a:rPr lang="ko-KR" altLang="en-US" dirty="0"/>
-              <a:t>그리고 공지 게시판은 웹페이지 관리자만이 글을 작성할 수 있습니다</a:t>
-            </a:r>
-            <a:r>
-              <a:rPr lang="en-US" altLang="ko-KR" dirty="0"/>
-              <a:t>.</a:t>
-            </a:r>
-          </a:p>
-          <a:p>
-            <a:r>
-              <a:rPr lang="ko-KR" altLang="en-US" dirty="0"/>
-              <a:t>이벤트 페이지는 </a:t>
-            </a:r>
-            <a:r>
-              <a:rPr lang="en-US" altLang="ko-KR" dirty="0"/>
-              <a:t>Yes24, </a:t>
-            </a:r>
-            <a:r>
-              <a:rPr lang="ko-KR" altLang="en-US" dirty="0"/>
-              <a:t>인터파크 등의 웹페이지에서 진행되는 이벤트를 한곳에서 볼 수 있도록 </a:t>
-            </a:r>
-            <a:r>
-              <a:rPr lang="ko-KR" altLang="en-US" dirty="0" err="1"/>
-              <a:t>웹크롤링으로</a:t>
-            </a:r>
-            <a:r>
-              <a:rPr lang="ko-KR" altLang="en-US" dirty="0"/>
-              <a:t> 정보를 긁어와서 이벤트 </a:t>
-            </a:r>
-            <a:r>
-              <a:rPr lang="ko-KR" altLang="en-US" dirty="0" err="1"/>
-              <a:t>홍보이미지와</a:t>
-            </a:r>
-            <a:r>
-              <a:rPr lang="ko-KR" altLang="en-US" dirty="0"/>
-              <a:t> 이벤트 제목</a:t>
-            </a:r>
-            <a:r>
-              <a:rPr lang="en-US" altLang="ko-KR" dirty="0"/>
-              <a:t>,</a:t>
-            </a:r>
-            <a:r>
-              <a:rPr lang="ko-KR" altLang="en-US" dirty="0"/>
-              <a:t>기간 오늘까지 남은 날짜를 보여줄 것입니다</a:t>
-            </a:r>
-            <a:r>
-              <a:rPr lang="en-US" altLang="ko-KR" dirty="0"/>
-              <a:t>.</a:t>
-            </a:r>
             <a:endParaRPr lang="ko-KR" altLang="en-US" dirty="0"/>
           </a:p>
         </p:txBody>
@@ -4352,7 +4425,7 @@
             <a:spLocks noGrp="1"/>
           </p:cNvSpPr>
           <p:nvPr>
-            <p:ph type="sldNum" sz="quarter" idx="5"/>
+            <p:ph type="sldNum" sz="quarter" idx="10"/>
           </p:nvPr>
         </p:nvSpPr>
         <p:spPr/>
@@ -4362,6 +4435,7 @@
           <a:p>
             <a:fld id="{C35BC5CC-E7B8-46DF-A829-718439F4BE79}" type="slidenum">
               <a:rPr lang="ko-KR" altLang="en-US" smtClean="0"/>
+              <a:pPr/>
               <a:t>10</a:t>
             </a:fld>
             <a:endParaRPr lang="ko-KR" altLang="en-US"/>
@@ -4369,11 +4443,6 @@
         </p:txBody>
       </p:sp>
     </p:spTree>
-    <p:extLst>
-      <p:ext uri="{BB962C8B-B14F-4D97-AF65-F5344CB8AC3E}">
-        <p14:creationId xmlns:p14="http://schemas.microsoft.com/office/powerpoint/2010/main" val="3244646526"/>
-      </p:ext>
-    </p:extLst>
   </p:cSld>
   <p:clrMapOvr>
     <a:masterClrMapping/>
@@ -4446,7 +4515,8 @@
           <a:p>
             <a:fld id="{C35BC5CC-E7B8-46DF-A829-718439F4BE79}" type="slidenum">
               <a:rPr lang="ko-KR" altLang="en-US" smtClean="0"/>
-              <a:t>12</a:t>
+              <a:pPr/>
+              <a:t>11</a:t>
             </a:fld>
             <a:endParaRPr lang="ko-KR" altLang="en-US"/>
           </a:p>
@@ -4455,7 +4525,7 @@
     </p:spTree>
     <p:extLst>
       <p:ext uri="{BB962C8B-B14F-4D97-AF65-F5344CB8AC3E}">
-        <p14:creationId xmlns:p14="http://schemas.microsoft.com/office/powerpoint/2010/main" val="1241381465"/>
+        <p14:creationId xmlns:p14="http://schemas.microsoft.com/office/powerpoint/2010/main" xmlns="" val="1241381465"/>
       </p:ext>
     </p:extLst>
   </p:cSld>
@@ -4530,6 +4600,7 @@
           <a:p>
             <a:fld id="{C35BC5CC-E7B8-46DF-A829-718439F4BE79}" type="slidenum">
               <a:rPr lang="ko-KR" altLang="en-US" smtClean="0"/>
+              <a:pPr/>
               <a:t>2</a:t>
             </a:fld>
             <a:endParaRPr lang="ko-KR" altLang="en-US"/>
@@ -4539,7 +4610,7 @@
     </p:spTree>
     <p:extLst>
       <p:ext uri="{BB962C8B-B14F-4D97-AF65-F5344CB8AC3E}">
-        <p14:creationId xmlns:p14="http://schemas.microsoft.com/office/powerpoint/2010/main" val="42200597"/>
+        <p14:creationId xmlns:p14="http://schemas.microsoft.com/office/powerpoint/2010/main" xmlns="" val="42200597"/>
       </p:ext>
     </p:extLst>
   </p:cSld>
@@ -4654,6 +4725,7 @@
           <a:p>
             <a:fld id="{C35BC5CC-E7B8-46DF-A829-718439F4BE79}" type="slidenum">
               <a:rPr lang="ko-KR" altLang="en-US" smtClean="0"/>
+              <a:pPr/>
               <a:t>3</a:t>
             </a:fld>
             <a:endParaRPr lang="ko-KR" altLang="en-US"/>
@@ -4663,7 +4735,7 @@
     </p:spTree>
     <p:extLst>
       <p:ext uri="{BB962C8B-B14F-4D97-AF65-F5344CB8AC3E}">
-        <p14:creationId xmlns:p14="http://schemas.microsoft.com/office/powerpoint/2010/main" val="2232967718"/>
+        <p14:creationId xmlns:p14="http://schemas.microsoft.com/office/powerpoint/2010/main" xmlns="" val="2232967718"/>
       </p:ext>
     </p:extLst>
   </p:cSld>
@@ -4804,6 +4876,7 @@
           <a:p>
             <a:fld id="{C35BC5CC-E7B8-46DF-A829-718439F4BE79}" type="slidenum">
               <a:rPr lang="ko-KR" altLang="en-US" smtClean="0"/>
+              <a:pPr/>
               <a:t>4</a:t>
             </a:fld>
             <a:endParaRPr lang="ko-KR" altLang="en-US"/>
@@ -4813,7 +4886,7 @@
     </p:spTree>
     <p:extLst>
       <p:ext uri="{BB962C8B-B14F-4D97-AF65-F5344CB8AC3E}">
-        <p14:creationId xmlns:p14="http://schemas.microsoft.com/office/powerpoint/2010/main" val="557852590"/>
+        <p14:creationId xmlns:p14="http://schemas.microsoft.com/office/powerpoint/2010/main" xmlns="" val="557852590"/>
       </p:ext>
     </p:extLst>
   </p:cSld>
@@ -4867,6 +4940,118 @@
           <a:bodyPr/>
           <a:lstStyle/>
           <a:p>
+            <a:r>
+              <a:rPr lang="ko-KR" altLang="en-US" dirty="0"/>
+              <a:t>저희는 공연예술통합 전산망 </a:t>
+            </a:r>
+            <a:r>
+              <a:rPr lang="en-US" altLang="ko-KR" dirty="0"/>
+              <a:t>API </a:t>
+            </a:r>
+            <a:r>
+              <a:rPr lang="ko-KR" altLang="en-US" dirty="0"/>
+              <a:t>를 사용하여 연극에 대한 정보를 보여줄 것입니다</a:t>
+            </a:r>
+            <a:r>
+              <a:rPr lang="en-US" altLang="ko-KR" dirty="0"/>
+              <a:t>.</a:t>
+            </a:r>
+          </a:p>
+          <a:p>
+            <a:r>
+              <a:rPr lang="ko-KR" altLang="en-US" dirty="0"/>
+              <a:t>기본적으로 연극의 제목</a:t>
+            </a:r>
+            <a:r>
+              <a:rPr lang="en-US" altLang="ko-KR" dirty="0"/>
+              <a:t>, </a:t>
+            </a:r>
+            <a:r>
+              <a:rPr lang="ko-KR" altLang="en-US" dirty="0"/>
+              <a:t>관람시간</a:t>
+            </a:r>
+            <a:r>
+              <a:rPr lang="en-US" altLang="ko-KR" dirty="0"/>
+              <a:t>, </a:t>
+            </a:r>
+            <a:r>
+              <a:rPr lang="ko-KR" altLang="en-US" dirty="0"/>
+              <a:t>출연진</a:t>
+            </a:r>
+            <a:r>
+              <a:rPr lang="en-US" altLang="ko-KR" dirty="0"/>
+              <a:t>, </a:t>
+            </a:r>
+            <a:r>
+              <a:rPr lang="ko-KR" altLang="en-US" dirty="0"/>
+              <a:t>티켓 가격</a:t>
+            </a:r>
+            <a:r>
+              <a:rPr lang="en-US" altLang="ko-KR" dirty="0"/>
+              <a:t>, </a:t>
+            </a:r>
+            <a:r>
+              <a:rPr lang="ko-KR" altLang="en-US" dirty="0"/>
+              <a:t>포스터와 연극 설명이 있습니다</a:t>
+            </a:r>
+            <a:r>
+              <a:rPr lang="en-US" altLang="ko-KR" dirty="0"/>
+              <a:t>.</a:t>
+            </a:r>
+          </a:p>
+          <a:p>
+            <a:r>
+              <a:rPr lang="ko-KR" altLang="en-US" dirty="0"/>
+              <a:t>또한 연극의 상영 기간과 각 상영날짜에 맞는 공연 시간을 보여줄 것입니다</a:t>
+            </a:r>
+            <a:r>
+              <a:rPr lang="en-US" altLang="ko-KR" dirty="0"/>
+              <a:t>.</a:t>
+            </a:r>
+          </a:p>
+          <a:p>
+            <a:r>
+              <a:rPr lang="ko-KR" altLang="en-US" dirty="0"/>
+              <a:t>원하는 시간대를 선택해 예매하기 버튼을 누르면 예매 페이지로 이동할 것입니다</a:t>
+            </a:r>
+            <a:r>
+              <a:rPr lang="en-US" altLang="ko-KR" dirty="0"/>
+              <a:t>.</a:t>
+            </a:r>
+          </a:p>
+          <a:p>
+            <a:r>
+              <a:rPr lang="ko-KR" altLang="en-US" dirty="0"/>
+              <a:t>연극이 있으면 상영할 극장이 있겠죠</a:t>
+            </a:r>
+            <a:r>
+              <a:rPr lang="en-US" altLang="ko-KR" dirty="0"/>
+              <a:t>. </a:t>
+            </a:r>
+            <a:r>
+              <a:rPr lang="ko-KR" altLang="en-US" dirty="0"/>
+              <a:t>상영 극장의 </a:t>
+            </a:r>
+            <a:r>
+              <a:rPr lang="en-US" altLang="ko-KR" dirty="0"/>
+              <a:t>GPS </a:t>
+            </a:r>
+            <a:r>
+              <a:rPr lang="ko-KR" altLang="en-US" dirty="0"/>
+              <a:t>위치를 가져와서 다음 카카오 지도 </a:t>
+            </a:r>
+            <a:r>
+              <a:rPr lang="en-US" altLang="ko-KR" dirty="0"/>
+              <a:t>API </a:t>
+            </a:r>
+            <a:r>
+              <a:rPr lang="ko-KR" altLang="en-US" dirty="0"/>
+              <a:t>를 사용하여 위치를 표시해 줄 것입니다</a:t>
+            </a:r>
+            <a:r>
+              <a:rPr lang="en-US" altLang="ko-KR" dirty="0"/>
+              <a:t>.</a:t>
+            </a:r>
             <a:endParaRPr lang="ko-KR" altLang="en-US" dirty="0"/>
           </a:p>
         </p:txBody>
@@ -4888,6 +5073,7 @@
           <a:p>
             <a:fld id="{C35BC5CC-E7B8-46DF-A829-718439F4BE79}" type="slidenum">
               <a:rPr lang="ko-KR" altLang="en-US" smtClean="0"/>
+              <a:pPr/>
               <a:t>5</a:t>
             </a:fld>
             <a:endParaRPr lang="ko-KR" altLang="en-US"/>
@@ -4897,7 +5083,7 @@
     </p:spTree>
     <p:extLst>
       <p:ext uri="{BB962C8B-B14F-4D97-AF65-F5344CB8AC3E}">
-        <p14:creationId xmlns:p14="http://schemas.microsoft.com/office/powerpoint/2010/main" val="1420117914"/>
+        <p14:creationId xmlns:p14="http://schemas.microsoft.com/office/powerpoint/2010/main" xmlns="" val="2316017418"/>
       </p:ext>
     </p:extLst>
   </p:cSld>
@@ -4953,7 +5139,47 @@
           <a:p>
             <a:r>
               <a:rPr lang="ko-KR" altLang="en-US" dirty="0"/>
-              <a:t>저희는 공연예술통합 전산망 </a:t>
+              <a:t>예매하기 페이지는 지역과 극장을 선택하면 해당 극장에서 상영하는 연극과 그 연극의 상영시간표를 보여줍니다</a:t>
+            </a:r>
+            <a:r>
+              <a:rPr lang="en-US" altLang="ko-KR" dirty="0"/>
+              <a:t>.</a:t>
+            </a:r>
+          </a:p>
+          <a:p>
+            <a:r>
+              <a:rPr lang="ko-KR" altLang="en-US" dirty="0"/>
+              <a:t>원하는 연극의 시간까지 선택하면 다음 페이지는 선택한 연극 예매 정보와 관람 인원을 </a:t>
+            </a:r>
+            <a:r>
+              <a:rPr lang="ko-KR" altLang="en-US" dirty="0" err="1"/>
+              <a:t>입력받습니다</a:t>
+            </a:r>
+            <a:r>
+              <a:rPr lang="en-US" altLang="ko-KR" dirty="0"/>
+              <a:t>.</a:t>
+            </a:r>
+          </a:p>
+          <a:p>
+            <a:r>
+              <a:rPr lang="ko-KR" altLang="en-US" dirty="0"/>
+              <a:t>원래 이 다음에는 다음 카카오페이 </a:t>
+            </a:r>
+            <a:r>
+              <a:rPr lang="en-US" altLang="ko-KR" dirty="0"/>
+              <a:t>API</a:t>
+            </a:r>
+            <a:r>
+              <a:rPr lang="ko-KR" altLang="en-US" dirty="0"/>
+              <a:t> 또는 </a:t>
+            </a:r>
+            <a:r>
+              <a:rPr lang="en-US" altLang="ko-KR" dirty="0"/>
+              <a:t>KG </a:t>
+            </a:r>
+            <a:r>
+              <a:rPr lang="ko-KR" altLang="en-US" dirty="0" err="1"/>
+              <a:t>이니시스</a:t>
             </a:r>
             <a:r>
               <a:rPr lang="en-US" altLang="ko-KR" dirty="0"/>
@@ -4961,108 +5187,19 @@
             </a:r>
             <a:r>
               <a:rPr lang="ko-KR" altLang="en-US" dirty="0"/>
-              <a:t>를 사용하여 연극에 대한 정보를 보여줄 것입니다</a:t>
-            </a:r>
-            <a:r>
-              <a:rPr lang="en-US" altLang="ko-KR" dirty="0"/>
-              <a:t>.</a:t>
-            </a:r>
-          </a:p>
-          <a:p>
+              <a:t>를 통한 결제 기능을 추가하고 싶었으나 비즈니스 계약을 통한 제휴사에만 제공되어서 예매 정보와 </a:t>
+            </a:r>
+            <a:r>
+              <a:rPr lang="ko-KR" altLang="en-US" dirty="0" err="1"/>
+              <a:t>난수생성을</a:t>
+            </a:r>
             <a:r>
               <a:rPr lang="ko-KR" altLang="en-US" dirty="0"/>
-              <a:t>기본적으로 연극의 제목</a:t>
-            </a:r>
-            <a:r>
-              <a:rPr lang="en-US" altLang="ko-KR" dirty="0"/>
-              <a:t>, </a:t>
-            </a:r>
-            <a:r>
-              <a:rPr lang="ko-KR" altLang="en-US" dirty="0"/>
-              <a:t>관람시간</a:t>
-            </a:r>
-            <a:r>
-              <a:rPr lang="en-US" altLang="ko-KR" dirty="0"/>
-              <a:t>, </a:t>
-            </a:r>
-            <a:r>
-              <a:rPr lang="ko-KR" altLang="en-US" dirty="0"/>
-              <a:t>출연진</a:t>
-            </a:r>
-            <a:r>
-              <a:rPr lang="en-US" altLang="ko-KR" dirty="0"/>
-              <a:t>, </a:t>
-            </a:r>
-            <a:r>
-              <a:rPr lang="ko-KR" altLang="en-US" dirty="0"/>
-              <a:t>티켓 가격</a:t>
-            </a:r>
-            <a:r>
-              <a:rPr lang="en-US" altLang="ko-KR" dirty="0"/>
-              <a:t>, </a:t>
-            </a:r>
-            <a:r>
-              <a:rPr lang="ko-KR" altLang="en-US" dirty="0"/>
-              <a:t>포스터와 연극 설명이 있습니다</a:t>
-            </a:r>
-            <a:r>
-              <a:rPr lang="en-US" altLang="ko-KR" dirty="0"/>
-              <a:t>.</a:t>
-            </a:r>
-          </a:p>
-          <a:p>
-            <a:r>
-              <a:rPr lang="ko-KR" altLang="en-US" dirty="0"/>
-              <a:t>또한 연극의 상영 기간과 각 상영날짜에 맞는 공연 시간을 보여줄 것입니다</a:t>
-            </a:r>
-            <a:r>
-              <a:rPr lang="en-US" altLang="ko-KR" dirty="0"/>
-              <a:t>.</a:t>
-            </a:r>
-          </a:p>
-          <a:p>
-            <a:r>
-              <a:rPr lang="ko-KR" altLang="en-US" dirty="0"/>
-              <a:t>원하는 시간대를 선택해 예매하기 버튼을 누르면 예매 페이지로 이동할 것입니다</a:t>
-            </a:r>
-            <a:r>
-              <a:rPr lang="en-US" altLang="ko-KR" dirty="0"/>
-              <a:t>.</a:t>
-            </a:r>
-          </a:p>
-          <a:p>
-            <a:r>
-              <a:rPr lang="ko-KR" altLang="en-US" dirty="0"/>
-              <a:t>연극이 있으면 상영할 극장이 있겠죠</a:t>
-            </a:r>
-            <a:r>
-              <a:rPr lang="en-US" altLang="ko-KR" dirty="0"/>
-              <a:t>. </a:t>
-            </a:r>
-            <a:r>
-              <a:rPr lang="ko-KR" altLang="en-US" dirty="0"/>
-              <a:t>상영 극장의 </a:t>
-            </a:r>
-            <a:r>
-              <a:rPr lang="en-US" altLang="ko-KR" dirty="0"/>
-              <a:t>GPS </a:t>
-            </a:r>
-            <a:r>
-              <a:rPr lang="ko-KR" altLang="en-US" dirty="0"/>
-              <a:t>위치를 가져와서 다음 카카오 지도 </a:t>
-            </a:r>
-            <a:r>
-              <a:rPr lang="en-US" altLang="ko-KR" dirty="0"/>
-              <a:t>API </a:t>
-            </a:r>
-            <a:r>
-              <a:rPr lang="ko-KR" altLang="en-US" dirty="0"/>
-              <a:t>를 사용하여 위치를 표시해 줄 것입니다</a:t>
-            </a:r>
-            <a:r>
-              <a:rPr lang="en-US" altLang="ko-KR" dirty="0"/>
-              <a:t>.</a:t>
-            </a:r>
+              <a:t> 통한 예매번호를 보여주어서 예매가 되었음을 보여줍니다</a:t>
+            </a:r>
+            <a:endParaRPr lang="en-US" altLang="ko-KR" dirty="0"/>
+          </a:p>
+          <a:p>
             <a:endParaRPr lang="ko-KR" altLang="en-US" dirty="0"/>
           </a:p>
         </p:txBody>
@@ -5084,6 +5221,7 @@
           <a:p>
             <a:fld id="{C35BC5CC-E7B8-46DF-A829-718439F4BE79}" type="slidenum">
               <a:rPr lang="ko-KR" altLang="en-US" smtClean="0"/>
+              <a:pPr/>
               <a:t>6</a:t>
             </a:fld>
             <a:endParaRPr lang="ko-KR" altLang="en-US"/>
@@ -5093,7 +5231,7 @@
     </p:spTree>
     <p:extLst>
       <p:ext uri="{BB962C8B-B14F-4D97-AF65-F5344CB8AC3E}">
-        <p14:creationId xmlns:p14="http://schemas.microsoft.com/office/powerpoint/2010/main" val="2316017418"/>
+        <p14:creationId xmlns:p14="http://schemas.microsoft.com/office/powerpoint/2010/main" xmlns="" val="567209064"/>
       </p:ext>
     </p:extLst>
   </p:cSld>
@@ -5149,7 +5287,93 @@
           <a:p>
             <a:r>
               <a:rPr lang="ko-KR" altLang="en-US" dirty="0"/>
-              <a:t>예매하기 페이지는 지역과 극장을 선택하면 해당 극장에서 상영하는 연극과 그 연극의 상영시간표를 보여줍니다</a:t>
+              <a:t>왼쪽은 로그인 화면입니다</a:t>
+            </a:r>
+            <a:r>
+              <a:rPr lang="en-US" altLang="ko-KR" dirty="0"/>
+              <a:t>. </a:t>
+            </a:r>
+            <a:r>
+              <a:rPr lang="ko-KR" altLang="en-US" dirty="0"/>
+              <a:t>아이디와 비밀번호로 로그인을 할 수 있습니다</a:t>
+            </a:r>
+            <a:r>
+              <a:rPr lang="en-US" altLang="ko-KR" dirty="0"/>
+              <a:t>. </a:t>
+            </a:r>
+            <a:r>
+              <a:rPr lang="ko-KR" altLang="en-US" dirty="0"/>
+              <a:t>네이버 로그인 </a:t>
+            </a:r>
+            <a:r>
+              <a:rPr lang="en-US" altLang="ko-KR" dirty="0"/>
+              <a:t>API</a:t>
+            </a:r>
+            <a:r>
+              <a:rPr lang="ko-KR" altLang="en-US" dirty="0"/>
+              <a:t>와 카카오 로그인 </a:t>
+            </a:r>
+            <a:r>
+              <a:rPr lang="en-US" altLang="ko-KR" dirty="0"/>
+              <a:t>API</a:t>
+            </a:r>
+            <a:r>
+              <a:rPr lang="ko-KR" altLang="en-US" dirty="0"/>
+              <a:t>를 사용하여 각각 </a:t>
+            </a:r>
+            <a:r>
+              <a:rPr lang="ko-KR" altLang="en-US" dirty="0" err="1"/>
+              <a:t>네이버바이디로</a:t>
+            </a:r>
+            <a:r>
+              <a:rPr lang="ko-KR" altLang="en-US" dirty="0"/>
+              <a:t> 로그인</a:t>
+            </a:r>
+            <a:r>
+              <a:rPr lang="en-US" altLang="ko-KR" dirty="0"/>
+              <a:t>, </a:t>
+            </a:r>
+            <a:r>
+              <a:rPr lang="ko-KR" altLang="en-US" dirty="0"/>
+              <a:t>카카오계정으로 로그인 기능을 </a:t>
+            </a:r>
+            <a:r>
+              <a:rPr lang="ko-KR" altLang="en-US" dirty="0" err="1"/>
+              <a:t>구현할것입니다</a:t>
+            </a:r>
+            <a:r>
+              <a:rPr lang="en-US" altLang="ko-KR" dirty="0"/>
+              <a:t>. </a:t>
+            </a:r>
+          </a:p>
+          <a:p>
+            <a:r>
+              <a:rPr lang="ko-KR" altLang="en-US" dirty="0"/>
+              <a:t>가운데는 비회원 로그인에 필요한 데이터입니다</a:t>
+            </a:r>
+            <a:r>
+              <a:rPr lang="en-US" altLang="ko-KR" dirty="0"/>
+              <a:t>. </a:t>
+            </a:r>
+            <a:r>
+              <a:rPr lang="ko-KR" altLang="en-US" dirty="0"/>
+              <a:t>저희는 비회원도 연극을 예매할 수 있도록 하기 위해 비회원 로그인을 구현할 것입니다</a:t>
+            </a:r>
+            <a:r>
+              <a:rPr lang="en-US" altLang="ko-KR" dirty="0"/>
+              <a:t>. </a:t>
+            </a:r>
+            <a:r>
+              <a:rPr lang="ko-KR" altLang="en-US" dirty="0"/>
+              <a:t>이름과 휴대폰번호 그리고 비밀번호를 </a:t>
+            </a:r>
+            <a:r>
+              <a:rPr lang="ko-KR" altLang="en-US" dirty="0" err="1"/>
+              <a:t>입력받아서</a:t>
+            </a:r>
+            <a:r>
+              <a:rPr lang="ko-KR" altLang="en-US" dirty="0"/>
+              <a:t> 비회원 로그인을 하고 예매를 하면 받는 예매번호로 예매확인과 예매 취소를 기능을 사용할 수 있도록 만들 것입니다</a:t>
             </a:r>
             <a:r>
               <a:rPr lang="en-US" altLang="ko-KR" dirty="0"/>
@@ -5159,57 +5383,44 @@
           <a:p>
             <a:r>
               <a:rPr lang="ko-KR" altLang="en-US" dirty="0"/>
-              <a:t>원하는 연극의 시간까지 선택하면 다음 페이지는 선택한 연극 예매 정보와 관람 인원을 </a:t>
+              <a:t>오른쪽은 회원가입 폼입니다</a:t>
+            </a:r>
+            <a:r>
+              <a:rPr lang="en-US" altLang="ko-KR" dirty="0"/>
+              <a:t>. </a:t>
+            </a:r>
+            <a:r>
+              <a:rPr lang="ko-KR" altLang="en-US" dirty="0"/>
+              <a:t>우리는 회원을 일반회원과 공연 관계자 회원으로 나누어서 일반 회원은 공연정보와 예매를</a:t>
+            </a:r>
+            <a:r>
+              <a:rPr lang="en-US" altLang="ko-KR" dirty="0"/>
+              <a:t>, </a:t>
+            </a:r>
+            <a:r>
+              <a:rPr lang="ko-KR" altLang="en-US" dirty="0"/>
+              <a:t>공연 관계자는 공연의 홍보를 할 수 있도록 할 것입니다</a:t>
+            </a:r>
+            <a:r>
+              <a:rPr lang="en-US" altLang="ko-KR" dirty="0"/>
+              <a:t>. </a:t>
+            </a:r>
+            <a:r>
+              <a:rPr lang="ko-KR" altLang="en-US" dirty="0"/>
+              <a:t>일반회원은 가입시에 선호극장을 </a:t>
             </a:r>
             <a:r>
               <a:rPr lang="ko-KR" altLang="en-US" dirty="0" err="1"/>
-              <a:t>입력받습니다</a:t>
+              <a:t>입력받는데</a:t>
+            </a:r>
+            <a:r>
+              <a:rPr lang="ko-KR" altLang="en-US" dirty="0"/>
+              <a:t> 이는 선택사항으로 이를 설정하면 연극정보를 보여줄 때 그 극장을 우선하여 보여줄 생각입니다</a:t>
             </a:r>
             <a:r>
               <a:rPr lang="en-US" altLang="ko-KR" dirty="0"/>
               <a:t>.</a:t>
             </a:r>
-          </a:p>
-          <a:p>
-            <a:r>
-              <a:rPr lang="ko-KR" altLang="en-US" dirty="0"/>
-              <a:t>원래 이 다음에는 다음 카카오페이 </a:t>
-            </a:r>
-            <a:r>
-              <a:rPr lang="en-US" altLang="ko-KR" dirty="0"/>
-              <a:t>API</a:t>
-            </a:r>
-            <a:r>
-              <a:rPr lang="ko-KR" altLang="en-US" dirty="0"/>
-              <a:t> 또는 </a:t>
-            </a:r>
-            <a:r>
-              <a:rPr lang="en-US" altLang="ko-KR" dirty="0"/>
-              <a:t>KG </a:t>
-            </a:r>
-            <a:r>
-              <a:rPr lang="ko-KR" altLang="en-US" dirty="0" err="1"/>
-              <a:t>이니시스</a:t>
-            </a:r>
-            <a:r>
-              <a:rPr lang="en-US" altLang="ko-KR" dirty="0"/>
-              <a:t>API </a:t>
-            </a:r>
-            <a:r>
-              <a:rPr lang="ko-KR" altLang="en-US" dirty="0"/>
-              <a:t>를 통한 결제 기능을 추가하고 싶었으나 비즈니스 계약을 통한 제휴사에만 제공되어서 예매 정보와 </a:t>
-            </a:r>
-            <a:r>
-              <a:rPr lang="ko-KR" altLang="en-US" dirty="0" err="1"/>
-              <a:t>난수생성을</a:t>
-            </a:r>
-            <a:r>
-              <a:rPr lang="ko-KR" altLang="en-US" dirty="0"/>
-              <a:t> 통한 예매번호를 보여주어서 예매가 되었음을 보여줍니다</a:t>
-            </a:r>
-            <a:endParaRPr lang="en-US" altLang="ko-KR" dirty="0"/>
-          </a:p>
-          <a:p>
             <a:endParaRPr lang="ko-KR" altLang="en-US" dirty="0"/>
           </a:p>
         </p:txBody>
@@ -5231,6 +5442,7 @@
           <a:p>
             <a:fld id="{C35BC5CC-E7B8-46DF-A829-718439F4BE79}" type="slidenum">
               <a:rPr lang="ko-KR" altLang="en-US" smtClean="0"/>
+              <a:pPr/>
               <a:t>7</a:t>
             </a:fld>
             <a:endParaRPr lang="ko-KR" altLang="en-US"/>
@@ -5240,7 +5452,7 @@
     </p:spTree>
     <p:extLst>
       <p:ext uri="{BB962C8B-B14F-4D97-AF65-F5344CB8AC3E}">
-        <p14:creationId xmlns:p14="http://schemas.microsoft.com/office/powerpoint/2010/main" val="567209064"/>
+        <p14:creationId xmlns:p14="http://schemas.microsoft.com/office/powerpoint/2010/main" xmlns="" val="2309458671"/>
       </p:ext>
     </p:extLst>
   </p:cSld>
@@ -5296,7 +5508,7 @@
           <a:p>
             <a:r>
               <a:rPr lang="ko-KR" altLang="en-US" dirty="0"/>
-              <a:t>왼쪽은 로그인 화면입니다</a:t>
+              <a:t>왼쪽은 마이페이지 홈 화면 입니다</a:t>
             </a:r>
             <a:r>
               <a:rPr lang="en-US" altLang="ko-KR" dirty="0"/>
@@ -5304,7 +5516,25 @@
             </a:r>
             <a:r>
               <a:rPr lang="ko-KR" altLang="en-US" dirty="0"/>
-              <a:t>아이디와 비밀번호로 로그인을 할 수 있습니다</a:t>
+              <a:t>회원의 이름과 예매 </a:t>
+            </a:r>
+            <a:r>
+              <a:rPr lang="ko-KR" altLang="en-US" dirty="0" err="1"/>
+              <a:t>내역등</a:t>
+            </a:r>
+            <a:r>
+              <a:rPr lang="ko-KR" altLang="en-US" dirty="0"/>
+              <a:t> 회원정보를 보여줘야하기 때문에 로그인을 한 회원이어야만 이 페이지를 볼 수 있습니다</a:t>
+            </a:r>
+            <a:r>
+              <a:rPr lang="en-US" altLang="ko-KR" dirty="0"/>
+              <a:t>.</a:t>
+            </a:r>
+          </a:p>
+          <a:p>
+            <a:r>
+              <a:rPr lang="ko-KR" altLang="en-US" dirty="0"/>
+              <a:t>예매 내역은 월별로 보여지며 상영전인 연극의 경우 예매 취소를 할 수 있습니다</a:t>
             </a:r>
             <a:r>
               <a:rPr lang="en-US" altLang="ko-KR" dirty="0"/>
@@ -5312,119 +5542,19 @@
             </a:r>
             <a:r>
               <a:rPr lang="ko-KR" altLang="en-US" dirty="0"/>
-              <a:t>네이버 로그인 </a:t>
+              <a:t>예매 취소내역은 최근 </a:t>
             </a:r>
             <a:r>
               <a:rPr lang="en-US" altLang="ko-KR" dirty="0"/>
-              <a:t>API</a:t>
+              <a:t>7</a:t>
+            </a:r>
+            <a:r>
+              <a:rPr lang="ko-KR" altLang="en-US" dirty="0" err="1"/>
+              <a:t>일까지만</a:t>
             </a:r>
             <a:r>
               <a:rPr lang="ko-KR" altLang="en-US" dirty="0"/>
-              <a:t>와 카카오 로그인 </a:t>
-            </a:r>
-            <a:r>
-              <a:rPr lang="en-US" altLang="ko-KR" dirty="0"/>
-              <a:t>API</a:t>
-            </a:r>
-            <a:r>
-              <a:rPr lang="ko-KR" altLang="en-US" dirty="0"/>
-              <a:t>를 사용하여 각각 </a:t>
-            </a:r>
-            <a:r>
-              <a:rPr lang="ko-KR" altLang="en-US" dirty="0" err="1"/>
-              <a:t>네이버바이디로</a:t>
-            </a:r>
-            <a:r>
-              <a:rPr lang="ko-KR" altLang="en-US" dirty="0"/>
-              <a:t> 로그인</a:t>
-            </a:r>
-            <a:r>
-              <a:rPr lang="en-US" altLang="ko-KR" dirty="0"/>
-              <a:t>, </a:t>
-            </a:r>
-            <a:r>
-              <a:rPr lang="ko-KR" altLang="en-US" dirty="0"/>
-              <a:t>카카오계정으로 로그인 기능을 </a:t>
-            </a:r>
-            <a:r>
-              <a:rPr lang="ko-KR" altLang="en-US" dirty="0" err="1"/>
-              <a:t>구현할것입니다</a:t>
-            </a:r>
-            <a:r>
-              <a:rPr lang="en-US" altLang="ko-KR" dirty="0"/>
-              <a:t>. </a:t>
-            </a:r>
-          </a:p>
-          <a:p>
-            <a:r>
-              <a:rPr lang="ko-KR" altLang="en-US" dirty="0"/>
-              <a:t>가운데는 비회원 로그인에 필요한 데이터입니다</a:t>
-            </a:r>
-            <a:r>
-              <a:rPr lang="en-US" altLang="ko-KR" dirty="0"/>
-              <a:t>. </a:t>
-            </a:r>
-            <a:r>
-              <a:rPr lang="ko-KR" altLang="en-US" dirty="0"/>
-              <a:t>저희는 비회원도 연극을 예매할 수 있도록 하기 위해 비회원 로그인을 구현할 것입니다</a:t>
-            </a:r>
-            <a:r>
-              <a:rPr lang="en-US" altLang="ko-KR" dirty="0"/>
-              <a:t>. </a:t>
-            </a:r>
-            <a:r>
-              <a:rPr lang="ko-KR" altLang="en-US" dirty="0"/>
-              <a:t>이름과 휴대폰번호 그리고 비밀번호를 </a:t>
-            </a:r>
-            <a:r>
-              <a:rPr lang="ko-KR" altLang="en-US" dirty="0" err="1"/>
-              <a:t>입력받아서</a:t>
-            </a:r>
-            <a:r>
-              <a:rPr lang="ko-KR" altLang="en-US" dirty="0"/>
-              <a:t> 비회원 로그인을 하고 예매를 하면 받는 예매번호로 예매확인과 예매 취소를 기능을 사용할 수 있도록 만들 것입니다</a:t>
-            </a:r>
-            <a:r>
-              <a:rPr lang="en-US" altLang="ko-KR" dirty="0"/>
-              <a:t>.</a:t>
-            </a:r>
-          </a:p>
-          <a:p>
-            <a:r>
-              <a:rPr lang="ko-KR" altLang="en-US" dirty="0"/>
-              <a:t>오른쪽은 회원가입 폼입니다</a:t>
-            </a:r>
-            <a:r>
-              <a:rPr lang="en-US" altLang="ko-KR" dirty="0"/>
-              <a:t>. </a:t>
-            </a:r>
-            <a:r>
-              <a:rPr lang="ko-KR" altLang="en-US" dirty="0"/>
-              <a:t>우리는 회원을 일반회원과 공연 관계자 회원으로 나누어서 일반 회원은 공연정보와 예매를</a:t>
-            </a:r>
-            <a:r>
-              <a:rPr lang="en-US" altLang="ko-KR" dirty="0"/>
-              <a:t>, </a:t>
-            </a:r>
-            <a:r>
-              <a:rPr lang="ko-KR" altLang="en-US" dirty="0"/>
-              <a:t>공연 관계자는 공연의 홍보를 할 수 있도록 할 것입니다</a:t>
-            </a:r>
-            <a:r>
-              <a:rPr lang="en-US" altLang="ko-KR" dirty="0"/>
-              <a:t>. </a:t>
-            </a:r>
-            <a:r>
-              <a:rPr lang="ko-KR" altLang="en-US" dirty="0"/>
-              <a:t>일반회원은 가입시에 선호극장을 </a:t>
-            </a:r>
-            <a:r>
-              <a:rPr lang="ko-KR" altLang="en-US" dirty="0" err="1"/>
-              <a:t>입력받는데</a:t>
-            </a:r>
-            <a:r>
-              <a:rPr lang="ko-KR" altLang="en-US" dirty="0"/>
-              <a:t> 이는 선택사항으로 이를 설정하면 연극정보를 보여줄 때 그 극장을 우선하여 보여줄 생각입니다</a:t>
+              <a:t> 보여줄 계획입니다</a:t>
             </a:r>
             <a:r>
               <a:rPr lang="en-US" altLang="ko-KR" dirty="0"/>
@@ -5451,6 +5581,7 @@
           <a:p>
             <a:fld id="{C35BC5CC-E7B8-46DF-A829-718439F4BE79}" type="slidenum">
               <a:rPr lang="ko-KR" altLang="en-US" smtClean="0"/>
+              <a:pPr/>
               <a:t>8</a:t>
             </a:fld>
             <a:endParaRPr lang="ko-KR" altLang="en-US"/>
@@ -5460,7 +5591,7 @@
     </p:spTree>
     <p:extLst>
       <p:ext uri="{BB962C8B-B14F-4D97-AF65-F5344CB8AC3E}">
-        <p14:creationId xmlns:p14="http://schemas.microsoft.com/office/powerpoint/2010/main" val="2309458671"/>
+        <p14:creationId xmlns:p14="http://schemas.microsoft.com/office/powerpoint/2010/main" xmlns="" val="2388833514"/>
       </p:ext>
     </p:extLst>
   </p:cSld>
@@ -5516,7 +5647,23 @@
           <a:p>
             <a:r>
               <a:rPr lang="ko-KR" altLang="en-US" dirty="0"/>
-              <a:t>왼쪽은 마이페이지 홈 화면 입니다</a:t>
+              <a:t>게시판은 크게 홍보</a:t>
+            </a:r>
+            <a:r>
+              <a:rPr lang="en-US" altLang="ko-KR" dirty="0"/>
+              <a:t>,</a:t>
+            </a:r>
+            <a:r>
+              <a:rPr lang="ko-KR" altLang="en-US" dirty="0"/>
+              <a:t>자유</a:t>
+            </a:r>
+            <a:r>
+              <a:rPr lang="en-US" altLang="ko-KR" dirty="0"/>
+              <a:t>,</a:t>
+            </a:r>
+            <a:r>
+              <a:rPr lang="ko-KR" altLang="en-US" dirty="0"/>
+              <a:t>공지 게시판으로 나뉩니다</a:t>
             </a:r>
             <a:r>
               <a:rPr lang="en-US" altLang="ko-KR" dirty="0"/>
@@ -5524,15 +5671,31 @@
             </a:r>
             <a:r>
               <a:rPr lang="ko-KR" altLang="en-US" dirty="0"/>
-              <a:t>회원의 이름과 예매 </a:t>
-            </a:r>
-            <a:r>
-              <a:rPr lang="ko-KR" altLang="en-US" dirty="0" err="1"/>
-              <a:t>내역등</a:t>
+              <a:t>게시판의 글은 누구나 읽을 수 있지만 각 게시판별로 글을 작성할 수 있는 권한은 다릅니다</a:t>
+            </a:r>
+            <a:r>
+              <a:rPr lang="en-US" altLang="ko-KR" dirty="0"/>
+              <a:t>. </a:t>
             </a:r>
             <a:r>
               <a:rPr lang="ko-KR" altLang="en-US" dirty="0"/>
-              <a:t> 회원정보를 보여줘야하기 때문에 로그인을 한 회원이어야만 이 페이지를 볼 수 있습니다</a:t>
+              <a:t>홍보게시판은 공연홍보를 위한 곳으로 공연관계자만이</a:t>
+            </a:r>
+            <a:r>
+              <a:rPr lang="en-US" altLang="ko-KR" dirty="0"/>
+              <a:t>, </a:t>
+            </a:r>
+            <a:r>
+              <a:rPr lang="ko-KR" altLang="en-US" dirty="0"/>
+              <a:t>자유 게시판은 일반회원이</a:t>
+            </a:r>
+            <a:r>
+              <a:rPr lang="en-US" altLang="ko-KR" dirty="0"/>
+              <a:t>, </a:t>
+            </a:r>
+            <a:r>
+              <a:rPr lang="ko-KR" altLang="en-US" dirty="0"/>
+              <a:t>그리고 공지 게시판은 웹페이지 관리자만이 글을 작성할 수 있습니다</a:t>
             </a:r>
             <a:r>
               <a:rPr lang="en-US" altLang="ko-KR" dirty="0"/>
@@ -5542,27 +5705,39 @@
           <a:p>
             <a:r>
               <a:rPr lang="ko-KR" altLang="en-US" dirty="0"/>
-              <a:t>예매 내역은 월별로 보여지며 상영전인 연극의 경우 예매 취소를 할 수 있습니다</a:t>
+              <a:t>이벤트 페이지는 </a:t>
             </a:r>
             <a:r>
               <a:rPr lang="en-US" altLang="ko-KR" dirty="0"/>
-              <a:t>. </a:t>
+              <a:t>Yes24, </a:t>
             </a:r>
             <a:r>
               <a:rPr lang="ko-KR" altLang="en-US" dirty="0"/>
-              <a:t>예매 취소내역은 최근 </a:t>
+              <a:t>인터파크 등의 웹페이지에서 진행되는 이벤트를 한곳에서 볼 수 있도록 </a:t>
+            </a:r>
+            <a:r>
+              <a:rPr lang="ko-KR" altLang="en-US" dirty="0" err="1"/>
+              <a:t>웹크롤링으로</a:t>
+            </a:r>
+            <a:r>
+              <a:rPr lang="ko-KR" altLang="en-US" dirty="0"/>
+              <a:t> 정보를 긁어와서 이벤트 </a:t>
+            </a:r>
+            <a:r>
+              <a:rPr lang="ko-KR" altLang="en-US" dirty="0" err="1"/>
+              <a:t>홍보이미지와</a:t>
+            </a:r>
+            <a:r>
+              <a:rPr lang="ko-KR" altLang="en-US" dirty="0"/>
+              <a:t> 이벤트 제목</a:t>
             </a:r>
             <a:r>
               <a:rPr lang="en-US" altLang="ko-KR" dirty="0"/>
-              <a:t>7</a:t>
-            </a:r>
-            <a:r>
-              <a:rPr lang="ko-KR" altLang="en-US" dirty="0" err="1"/>
-              <a:t>일까지만</a:t>
+              <a:t>,</a:t>
             </a:r>
             <a:r>
               <a:rPr lang="ko-KR" altLang="en-US" dirty="0"/>
-              <a:t> 보여줄 계획입니다</a:t>
+              <a:t>기간 오늘까지 남은 날짜를 보여줄 것입니다</a:t>
             </a:r>
             <a:r>
               <a:rPr lang="en-US" altLang="ko-KR" dirty="0"/>
@@ -5589,6 +5764,7 @@
           <a:p>
             <a:fld id="{C35BC5CC-E7B8-46DF-A829-718439F4BE79}" type="slidenum">
               <a:rPr lang="ko-KR" altLang="en-US" smtClean="0"/>
+              <a:pPr/>
               <a:t>9</a:t>
             </a:fld>
             <a:endParaRPr lang="ko-KR" altLang="en-US"/>
@@ -5598,7 +5774,7 @@
     </p:spTree>
     <p:extLst>
       <p:ext uri="{BB962C8B-B14F-4D97-AF65-F5344CB8AC3E}">
-        <p14:creationId xmlns:p14="http://schemas.microsoft.com/office/powerpoint/2010/main" val="2388833514"/>
+        <p14:creationId xmlns:p14="http://schemas.microsoft.com/office/powerpoint/2010/main" xmlns="" val="3244646526"/>
       </p:ext>
     </p:extLst>
   </p:cSld>
@@ -5642,7 +5818,7 @@
     </p:spTree>
     <p:extLst>
       <p:ext uri="{BB962C8B-B14F-4D97-AF65-F5344CB8AC3E}">
-        <p14:creationId xmlns:p14="http://schemas.microsoft.com/office/powerpoint/2010/main" val="2219768511"/>
+        <p14:creationId xmlns:p14="http://schemas.microsoft.com/office/powerpoint/2010/main" xmlns="" val="2219768511"/>
       </p:ext>
     </p:extLst>
   </p:cSld>
@@ -5811,7 +5987,7 @@
     </p:spTree>
     <p:extLst>
       <p:ext uri="{BB962C8B-B14F-4D97-AF65-F5344CB8AC3E}">
-        <p14:creationId xmlns:p14="http://schemas.microsoft.com/office/powerpoint/2010/main" val="1146943780"/>
+        <p14:creationId xmlns:p14="http://schemas.microsoft.com/office/powerpoint/2010/main" xmlns="" val="1146943780"/>
       </p:ext>
     </p:extLst>
   </p:cSld>
@@ -5983,7 +6159,7 @@
     </p:spTree>
     <p:extLst>
       <p:ext uri="{BB962C8B-B14F-4D97-AF65-F5344CB8AC3E}">
-        <p14:creationId xmlns:p14="http://schemas.microsoft.com/office/powerpoint/2010/main" val="922808211"/>
+        <p14:creationId xmlns:p14="http://schemas.microsoft.com/office/powerpoint/2010/main" xmlns="" val="922808211"/>
       </p:ext>
     </p:extLst>
   </p:cSld>
@@ -6021,7 +6197,7 @@
     </p:spTree>
     <p:extLst>
       <p:ext uri="{BB962C8B-B14F-4D97-AF65-F5344CB8AC3E}">
-        <p14:creationId xmlns:p14="http://schemas.microsoft.com/office/powerpoint/2010/main" val="4252391796"/>
+        <p14:creationId xmlns:p14="http://schemas.microsoft.com/office/powerpoint/2010/main" xmlns="" val="4252391796"/>
       </p:ext>
     </p:extLst>
   </p:cSld>
@@ -6556,11 +6732,11 @@
   <p:clrMapOvr>
     <a:masterClrMapping/>
   </p:clrMapOvr>
-  <mc:AlternateContent xmlns:mc="http://schemas.openxmlformats.org/markup-compatibility/2006" xmlns:p14="http://schemas.microsoft.com/office/powerpoint/2010/main">
-    <mc:Choice Requires="p14">
+  <mc:AlternateContent xmlns:mc="http://schemas.openxmlformats.org/markup-compatibility/2006">
+    <mc:Choice xmlns:p14="http://schemas.microsoft.com/office/powerpoint/2010/main" xmlns="" Requires="p14">
       <p:transition/>
     </mc:Choice>
-    <mc:Fallback xmlns="">
+    <mc:Fallback>
       <p:transition/>
     </mc:Fallback>
   </mc:AlternateContent>
@@ -6613,436 +6789,6 @@
           </a:p>
         </p:txBody>
       </p:sp>
-      <p:pic>
-        <p:nvPicPr>
-          <p:cNvPr id="33" name="내용 개체 틀 32" descr="스크린샷, 실외, 거리, 표지판이(가) 표시된 사진&#10;&#10;자동 생성된 설명">
-            <a:extLst>
-              <a:ext uri="{FF2B5EF4-FFF2-40B4-BE49-F238E27FC236}">
-                <a16:creationId xmlns:a16="http://schemas.microsoft.com/office/drawing/2014/main" id="{D046A0DC-DCA6-4667-B1C2-72859732E7A1}"/>
-              </a:ext>
-            </a:extLst>
-          </p:cNvPr>
-          <p:cNvPicPr>
-            <a:picLocks noGrp="1" noChangeAspect="1"/>
-          </p:cNvPicPr>
-          <p:nvPr>
-            <p:ph idx="10"/>
-          </p:nvPr>
-        </p:nvPicPr>
-        <p:blipFill>
-          <a:blip r:embed="rId3">
-            <a:extLst>
-              <a:ext uri="{28A0092B-C50C-407E-A947-70E740481C1C}">
-                <a14:useLocalDpi xmlns:a14="http://schemas.microsoft.com/office/drawing/2010/main" val="0"/>
-              </a:ext>
-            </a:extLst>
-          </a:blip>
-          <a:stretch>
-            <a:fillRect/>
-          </a:stretch>
-        </p:blipFill>
-        <p:spPr>
-          <a:xfrm>
-            <a:off x="1644557" y="1671650"/>
-            <a:ext cx="2855435" cy="2995612"/>
-          </a:xfrm>
-        </p:spPr>
-      </p:pic>
-      <p:sp>
-        <p:nvSpPr>
-          <p:cNvPr id="5" name="내용 개체 틀 4">
-            <a:extLst>
-              <a:ext uri="{FF2B5EF4-FFF2-40B4-BE49-F238E27FC236}">
-                <a16:creationId xmlns:a16="http://schemas.microsoft.com/office/drawing/2014/main" id="{5B7915EA-A7D9-4FDC-8974-CCC6CA74623F}"/>
-              </a:ext>
-            </a:extLst>
-          </p:cNvPr>
-          <p:cNvSpPr>
-            <a:spLocks noGrp="1"/>
-          </p:cNvSpPr>
-          <p:nvPr>
-            <p:ph idx="1"/>
-          </p:nvPr>
-        </p:nvSpPr>
-        <p:spPr/>
-        <p:txBody>
-          <a:bodyPr/>
-          <a:lstStyle/>
-          <a:p>
-            <a:r>
-              <a:rPr lang="ko-KR" altLang="en-US" dirty="0"/>
-              <a:t>게시판</a:t>
-            </a:r>
-            <a:r>
-              <a:rPr lang="en-US" altLang="ko-KR" dirty="0"/>
-              <a:t>/</a:t>
-            </a:r>
-            <a:r>
-              <a:rPr lang="ko-KR" altLang="en-US" dirty="0"/>
-              <a:t>이벤트</a:t>
-            </a:r>
-          </a:p>
-        </p:txBody>
-      </p:sp>
-      <p:sp>
-        <p:nvSpPr>
-          <p:cNvPr id="35" name="TextBox 34">
-            <a:extLst>
-              <a:ext uri="{FF2B5EF4-FFF2-40B4-BE49-F238E27FC236}">
-                <a16:creationId xmlns:a16="http://schemas.microsoft.com/office/drawing/2014/main" id="{B0E4B81C-D09C-4CCC-BE82-D12A5A8F422A}"/>
-              </a:ext>
-            </a:extLst>
-          </p:cNvPr>
-          <p:cNvSpPr txBox="1"/>
-          <p:nvPr/>
-        </p:nvSpPr>
-        <p:spPr>
-          <a:xfrm>
-            <a:off x="393545" y="1839362"/>
-            <a:ext cx="1637928" cy="861774"/>
-          </a:xfrm>
-          <a:prstGeom prst="rect">
-            <a:avLst/>
-          </a:prstGeom>
-          <a:noFill/>
-        </p:spPr>
-        <p:txBody>
-          <a:bodyPr wrap="square">
-            <a:spAutoFit/>
-          </a:bodyPr>
-          <a:lstStyle/>
-          <a:p>
-            <a:pPr algn="ctr">
-              <a:defRPr lang="ko-KR" altLang="en-US"/>
-            </a:pPr>
-            <a:r>
-              <a:rPr lang="ko-KR" altLang="en-US" sz="1000" dirty="0">
-                <a:solidFill>
-                  <a:schemeClr val="tx1"/>
-                </a:solidFill>
-              </a:rPr>
-              <a:t>공지 게시판</a:t>
-            </a:r>
-          </a:p>
-          <a:p>
-            <a:pPr algn="ctr">
-              <a:defRPr lang="ko-KR" altLang="en-US"/>
-            </a:pPr>
-            <a:r>
-              <a:rPr lang="ko-KR" altLang="en-US" sz="1000" dirty="0">
-                <a:solidFill>
-                  <a:schemeClr val="tx1"/>
-                </a:solidFill>
-              </a:rPr>
-              <a:t>------------------</a:t>
-            </a:r>
-          </a:p>
-          <a:p>
-            <a:pPr algn="ctr">
-              <a:defRPr lang="ko-KR" altLang="en-US"/>
-            </a:pPr>
-            <a:r>
-              <a:rPr lang="ko-KR" altLang="en-US" sz="1000" dirty="0">
-                <a:solidFill>
-                  <a:schemeClr val="tx1"/>
-                </a:solidFill>
-              </a:rPr>
-              <a:t>자유 게시판</a:t>
-            </a:r>
-          </a:p>
-          <a:p>
-            <a:pPr algn="ctr">
-              <a:defRPr lang="ko-KR" altLang="en-US"/>
-            </a:pPr>
-            <a:r>
-              <a:rPr lang="ko-KR" altLang="en-US" sz="1000" dirty="0">
-                <a:solidFill>
-                  <a:schemeClr val="tx1"/>
-                </a:solidFill>
-              </a:rPr>
-              <a:t>------------------</a:t>
-            </a:r>
-          </a:p>
-          <a:p>
-            <a:pPr algn="ctr">
-              <a:defRPr lang="ko-KR" altLang="en-US"/>
-            </a:pPr>
-            <a:r>
-              <a:rPr lang="ko-KR" altLang="en-US" sz="1000" dirty="0">
-                <a:solidFill>
-                  <a:schemeClr val="tx1"/>
-                </a:solidFill>
-              </a:rPr>
-              <a:t>홍보 게시판</a:t>
-            </a:r>
-          </a:p>
-        </p:txBody>
-      </p:sp>
-      <p:sp>
-        <p:nvSpPr>
-          <p:cNvPr id="36" name="모서리가 둥근 직사각형 11">
-            <a:extLst>
-              <a:ext uri="{FF2B5EF4-FFF2-40B4-BE49-F238E27FC236}">
-                <a16:creationId xmlns:a16="http://schemas.microsoft.com/office/drawing/2014/main" id="{B1F3BF63-567B-4997-AAAA-612C0E558626}"/>
-              </a:ext>
-            </a:extLst>
-          </p:cNvPr>
-          <p:cNvSpPr/>
-          <p:nvPr/>
-        </p:nvSpPr>
-        <p:spPr>
-          <a:xfrm>
-            <a:off x="5784584" y="2164729"/>
-            <a:ext cx="1263423" cy="1709700"/>
-          </a:xfrm>
-          <a:prstGeom prst="roundRect">
-            <a:avLst/>
-          </a:prstGeom>
-        </p:spPr>
-        <p:style>
-          <a:lnRef idx="2">
-            <a:schemeClr val="accent1">
-              <a:shade val="50000"/>
-            </a:schemeClr>
-          </a:lnRef>
-          <a:fillRef idx="1">
-            <a:schemeClr val="accent1"/>
-          </a:fillRef>
-          <a:effectRef idx="0">
-            <a:schemeClr val="accent1"/>
-          </a:effectRef>
-          <a:fontRef idx="minor">
-            <a:schemeClr val="lt1"/>
-          </a:fontRef>
-        </p:style>
-        <p:txBody>
-          <a:bodyPr rtlCol="0" anchor="ctr"/>
-          <a:lstStyle/>
-          <a:p>
-            <a:pPr algn="ctr"/>
-            <a:r>
-              <a:rPr lang="ko-KR" altLang="en-US" sz="1000" dirty="0"/>
-              <a:t>포스터</a:t>
-            </a:r>
-          </a:p>
-        </p:txBody>
-      </p:sp>
-      <p:sp>
-        <p:nvSpPr>
-          <p:cNvPr id="37" name="TextBox 36">
-            <a:extLst>
-              <a:ext uri="{FF2B5EF4-FFF2-40B4-BE49-F238E27FC236}">
-                <a16:creationId xmlns:a16="http://schemas.microsoft.com/office/drawing/2014/main" id="{B024E2A3-DBD7-436E-AFB2-D928CE97CBAA}"/>
-              </a:ext>
-            </a:extLst>
-          </p:cNvPr>
-          <p:cNvSpPr txBox="1"/>
-          <p:nvPr/>
-        </p:nvSpPr>
-        <p:spPr>
-          <a:xfrm>
-            <a:off x="5999331" y="3995653"/>
-            <a:ext cx="2097352" cy="646331"/>
-          </a:xfrm>
-          <a:prstGeom prst="rect">
-            <a:avLst/>
-          </a:prstGeom>
-          <a:noFill/>
-        </p:spPr>
-        <p:txBody>
-          <a:bodyPr wrap="square" rtlCol="0">
-            <a:spAutoFit/>
-          </a:bodyPr>
-          <a:lstStyle/>
-          <a:p>
-            <a:r>
-              <a:rPr lang="ko-KR" altLang="en-US" sz="1200" dirty="0"/>
-              <a:t>이벤트 제목</a:t>
-            </a:r>
-            <a:endParaRPr lang="en-US" altLang="ko-KR" sz="1200" dirty="0"/>
-          </a:p>
-          <a:p>
-            <a:r>
-              <a:rPr lang="ko-KR" altLang="en-US" sz="1200" dirty="0"/>
-              <a:t>기간</a:t>
-            </a:r>
-            <a:endParaRPr lang="en-US" altLang="ko-KR" sz="1200" dirty="0"/>
-          </a:p>
-          <a:p>
-            <a:r>
-              <a:rPr lang="ko-KR" altLang="en-US" sz="1200" dirty="0"/>
-              <a:t>남은 날짜</a:t>
-            </a:r>
-            <a:endParaRPr lang="en-US" altLang="ko-KR" sz="1200" dirty="0"/>
-          </a:p>
-        </p:txBody>
-      </p:sp>
-      <p:sp>
-        <p:nvSpPr>
-          <p:cNvPr id="38" name="모서리가 둥근 직사각형 11">
-            <a:extLst>
-              <a:ext uri="{FF2B5EF4-FFF2-40B4-BE49-F238E27FC236}">
-                <a16:creationId xmlns:a16="http://schemas.microsoft.com/office/drawing/2014/main" id="{777C01C4-C87F-4EC4-9D69-5782D1DD9422}"/>
-              </a:ext>
-            </a:extLst>
-          </p:cNvPr>
-          <p:cNvSpPr/>
-          <p:nvPr/>
-        </p:nvSpPr>
-        <p:spPr>
-          <a:xfrm>
-            <a:off x="7165565" y="2164729"/>
-            <a:ext cx="1263423" cy="1709700"/>
-          </a:xfrm>
-          <a:prstGeom prst="roundRect">
-            <a:avLst/>
-          </a:prstGeom>
-        </p:spPr>
-        <p:style>
-          <a:lnRef idx="2">
-            <a:schemeClr val="accent1">
-              <a:shade val="50000"/>
-            </a:schemeClr>
-          </a:lnRef>
-          <a:fillRef idx="1">
-            <a:schemeClr val="accent1"/>
-          </a:fillRef>
-          <a:effectRef idx="0">
-            <a:schemeClr val="accent1"/>
-          </a:effectRef>
-          <a:fontRef idx="minor">
-            <a:schemeClr val="lt1"/>
-          </a:fontRef>
-        </p:style>
-        <p:txBody>
-          <a:bodyPr rtlCol="0" anchor="ctr"/>
-          <a:lstStyle/>
-          <a:p>
-            <a:pPr algn="ctr"/>
-            <a:r>
-              <a:rPr lang="ko-KR" altLang="en-US" sz="1000" dirty="0"/>
-              <a:t>포스터</a:t>
-            </a:r>
-          </a:p>
-        </p:txBody>
-      </p:sp>
-      <p:sp>
-        <p:nvSpPr>
-          <p:cNvPr id="39" name="TextBox 38">
-            <a:extLst>
-              <a:ext uri="{FF2B5EF4-FFF2-40B4-BE49-F238E27FC236}">
-                <a16:creationId xmlns:a16="http://schemas.microsoft.com/office/drawing/2014/main" id="{27070726-6EF7-4EA7-A32E-B8622A29D99B}"/>
-              </a:ext>
-            </a:extLst>
-          </p:cNvPr>
-          <p:cNvSpPr txBox="1"/>
-          <p:nvPr/>
-        </p:nvSpPr>
-        <p:spPr>
-          <a:xfrm>
-            <a:off x="7380312" y="3995653"/>
-            <a:ext cx="2097352" cy="646331"/>
-          </a:xfrm>
-          <a:prstGeom prst="rect">
-            <a:avLst/>
-          </a:prstGeom>
-          <a:noFill/>
-        </p:spPr>
-        <p:txBody>
-          <a:bodyPr wrap="square" rtlCol="0">
-            <a:spAutoFit/>
-          </a:bodyPr>
-          <a:lstStyle/>
-          <a:p>
-            <a:r>
-              <a:rPr lang="ko-KR" altLang="en-US" sz="1200" dirty="0"/>
-              <a:t>이벤트 제목</a:t>
-            </a:r>
-            <a:endParaRPr lang="en-US" altLang="ko-KR" sz="1200" dirty="0"/>
-          </a:p>
-          <a:p>
-            <a:r>
-              <a:rPr lang="ko-KR" altLang="en-US" sz="1200" dirty="0"/>
-              <a:t>기간</a:t>
-            </a:r>
-            <a:endParaRPr lang="en-US" altLang="ko-KR" sz="1200" dirty="0"/>
-          </a:p>
-          <a:p>
-            <a:r>
-              <a:rPr lang="ko-KR" altLang="en-US" sz="1200" dirty="0"/>
-              <a:t>남은 날짜</a:t>
-            </a:r>
-            <a:endParaRPr lang="en-US" altLang="ko-KR" sz="1200" dirty="0"/>
-          </a:p>
-        </p:txBody>
-      </p:sp>
-    </p:spTree>
-    <p:extLst>
-      <p:ext uri="{BB962C8B-B14F-4D97-AF65-F5344CB8AC3E}">
-        <p14:creationId xmlns:p14="http://schemas.microsoft.com/office/powerpoint/2010/main" val="898516486"/>
-      </p:ext>
-    </p:extLst>
-  </p:cSld>
-  <p:clrMapOvr>
-    <a:masterClrMapping/>
-  </p:clrMapOvr>
-  <mc:AlternateContent xmlns:mc="http://schemas.openxmlformats.org/markup-compatibility/2006" xmlns:p14="http://schemas.microsoft.com/office/powerpoint/2010/main">
-    <mc:Choice Requires="p14">
-      <p:transition/>
-    </mc:Choice>
-    <mc:Fallback xmlns="">
-      <p:transition/>
-    </mc:Fallback>
-  </mc:AlternateContent>
-</p:sld>
-</file>
-
-<file path=ppt/slides/slide11.xml><?xml version="1.0" encoding="utf-8"?>
-<p:sld xmlns:a="http://schemas.openxmlformats.org/drawingml/2006/main" xmlns:r="http://schemas.openxmlformats.org/officeDocument/2006/relationships" xmlns:p="http://schemas.openxmlformats.org/presentationml/2006/main">
-  <p:cSld>
-    <p:spTree>
-      <p:nvGrpSpPr>
-        <p:cNvPr id="1" name=""/>
-        <p:cNvGrpSpPr/>
-        <p:nvPr/>
-      </p:nvGrpSpPr>
-      <p:grpSpPr>
-        <a:xfrm>
-          <a:off x="0" y="0"/>
-          <a:ext cx="0" cy="0"/>
-          <a:chOff x="0" y="0"/>
-          <a:chExt cx="0" cy="0"/>
-        </a:xfrm>
-      </p:grpSpPr>
-      <p:sp>
-        <p:nvSpPr>
-          <p:cNvPr id="3" name="Title 2"/>
-          <p:cNvSpPr>
-            <a:spLocks noGrp="1"/>
-          </p:cNvSpPr>
-          <p:nvPr>
-            <p:ph type="title"/>
-          </p:nvPr>
-        </p:nvSpPr>
-        <p:spPr/>
-        <p:txBody>
-          <a:bodyPr/>
-          <a:lstStyle/>
-          <a:p>
-            <a:pPr lvl="0">
-              <a:defRPr lang="ko-KR" altLang="en-US"/>
-            </a:pPr>
-            <a:r>
-              <a:rPr lang="en-US" altLang="ko-KR" dirty="0"/>
-              <a:t>	2. </a:t>
-            </a:r>
-            <a:r>
-              <a:rPr lang="ko-KR" altLang="en-US" dirty="0"/>
-              <a:t>개발범위</a:t>
-            </a:r>
-          </a:p>
-        </p:txBody>
-      </p:sp>
       <p:sp>
         <p:nvSpPr>
           <p:cNvPr id="8" name="내용 개체 틀 7"/>
@@ -7075,7 +6821,7 @@
             <p:ph idx="10"/>
             <p:extLst>
               <p:ext uri="{D42A27DB-BD31-4B8C-83A1-F6EECF244321}">
-                <p14:modId xmlns:p14="http://schemas.microsoft.com/office/powerpoint/2010/main" val="3341558655"/>
+                <p14:modId xmlns:p14="http://schemas.microsoft.com/office/powerpoint/2010/main" xmlns="" val="3341558655"/>
               </p:ext>
             </p:extLst>
           </p:nvPr>
@@ -7094,35 +6840,35 @@
                 <a:gridCol w="1699260">
                   <a:extLst>
                     <a:ext uri="{9D8B030D-6E8A-4147-A177-3AD203B41FA5}">
-                      <a16:colId xmlns:a16="http://schemas.microsoft.com/office/drawing/2014/main" val="20000"/>
+                      <a16:colId xmlns:a16="http://schemas.microsoft.com/office/drawing/2014/main" xmlns="" val="20000"/>
                     </a:ext>
                   </a:extLst>
                 </a:gridCol>
                 <a:gridCol w="1699260">
                   <a:extLst>
                     <a:ext uri="{9D8B030D-6E8A-4147-A177-3AD203B41FA5}">
-                      <a16:colId xmlns:a16="http://schemas.microsoft.com/office/drawing/2014/main" val="20001"/>
+                      <a16:colId xmlns:a16="http://schemas.microsoft.com/office/drawing/2014/main" xmlns="" val="20001"/>
                     </a:ext>
                   </a:extLst>
                 </a:gridCol>
                 <a:gridCol w="1699260">
                   <a:extLst>
                     <a:ext uri="{9D8B030D-6E8A-4147-A177-3AD203B41FA5}">
-                      <a16:colId xmlns:a16="http://schemas.microsoft.com/office/drawing/2014/main" val="20002"/>
+                      <a16:colId xmlns:a16="http://schemas.microsoft.com/office/drawing/2014/main" xmlns="" val="20002"/>
                     </a:ext>
                   </a:extLst>
                 </a:gridCol>
                 <a:gridCol w="1699260">
                   <a:extLst>
                     <a:ext uri="{9D8B030D-6E8A-4147-A177-3AD203B41FA5}">
-                      <a16:colId xmlns:a16="http://schemas.microsoft.com/office/drawing/2014/main" val="20003"/>
+                      <a16:colId xmlns:a16="http://schemas.microsoft.com/office/drawing/2014/main" xmlns="" val="20003"/>
                     </a:ext>
                   </a:extLst>
                 </a:gridCol>
                 <a:gridCol w="1699260">
                   <a:extLst>
                     <a:ext uri="{9D8B030D-6E8A-4147-A177-3AD203B41FA5}">
-                      <a16:colId xmlns:a16="http://schemas.microsoft.com/office/drawing/2014/main" val="20004"/>
+                      <a16:colId xmlns:a16="http://schemas.microsoft.com/office/drawing/2014/main" xmlns="" val="20004"/>
                     </a:ext>
                   </a:extLst>
                 </a:gridCol>
@@ -7200,7 +6946,7 @@
                 </a:tc>
                 <a:extLst>
                   <a:ext uri="{0D108BD9-81ED-4DB2-BD59-A6C34878D82A}">
-                    <a16:rowId xmlns:a16="http://schemas.microsoft.com/office/drawing/2014/main" val="10000"/>
+                    <a16:rowId xmlns:a16="http://schemas.microsoft.com/office/drawing/2014/main" xmlns="" val="10000"/>
                   </a:ext>
                 </a:extLst>
               </a:tr>
@@ -7368,7 +7114,7 @@
                 </a:tc>
                 <a:extLst>
                   <a:ext uri="{0D108BD9-81ED-4DB2-BD59-A6C34878D82A}">
-                    <a16:rowId xmlns:a16="http://schemas.microsoft.com/office/drawing/2014/main" val="10001"/>
+                    <a16:rowId xmlns:a16="http://schemas.microsoft.com/office/drawing/2014/main" xmlns="" val="10001"/>
                   </a:ext>
                 </a:extLst>
               </a:tr>
@@ -7396,22 +7142,57 @@
                         <a:defRPr/>
                       </a:pPr>
                       <a:r>
-                        <a:rPr lang="ko-KR" altLang="en-US" sz="1400" b="0" u="none" strike="noStrike" kern="1200" dirty="0">
+                        <a:rPr lang="ko-KR" altLang="en-US" sz="1400" b="0" u="none" strike="noStrike" kern="1200" dirty="0" smtClean="0">
                           <a:solidFill>
                             <a:schemeClr val="dk1"/>
                           </a:solidFill>
-                          <a:hlinkClick r:id="rId2"/>
+                          <a:hlinkClick r:id="rId3"/>
                         </a:rPr>
-                        <a:t>공연예술통합전산망</a:t>
+                        <a:t>공연예술통합</a:t>
+                      </a:r>
+                      <a:r>
+                        <a:rPr lang="en-US" altLang="ko-KR" sz="1400" b="0" u="none" strike="noStrike" kern="1200" dirty="0" smtClean="0">
+                          <a:solidFill>
+                            <a:schemeClr val="dk1"/>
+                          </a:solidFill>
+                          <a:hlinkClick r:id="rId3"/>
+                        </a:rPr>
+                        <a:t/>
+                      </a:r>
+                      <a:br>
+                        <a:rPr lang="en-US" altLang="ko-KR" sz="1400" b="0" u="none" strike="noStrike" kern="1200" dirty="0" smtClean="0">
+                          <a:solidFill>
+                            <a:schemeClr val="dk1"/>
+                          </a:solidFill>
+                          <a:hlinkClick r:id="rId3"/>
+                        </a:rPr>
+                      </a:br>
+                      <a:r>
+                        <a:rPr lang="ko-KR" altLang="en-US" sz="1400" b="0" u="none" strike="noStrike" kern="1200" dirty="0" smtClean="0">
+                          <a:solidFill>
+                            <a:schemeClr val="dk1"/>
+                          </a:solidFill>
+                          <a:hlinkClick r:id="rId3"/>
+                        </a:rPr>
+                        <a:t>전산망</a:t>
+                      </a:r>
+                      <a:r>
+                        <a:rPr lang="en-US" altLang="ko-KR" sz="1400" b="0" u="none" strike="noStrike" kern="1200" baseline="0" dirty="0" smtClean="0">
+                          <a:solidFill>
+                            <a:schemeClr val="dk1"/>
+                          </a:solidFill>
+                          <a:hlinkClick r:id="rId3"/>
+                        </a:rPr>
+                        <a:t> </a:t>
                       </a:r>
                       <a:r>
                         <a:rPr lang="en-US" altLang="ko-KR" sz="1400" b="0" u="none" strike="noStrike" kern="1200" baseline="0" dirty="0">
                           <a:solidFill>
                             <a:schemeClr val="dk1"/>
                           </a:solidFill>
-                          <a:hlinkClick r:id="rId2"/>
+                          <a:hlinkClick r:id="rId3"/>
                         </a:rPr>
-                        <a:t> API</a:t>
+                        <a:t>API</a:t>
                       </a:r>
                       <a:endParaRPr lang="en-US" altLang="ko-KR" sz="1400" dirty="0"/>
                     </a:p>
@@ -7448,14 +7229,31 @@
                         <a:defRPr/>
                       </a:pPr>
                       <a:r>
-                        <a:rPr lang="ko-KR" altLang="en-US" sz="1400" dirty="0">
-                          <a:hlinkClick r:id="rId3"/>
+                        <a:rPr lang="ko-KR" altLang="en-US" sz="1400" dirty="0" err="1">
+                          <a:hlinkClick r:id="rId4"/>
                         </a:rPr>
-                        <a:t>네이버 </a:t>
+                        <a:t>네이버</a:t>
                       </a:r>
                       <a:r>
-                        <a:rPr lang="ko-KR" altLang="en-US" sz="1400" dirty="0" err="1">
-                          <a:hlinkClick r:id="rId3"/>
+                        <a:rPr lang="ko-KR" altLang="en-US" sz="1400" dirty="0">
+                          <a:hlinkClick r:id="rId4"/>
+                        </a:rPr>
+                        <a:t> </a:t>
+                      </a:r>
+                      <a:r>
+                        <a:rPr lang="en-US" altLang="ko-KR" sz="1400" dirty="0" smtClean="0">
+                          <a:hlinkClick r:id="rId4"/>
+                        </a:rPr>
+                        <a:t/>
+                      </a:r>
+                      <a:br>
+                        <a:rPr lang="en-US" altLang="ko-KR" sz="1400" dirty="0" smtClean="0">
+                          <a:hlinkClick r:id="rId4"/>
+                        </a:rPr>
+                      </a:br>
+                      <a:r>
+                        <a:rPr lang="ko-KR" altLang="en-US" sz="1400" dirty="0" smtClean="0">
+                          <a:hlinkClick r:id="rId4"/>
                         </a:rPr>
                         <a:t>스마트에디터</a:t>
                       </a:r>
@@ -7531,25 +7329,9 @@
                         <a:buFontTx/>
                         <a:buChar char="-"/>
                       </a:pPr>
-                      <a:r>
-                        <a:rPr lang="ko-KR" altLang="en-US" sz="1400" dirty="0">
-                          <a:solidFill>
-                            <a:srgbClr val="FF0000"/>
-                          </a:solidFill>
-                        </a:rPr>
-                        <a:t>나 하는게 </a:t>
-                      </a:r>
-                      <a:r>
-                        <a:rPr lang="ko-KR" altLang="en-US" sz="1400" dirty="0" err="1">
-                          <a:solidFill>
-                            <a:srgbClr val="FF0000"/>
-                          </a:solidFill>
-                        </a:rPr>
-                        <a:t>없어ㅠ</a:t>
-                      </a:r>
                       <a:endParaRPr lang="ko-KR" altLang="en-US" sz="1400" dirty="0">
                         <a:solidFill>
-                          <a:srgbClr val="FF0000"/>
+                          <a:schemeClr val="tx1"/>
                         </a:solidFill>
                       </a:endParaRPr>
                     </a:p>
@@ -7583,27 +7365,62 @@
                           <a:solidFill>
                             <a:schemeClr val="dk1"/>
                           </a:solidFill>
-                          <a:hlinkClick r:id="rId2"/>
+                          <a:hlinkClick r:id="rId3"/>
                         </a:rPr>
                         <a:t>- </a:t>
                       </a:r>
                       <a:r>
-                        <a:rPr lang="ko-KR" altLang="en-US" sz="1400" b="0" u="none" strike="noStrike" kern="1200" dirty="0">
+                        <a:rPr lang="ko-KR" altLang="en-US" sz="1400" b="0" u="none" strike="noStrike" kern="1200" dirty="0" smtClean="0">
                           <a:solidFill>
                             <a:schemeClr val="dk1"/>
                           </a:solidFill>
-                          <a:hlinkClick r:id="rId2"/>
+                          <a:hlinkClick r:id="rId3"/>
                         </a:rPr>
-                        <a:t>공연예술통합전산망</a:t>
+                        <a:t>공연예술통합</a:t>
+                      </a:r>
+                      <a:r>
+                        <a:rPr lang="en-US" altLang="ko-KR" sz="1400" b="0" u="none" strike="noStrike" kern="1200" smtClean="0">
+                          <a:solidFill>
+                            <a:schemeClr val="dk1"/>
+                          </a:solidFill>
+                          <a:hlinkClick r:id="rId3"/>
+                        </a:rPr>
+                        <a:t/>
+                      </a:r>
+                      <a:br>
+                        <a:rPr lang="en-US" altLang="ko-KR" sz="1400" b="0" u="none" strike="noStrike" kern="1200" smtClean="0">
+                          <a:solidFill>
+                            <a:schemeClr val="dk1"/>
+                          </a:solidFill>
+                          <a:hlinkClick r:id="rId3"/>
+                        </a:rPr>
+                      </a:br>
+                      <a:r>
+                        <a:rPr lang="ko-KR" altLang="en-US" sz="1400" b="0" u="none" strike="noStrike" kern="1200" smtClean="0">
+                          <a:solidFill>
+                            <a:schemeClr val="dk1"/>
+                          </a:solidFill>
+                          <a:hlinkClick r:id="rId3"/>
+                        </a:rPr>
+                        <a:t>전산망</a:t>
+                      </a:r>
+                      <a:r>
+                        <a:rPr lang="en-US" altLang="ko-KR" sz="1400" b="0" u="none" strike="noStrike" kern="1200" baseline="0" dirty="0" smtClean="0">
+                          <a:solidFill>
+                            <a:schemeClr val="dk1"/>
+                          </a:solidFill>
+                          <a:hlinkClick r:id="rId3"/>
+                        </a:rPr>
+                        <a:t> </a:t>
                       </a:r>
                       <a:r>
                         <a:rPr lang="en-US" altLang="ko-KR" sz="1400" b="0" u="none" strike="noStrike" kern="1200" baseline="0" dirty="0">
                           <a:solidFill>
                             <a:schemeClr val="dk1"/>
                           </a:solidFill>
-                          <a:hlinkClick r:id="rId2"/>
+                          <a:hlinkClick r:id="rId3"/>
                         </a:rPr>
-                        <a:t> API</a:t>
+                        <a:t>API</a:t>
                       </a:r>
                       <a:endParaRPr lang="en-US" altLang="ko-KR" sz="1400" b="0" u="none" strike="noStrike" kern="1200" baseline="0" dirty="0">
                         <a:solidFill>
@@ -7657,7 +7474,7 @@
                         <a:solidFill>
                           <a:schemeClr val="dk1"/>
                         </a:solidFill>
-                        <a:hlinkClick r:id="rId2"/>
+                        <a:hlinkClick r:id="rId3"/>
                       </a:endParaRPr>
                     </a:p>
                     <a:p>
@@ -7669,7 +7486,7 @@
                 </a:tc>
                 <a:extLst>
                   <a:ext uri="{0D108BD9-81ED-4DB2-BD59-A6C34878D82A}">
-                    <a16:rowId xmlns:a16="http://schemas.microsoft.com/office/drawing/2014/main" val="2716707337"/>
+                    <a16:rowId xmlns:a16="http://schemas.microsoft.com/office/drawing/2014/main" xmlns="" val="2716707337"/>
                   </a:ext>
                 </a:extLst>
               </a:tr>
@@ -7680,25 +7497,25 @@
     </p:spTree>
     <p:extLst>
       <p:ext uri="{BB962C8B-B14F-4D97-AF65-F5344CB8AC3E}">
-        <p14:creationId xmlns:p14="http://schemas.microsoft.com/office/powerpoint/2010/main" val="165205135"/>
+        <p14:creationId xmlns:p14="http://schemas.microsoft.com/office/powerpoint/2010/main" xmlns="" val="165205135"/>
       </p:ext>
     </p:extLst>
   </p:cSld>
   <p:clrMapOvr>
     <a:masterClrMapping/>
   </p:clrMapOvr>
-  <mc:AlternateContent xmlns:mc="http://schemas.openxmlformats.org/markup-compatibility/2006" xmlns:p14="http://schemas.microsoft.com/office/powerpoint/2010/main">
-    <mc:Choice Requires="p14">
+  <mc:AlternateContent xmlns:mc="http://schemas.openxmlformats.org/markup-compatibility/2006">
+    <mc:Choice xmlns:p14="http://schemas.microsoft.com/office/powerpoint/2010/main" xmlns="" Requires="p14">
       <p:transition/>
     </mc:Choice>
-    <mc:Fallback xmlns="">
+    <mc:Fallback>
       <p:transition/>
     </mc:Fallback>
   </mc:AlternateContent>
 </p:sld>
 </file>
 
-<file path=ppt/slides/slide12.xml><?xml version="1.0" encoding="utf-8"?>
+<file path=ppt/slides/slide11.xml><?xml version="1.0" encoding="utf-8"?>
 <p:sld xmlns:a="http://schemas.openxmlformats.org/drawingml/2006/main" xmlns:r="http://schemas.openxmlformats.org/officeDocument/2006/relationships" xmlns:p="http://schemas.openxmlformats.org/presentationml/2006/main">
   <p:cSld>
     <p:spTree>
@@ -7771,7 +7588,7 @@
           <p:cNvPr id="10" name="내용 개체 틀 9">
             <a:extLst>
               <a:ext uri="{FF2B5EF4-FFF2-40B4-BE49-F238E27FC236}">
-                <a16:creationId xmlns:a16="http://schemas.microsoft.com/office/drawing/2014/main" id="{505E5770-B85E-4FA7-8370-474BA99B4422}"/>
+                <a16:creationId xmlns:a16="http://schemas.microsoft.com/office/drawing/2014/main" xmlns="" id="{505E5770-B85E-4FA7-8370-474BA99B4422}"/>
               </a:ext>
             </a:extLst>
           </p:cNvPr>
@@ -7782,7 +7599,7 @@
             <p:ph idx="10"/>
             <p:extLst>
               <p:ext uri="{D42A27DB-BD31-4B8C-83A1-F6EECF244321}">
-                <p14:modId xmlns:p14="http://schemas.microsoft.com/office/powerpoint/2010/main" val="1299984469"/>
+                <p14:modId xmlns:p14="http://schemas.microsoft.com/office/powerpoint/2010/main" xmlns="" val="1299984469"/>
               </p:ext>
             </p:extLst>
           </p:nvPr>
@@ -7802,18 +7619,18 @@
   <p:clrMapOvr>
     <a:masterClrMapping/>
   </p:clrMapOvr>
-  <mc:AlternateContent xmlns:mc="http://schemas.openxmlformats.org/markup-compatibility/2006" xmlns:p14="http://schemas.microsoft.com/office/powerpoint/2010/main">
-    <mc:Choice Requires="p14">
+  <mc:AlternateContent xmlns:mc="http://schemas.openxmlformats.org/markup-compatibility/2006">
+    <mc:Choice xmlns:p14="http://schemas.microsoft.com/office/powerpoint/2010/main" xmlns="" Requires="p14">
       <p:transition/>
     </mc:Choice>
-    <mc:Fallback xmlns="">
+    <mc:Fallback>
       <p:transition/>
     </mc:Fallback>
   </mc:AlternateContent>
 </p:sld>
 </file>
 
-<file path=ppt/slides/slide13.xml><?xml version="1.0" encoding="utf-8"?>
+<file path=ppt/slides/slide12.xml><?xml version="1.0" encoding="utf-8"?>
 <p:sld xmlns:a="http://schemas.openxmlformats.org/drawingml/2006/main" xmlns:r="http://schemas.openxmlformats.org/officeDocument/2006/relationships" xmlns:p="http://schemas.openxmlformats.org/presentationml/2006/main">
   <p:cSld>
     <p:spTree>
@@ -7889,11 +7706,11 @@
   <p:clrMapOvr>
     <a:masterClrMapping/>
   </p:clrMapOvr>
-  <mc:AlternateContent xmlns:mc="http://schemas.openxmlformats.org/markup-compatibility/2006" xmlns:p14="http://schemas.microsoft.com/office/powerpoint/2010/main">
-    <mc:Choice Requires="p14">
+  <mc:AlternateContent xmlns:mc="http://schemas.openxmlformats.org/markup-compatibility/2006">
+    <mc:Choice xmlns:p14="http://schemas.microsoft.com/office/powerpoint/2010/main" xmlns="" Requires="p14">
       <p:transition/>
     </mc:Choice>
-    <mc:Fallback xmlns="">
+    <mc:Fallback>
       <p:transition/>
     </mc:Fallback>
   </mc:AlternateContent>
@@ -8040,11 +7857,11 @@
   <p:clrMapOvr>
     <a:masterClrMapping/>
   </p:clrMapOvr>
-  <mc:AlternateContent xmlns:mc="http://schemas.openxmlformats.org/markup-compatibility/2006" xmlns:p14="http://schemas.microsoft.com/office/powerpoint/2010/main">
-    <mc:Choice Requires="p14">
+  <mc:AlternateContent xmlns:mc="http://schemas.openxmlformats.org/markup-compatibility/2006">
+    <mc:Choice xmlns:p14="http://schemas.microsoft.com/office/powerpoint/2010/main" xmlns="" Requires="p14">
       <p:transition/>
     </mc:Choice>
-    <mc:Fallback xmlns="">
+    <mc:Fallback>
       <p:transition/>
     </mc:Fallback>
   </mc:AlternateContent>
@@ -8358,7 +8175,7 @@
           <p:cNvPr id="4" name="내용 개체 틀 3">
             <a:extLst>
               <a:ext uri="{FF2B5EF4-FFF2-40B4-BE49-F238E27FC236}">
-                <a16:creationId xmlns:a16="http://schemas.microsoft.com/office/drawing/2014/main" id="{56FB3459-FE86-4A96-9B5E-FCACAA485E3B}"/>
+                <a16:creationId xmlns:a16="http://schemas.microsoft.com/office/drawing/2014/main" xmlns="" id="{56FB3459-FE86-4A96-9B5E-FCACAA485E3B}"/>
               </a:ext>
             </a:extLst>
           </p:cNvPr>
@@ -8383,11 +8200,11 @@
   <p:clrMapOvr>
     <a:masterClrMapping/>
   </p:clrMapOvr>
-  <mc:AlternateContent xmlns:mc="http://schemas.openxmlformats.org/markup-compatibility/2006" xmlns:p14="http://schemas.microsoft.com/office/powerpoint/2010/main">
-    <mc:Choice Requires="p14">
+  <mc:AlternateContent xmlns:mc="http://schemas.openxmlformats.org/markup-compatibility/2006">
+    <mc:Choice xmlns:p14="http://schemas.microsoft.com/office/powerpoint/2010/main" xmlns="" Requires="p14">
       <p:transition/>
     </mc:Choice>
-    <mc:Fallback xmlns="">
+    <mc:Fallback>
       <p:transition/>
     </mc:Fallback>
   </mc:AlternateContent>
@@ -8445,7 +8262,7 @@
           <p:cNvPr id="4" name="내용 개체 틀 3">
             <a:extLst>
               <a:ext uri="{FF2B5EF4-FFF2-40B4-BE49-F238E27FC236}">
-                <a16:creationId xmlns:a16="http://schemas.microsoft.com/office/drawing/2014/main" id="{47F81364-FD1F-4B65-8EF2-F2B189FBC656}"/>
+                <a16:creationId xmlns:a16="http://schemas.microsoft.com/office/drawing/2014/main" xmlns="" id="{47F81364-FD1F-4B65-8EF2-F2B189FBC656}"/>
               </a:ext>
             </a:extLst>
           </p:cNvPr>
@@ -8576,7 +8393,7 @@
           <p:cNvPr id="7" name="내용 개체 틀 6">
             <a:extLst>
               <a:ext uri="{FF2B5EF4-FFF2-40B4-BE49-F238E27FC236}">
-                <a16:creationId xmlns:a16="http://schemas.microsoft.com/office/drawing/2014/main" id="{8556DE1D-500E-4721-AC51-28B6FB1A692B}"/>
+                <a16:creationId xmlns:a16="http://schemas.microsoft.com/office/drawing/2014/main" xmlns="" id="{8556DE1D-500E-4721-AC51-28B6FB1A692B}"/>
               </a:ext>
             </a:extLst>
           </p:cNvPr>
@@ -8604,7 +8421,7 @@
           <p:cNvPr id="10" name="그림 9" descr="시계이(가) 표시된 사진&#10;&#10;자동 생성된 설명">
             <a:extLst>
               <a:ext uri="{FF2B5EF4-FFF2-40B4-BE49-F238E27FC236}">
-                <a16:creationId xmlns:a16="http://schemas.microsoft.com/office/drawing/2014/main" id="{5EE795A5-EF2A-4D96-9ED5-D4266630FD7D}"/>
+                <a16:creationId xmlns:a16="http://schemas.microsoft.com/office/drawing/2014/main" xmlns="" id="{5EE795A5-EF2A-4D96-9ED5-D4266630FD7D}"/>
               </a:ext>
             </a:extLst>
           </p:cNvPr>
@@ -8617,7 +8434,7 @@
           <a:blip r:embed="rId5" cstate="print">
             <a:extLst>
               <a:ext uri="{28A0092B-C50C-407E-A947-70E740481C1C}">
-                <a14:useLocalDpi xmlns:a14="http://schemas.microsoft.com/office/drawing/2010/main" val="0"/>
+                <a14:useLocalDpi xmlns:a14="http://schemas.microsoft.com/office/drawing/2010/main" xmlns="" val="0"/>
               </a:ext>
             </a:extLst>
           </a:blip>
@@ -8640,7 +8457,7 @@
           <p:cNvPr id="12" name="그림 11" descr="그리기이(가) 표시된 사진&#10;&#10;자동 생성된 설명">
             <a:extLst>
               <a:ext uri="{FF2B5EF4-FFF2-40B4-BE49-F238E27FC236}">
-                <a16:creationId xmlns:a16="http://schemas.microsoft.com/office/drawing/2014/main" id="{52B6AF9D-1D05-4A3A-89E0-366FAB921A32}"/>
+                <a16:creationId xmlns:a16="http://schemas.microsoft.com/office/drawing/2014/main" xmlns="" id="{52B6AF9D-1D05-4A3A-89E0-366FAB921A32}"/>
               </a:ext>
             </a:extLst>
           </p:cNvPr>
@@ -8653,7 +8470,7 @@
           <a:blip r:embed="rId6" cstate="print">
             <a:extLst>
               <a:ext uri="{28A0092B-C50C-407E-A947-70E740481C1C}">
-                <a14:useLocalDpi xmlns:a14="http://schemas.microsoft.com/office/drawing/2010/main" val="0"/>
+                <a14:useLocalDpi xmlns:a14="http://schemas.microsoft.com/office/drawing/2010/main" xmlns="" val="0"/>
               </a:ext>
             </a:extLst>
           </a:blip>
@@ -8676,7 +8493,7 @@
           <p:cNvPr id="14" name="그림 13" descr="여자, 쥐고있는, 오렌지, 음식이(가) 표시된 사진&#10;&#10;자동 생성된 설명">
             <a:extLst>
               <a:ext uri="{FF2B5EF4-FFF2-40B4-BE49-F238E27FC236}">
-                <a16:creationId xmlns:a16="http://schemas.microsoft.com/office/drawing/2014/main" id="{4ED471CE-6DA2-4702-807C-C1DBD5525093}"/>
+                <a16:creationId xmlns:a16="http://schemas.microsoft.com/office/drawing/2014/main" xmlns="" id="{4ED471CE-6DA2-4702-807C-C1DBD5525093}"/>
               </a:ext>
             </a:extLst>
           </p:cNvPr>
@@ -8689,7 +8506,7 @@
           <a:blip r:embed="rId7" cstate="print">
             <a:extLst>
               <a:ext uri="{28A0092B-C50C-407E-A947-70E740481C1C}">
-                <a14:useLocalDpi xmlns:a14="http://schemas.microsoft.com/office/drawing/2010/main" val="0"/>
+                <a14:useLocalDpi xmlns:a14="http://schemas.microsoft.com/office/drawing/2010/main" xmlns="" val="0"/>
               </a:ext>
             </a:extLst>
           </a:blip>
@@ -8712,7 +8529,7 @@
           <p:cNvPr id="18" name="그림 17" descr="어두운, 앉아있는, 방이(가) 표시된 사진&#10;&#10;자동 생성된 설명">
             <a:extLst>
               <a:ext uri="{FF2B5EF4-FFF2-40B4-BE49-F238E27FC236}">
-                <a16:creationId xmlns:a16="http://schemas.microsoft.com/office/drawing/2014/main" id="{FDD0E17D-6D3D-4A05-9B07-97D5720A1A8E}"/>
+                <a16:creationId xmlns:a16="http://schemas.microsoft.com/office/drawing/2014/main" xmlns="" id="{FDD0E17D-6D3D-4A05-9B07-97D5720A1A8E}"/>
               </a:ext>
             </a:extLst>
           </p:cNvPr>
@@ -8725,7 +8542,7 @@
           <a:blip r:embed="rId8" cstate="print">
             <a:extLst>
               <a:ext uri="{28A0092B-C50C-407E-A947-70E740481C1C}">
-                <a14:useLocalDpi xmlns:a14="http://schemas.microsoft.com/office/drawing/2010/main" val="0"/>
+                <a14:useLocalDpi xmlns:a14="http://schemas.microsoft.com/office/drawing/2010/main" xmlns="" val="0"/>
               </a:ext>
             </a:extLst>
           </a:blip>
@@ -8748,7 +8565,7 @@
           <p:cNvPr id="20" name="그림 19">
             <a:extLst>
               <a:ext uri="{FF2B5EF4-FFF2-40B4-BE49-F238E27FC236}">
-                <a16:creationId xmlns:a16="http://schemas.microsoft.com/office/drawing/2014/main" id="{A86D78A4-DB1E-4AF3-9B87-4DDB526FD92A}"/>
+                <a16:creationId xmlns:a16="http://schemas.microsoft.com/office/drawing/2014/main" xmlns="" id="{A86D78A4-DB1E-4AF3-9B87-4DDB526FD92A}"/>
               </a:ext>
             </a:extLst>
           </p:cNvPr>
@@ -8761,7 +8578,7 @@
           <a:blip r:embed="rId9">
             <a:extLst>
               <a:ext uri="{28A0092B-C50C-407E-A947-70E740481C1C}">
-                <a14:useLocalDpi xmlns:a14="http://schemas.microsoft.com/office/drawing/2010/main" val="0"/>
+                <a14:useLocalDpi xmlns:a14="http://schemas.microsoft.com/office/drawing/2010/main" xmlns="" val="0"/>
               </a:ext>
             </a:extLst>
           </a:blip>
@@ -8784,7 +8601,7 @@
           <p:cNvPr id="22" name="그림 21" descr="앉아있는, 그리기, 고양이, 표지판이(가) 표시된 사진&#10;&#10;자동 생성된 설명">
             <a:extLst>
               <a:ext uri="{FF2B5EF4-FFF2-40B4-BE49-F238E27FC236}">
-                <a16:creationId xmlns:a16="http://schemas.microsoft.com/office/drawing/2014/main" id="{484FC2BB-8769-46D8-8019-BDBE5BA52CAB}"/>
+                <a16:creationId xmlns:a16="http://schemas.microsoft.com/office/drawing/2014/main" xmlns="" id="{484FC2BB-8769-46D8-8019-BDBE5BA52CAB}"/>
               </a:ext>
             </a:extLst>
           </p:cNvPr>
@@ -8797,7 +8614,7 @@
           <a:blip r:embed="rId10" cstate="print">
             <a:extLst>
               <a:ext uri="{28A0092B-C50C-407E-A947-70E740481C1C}">
-                <a14:useLocalDpi xmlns:a14="http://schemas.microsoft.com/office/drawing/2010/main" val="0"/>
+                <a14:useLocalDpi xmlns:a14="http://schemas.microsoft.com/office/drawing/2010/main" xmlns="" val="0"/>
               </a:ext>
             </a:extLst>
           </a:blip>
@@ -8820,7 +8637,7 @@
           <p:cNvPr id="24" name="그림 23">
             <a:extLst>
               <a:ext uri="{FF2B5EF4-FFF2-40B4-BE49-F238E27FC236}">
-                <a16:creationId xmlns:a16="http://schemas.microsoft.com/office/drawing/2014/main" id="{A9A0AF45-9DC9-41FC-A747-0398BBFEED75}"/>
+                <a16:creationId xmlns:a16="http://schemas.microsoft.com/office/drawing/2014/main" xmlns="" id="{A9A0AF45-9DC9-41FC-A747-0398BBFEED75}"/>
               </a:ext>
             </a:extLst>
           </p:cNvPr>
@@ -8833,7 +8650,7 @@
           <a:blip r:embed="rId11">
             <a:extLst>
               <a:ext uri="{28A0092B-C50C-407E-A947-70E740481C1C}">
-                <a14:useLocalDpi xmlns:a14="http://schemas.microsoft.com/office/drawing/2010/main" val="0"/>
+                <a14:useLocalDpi xmlns:a14="http://schemas.microsoft.com/office/drawing/2010/main" xmlns="" val="0"/>
               </a:ext>
             </a:extLst>
           </a:blip>
@@ -8856,7 +8673,7 @@
           <p:cNvPr id="5" name="그림 4" descr="음식, 그리기이(가) 표시된 사진&#10;&#10;자동 생성된 설명">
             <a:extLst>
               <a:ext uri="{FF2B5EF4-FFF2-40B4-BE49-F238E27FC236}">
-                <a16:creationId xmlns:a16="http://schemas.microsoft.com/office/drawing/2014/main" id="{472B9429-F936-41E8-A886-A6DC19DF3D8D}"/>
+                <a16:creationId xmlns:a16="http://schemas.microsoft.com/office/drawing/2014/main" xmlns="" id="{472B9429-F936-41E8-A886-A6DC19DF3D8D}"/>
               </a:ext>
             </a:extLst>
           </p:cNvPr>
@@ -8869,7 +8686,7 @@
           <a:blip r:embed="rId12">
             <a:extLst>
               <a:ext uri="{28A0092B-C50C-407E-A947-70E740481C1C}">
-                <a14:useLocalDpi xmlns:a14="http://schemas.microsoft.com/office/drawing/2010/main" val="0"/>
+                <a14:useLocalDpi xmlns:a14="http://schemas.microsoft.com/office/drawing/2010/main" xmlns="" val="0"/>
               </a:ext>
             </a:extLst>
           </a:blip>
@@ -8892,7 +8709,7 @@
           <p:cNvPr id="8" name="그림 7">
             <a:extLst>
               <a:ext uri="{FF2B5EF4-FFF2-40B4-BE49-F238E27FC236}">
-                <a16:creationId xmlns:a16="http://schemas.microsoft.com/office/drawing/2014/main" id="{79329B54-969F-46D8-8404-DCCF78878F40}"/>
+                <a16:creationId xmlns:a16="http://schemas.microsoft.com/office/drawing/2014/main" xmlns="" id="{79329B54-969F-46D8-8404-DCCF78878F40}"/>
               </a:ext>
             </a:extLst>
           </p:cNvPr>
@@ -8905,7 +8722,7 @@
           <a:blip r:embed="rId13">
             <a:extLst>
               <a:ext uri="{28A0092B-C50C-407E-A947-70E740481C1C}">
-                <a14:useLocalDpi xmlns:a14="http://schemas.microsoft.com/office/drawing/2010/main" val="0"/>
+                <a14:useLocalDpi xmlns:a14="http://schemas.microsoft.com/office/drawing/2010/main" xmlns="" val="0"/>
               </a:ext>
             </a:extLst>
           </a:blip>
@@ -8928,11 +8745,11 @@
   <p:clrMapOvr>
     <a:masterClrMapping/>
   </p:clrMapOvr>
-  <mc:AlternateContent xmlns:mc="http://schemas.openxmlformats.org/markup-compatibility/2006" xmlns:p14="http://schemas.microsoft.com/office/powerpoint/2010/main">
-    <mc:Choice Requires="p14">
+  <mc:AlternateContent xmlns:mc="http://schemas.openxmlformats.org/markup-compatibility/2006">
+    <mc:Choice xmlns:p14="http://schemas.microsoft.com/office/powerpoint/2010/main" xmlns="" Requires="p14">
       <p:transition/>
     </mc:Choice>
-    <mc:Fallback xmlns="">
+    <mc:Fallback>
       <p:transition/>
     </mc:Fallback>
   </mc:AlternateContent>
@@ -9002,313 +8819,213 @@
           <a:p>
             <a:r>
               <a:rPr lang="ko-KR" altLang="en-US" dirty="0"/>
-              <a:t>페이지 설명 </a:t>
-            </a:r>
-            <a:r>
-              <a:rPr lang="en-US" altLang="ko-KR" dirty="0"/>
-              <a:t>(</a:t>
-            </a:r>
-            <a:r>
-              <a:rPr lang="ko-KR" altLang="en-US" dirty="0"/>
-              <a:t>데이터와 예시 이미지</a:t>
-            </a:r>
-            <a:r>
-              <a:rPr lang="en-US" altLang="ko-KR" dirty="0"/>
-              <a:t>)</a:t>
-            </a:r>
-            <a:endParaRPr lang="ko-KR" altLang="en-US" dirty="0"/>
+              <a:t>연극정보</a:t>
+            </a:r>
           </a:p>
         </p:txBody>
       </p:sp>
-      <p:sp>
-        <p:nvSpPr>
-          <p:cNvPr id="6" name="내용 개체 틀 5"/>
-          <p:cNvSpPr>
-            <a:spLocks noGrp="1"/>
-          </p:cNvSpPr>
+      <p:pic>
+        <p:nvPicPr>
+          <p:cNvPr id="5" name="내용 개체 틀 4">
+            <a:extLst>
+              <a:ext uri="{FF2B5EF4-FFF2-40B4-BE49-F238E27FC236}">
+                <a16:creationId xmlns:a16="http://schemas.microsoft.com/office/drawing/2014/main" xmlns="" id="{F547DFFA-9159-4895-B740-B12680F1D623}"/>
+              </a:ext>
+            </a:extLst>
+          </p:cNvPr>
+          <p:cNvPicPr>
+            <a:picLocks noGrp="1" noChangeAspect="1"/>
+          </p:cNvPicPr>
           <p:nvPr>
             <p:ph idx="10"/>
           </p:nvPr>
-        </p:nvSpPr>
-        <p:spPr/>
-        <p:txBody>
-          <a:bodyPr/>
-          <a:lstStyle/>
-          <a:p>
-            <a:pPr marL="342900" indent="-342900">
-              <a:buAutoNum type="arabicPeriod"/>
-            </a:pPr>
-            <a:r>
-              <a:rPr lang="ko-KR" altLang="en-US" dirty="0"/>
-              <a:t>메인 페이지</a:t>
-            </a:r>
-            <a:endParaRPr lang="en-US" altLang="ko-KR" dirty="0"/>
-          </a:p>
-          <a:p>
-            <a:pPr marL="1085850" lvl="1" indent="-342900">
-              <a:buFont typeface="Arial" panose="020B0604020202020204" pitchFamily="34" charset="0"/>
-              <a:buChar char="•"/>
-            </a:pPr>
-            <a:endParaRPr lang="en-US" altLang="ko-KR" sz="1200" dirty="0"/>
-          </a:p>
-          <a:p>
-            <a:pPr marL="342900" indent="-342900">
-              <a:buAutoNum type="arabicPeriod"/>
-            </a:pPr>
-            <a:r>
-              <a:rPr lang="ko-KR" altLang="en-US" dirty="0"/>
-              <a:t>로그인</a:t>
-            </a:r>
-            <a:endParaRPr lang="en-US" altLang="ko-KR" dirty="0"/>
-          </a:p>
-          <a:p>
-            <a:pPr marL="342900" indent="-342900">
-              <a:buAutoNum type="arabicPeriod"/>
-            </a:pPr>
-            <a:r>
-              <a:rPr lang="ko-KR" altLang="en-US" dirty="0"/>
-              <a:t>회원가입</a:t>
-            </a:r>
-            <a:endParaRPr lang="en-US" altLang="ko-KR" dirty="0"/>
-          </a:p>
-          <a:p>
-            <a:pPr marL="342900" indent="-342900">
-              <a:buAutoNum type="arabicPeriod"/>
-            </a:pPr>
-            <a:r>
-              <a:rPr lang="ko-KR" altLang="en-US" dirty="0"/>
-              <a:t>마이페이지</a:t>
-            </a:r>
-            <a:endParaRPr lang="en-US" altLang="ko-KR" dirty="0"/>
-          </a:p>
-          <a:p>
-            <a:pPr marL="342900" indent="-342900">
-              <a:buAutoNum type="arabicPeriod"/>
-            </a:pPr>
-            <a:r>
-              <a:rPr lang="ko-KR" altLang="en-US" dirty="0"/>
-              <a:t>연극 정보</a:t>
-            </a:r>
-            <a:endParaRPr lang="en-US" altLang="ko-KR" dirty="0"/>
-          </a:p>
-          <a:p>
-            <a:pPr marL="342900" indent="-342900">
-              <a:buAutoNum type="arabicPeriod"/>
-            </a:pPr>
-            <a:r>
-              <a:rPr lang="ko-KR" altLang="en-US" dirty="0"/>
-              <a:t>연극 예매</a:t>
-            </a:r>
-            <a:endParaRPr lang="en-US" altLang="ko-KR" dirty="0"/>
-          </a:p>
-          <a:p>
-            <a:pPr marL="342900" indent="-342900">
-              <a:buAutoNum type="arabicPeriod"/>
-            </a:pPr>
-            <a:r>
-              <a:rPr lang="ko-KR" altLang="en-US" dirty="0"/>
-              <a:t>게시판</a:t>
-            </a:r>
-            <a:endParaRPr lang="en-US" altLang="ko-KR" dirty="0"/>
-          </a:p>
-          <a:p>
-            <a:pPr marL="342900" indent="-342900">
-              <a:buAutoNum type="arabicPeriod"/>
-            </a:pPr>
-            <a:r>
-              <a:rPr lang="ko-KR" altLang="en-US" dirty="0"/>
-              <a:t>이벤트</a:t>
-            </a:r>
-          </a:p>
-        </p:txBody>
-      </p:sp>
-      <p:sp>
-        <p:nvSpPr>
-          <p:cNvPr id="2" name="사각형: 둥근 모서리 1">
+        </p:nvPicPr>
+        <p:blipFill>
+          <a:blip r:embed="rId3" cstate="print">
+            <a:extLst>
+              <a:ext uri="{28A0092B-C50C-407E-A947-70E740481C1C}">
+                <a14:useLocalDpi xmlns:a14="http://schemas.microsoft.com/office/drawing/2010/main" xmlns="" val="0"/>
+              </a:ext>
+            </a:extLst>
+          </a:blip>
+          <a:stretch>
+            <a:fillRect/>
+          </a:stretch>
+        </p:blipFill>
+        <p:spPr>
+          <a:xfrm>
+            <a:off x="5076056" y="1126696"/>
+            <a:ext cx="2650579" cy="1926909"/>
+          </a:xfrm>
+          <a:prstGeom prst="rect">
+            <a:avLst/>
+          </a:prstGeom>
+        </p:spPr>
+      </p:pic>
+      <p:pic>
+        <p:nvPicPr>
+          <p:cNvPr id="6" name="그림 5">
             <a:extLst>
               <a:ext uri="{FF2B5EF4-FFF2-40B4-BE49-F238E27FC236}">
-                <a16:creationId xmlns:a16="http://schemas.microsoft.com/office/drawing/2014/main" id="{82D4AB42-BD9A-4450-980D-705048C0E9EC}"/>
+                <a16:creationId xmlns:a16="http://schemas.microsoft.com/office/drawing/2014/main" xmlns="" id="{BE5AF539-95C7-4363-93EC-1DB3029511B1}"/>
               </a:ext>
             </a:extLst>
           </p:cNvPr>
-          <p:cNvSpPr/>
+          <p:cNvPicPr>
+            <a:picLocks noChangeAspect="1"/>
+          </p:cNvPicPr>
+          <p:nvPr/>
+        </p:nvPicPr>
+        <p:blipFill>
+          <a:blip r:embed="rId4" cstate="print">
+            <a:extLst>
+              <a:ext uri="{28A0092B-C50C-407E-A947-70E740481C1C}">
+                <a14:useLocalDpi xmlns:a14="http://schemas.microsoft.com/office/drawing/2010/main" xmlns="" val="0"/>
+              </a:ext>
+            </a:extLst>
+          </a:blip>
+          <a:stretch>
+            <a:fillRect/>
+          </a:stretch>
+        </p:blipFill>
+        <p:spPr>
+          <a:xfrm>
+            <a:off x="857262" y="3143237"/>
+            <a:ext cx="4212468" cy="1737345"/>
+          </a:xfrm>
+          <a:prstGeom prst="rect">
+            <a:avLst/>
+          </a:prstGeom>
+        </p:spPr>
+      </p:pic>
+      <p:pic>
+        <p:nvPicPr>
+          <p:cNvPr id="7" name="그림 6">
+            <a:extLst>
+              <a:ext uri="{FF2B5EF4-FFF2-40B4-BE49-F238E27FC236}">
+                <a16:creationId xmlns:a16="http://schemas.microsoft.com/office/drawing/2014/main" xmlns="" id="{31945EBD-E8E2-412E-850F-95DB944B6E8A}"/>
+              </a:ext>
+            </a:extLst>
+          </p:cNvPr>
+          <p:cNvPicPr>
+            <a:picLocks noChangeAspect="1"/>
+          </p:cNvPicPr>
+          <p:nvPr/>
+        </p:nvPicPr>
+        <p:blipFill>
+          <a:blip r:embed="rId5" cstate="print">
+            <a:extLst>
+              <a:ext uri="{28A0092B-C50C-407E-A947-70E740481C1C}">
+                <a14:useLocalDpi xmlns:a14="http://schemas.microsoft.com/office/drawing/2010/main" xmlns="" val="0"/>
+              </a:ext>
+            </a:extLst>
+          </a:blip>
+          <a:stretch>
+            <a:fillRect/>
+          </a:stretch>
+        </p:blipFill>
+        <p:spPr>
+          <a:xfrm>
+            <a:off x="5457806" y="3053348"/>
+            <a:ext cx="3060340" cy="1682858"/>
+          </a:xfrm>
+          <a:prstGeom prst="rect">
+            <a:avLst/>
+          </a:prstGeom>
+        </p:spPr>
+      </p:pic>
+      <p:sp>
+        <p:nvSpPr>
+          <p:cNvPr id="2" name="TextBox 1">
+            <a:extLst>
+              <a:ext uri="{FF2B5EF4-FFF2-40B4-BE49-F238E27FC236}">
+                <a16:creationId xmlns:a16="http://schemas.microsoft.com/office/drawing/2014/main" xmlns="" id="{BE9C94D4-9E79-45BE-AC7D-9EE7C20FC636}"/>
+              </a:ext>
+            </a:extLst>
+          </p:cNvPr>
+          <p:cNvSpPr txBox="1"/>
           <p:nvPr/>
         </p:nvSpPr>
         <p:spPr>
           <a:xfrm>
-            <a:off x="4031940" y="2103698"/>
-            <a:ext cx="3024336" cy="1656184"/>
+            <a:off x="1979713" y="1216032"/>
+            <a:ext cx="2088232" cy="246221"/>
           </a:xfrm>
-          <a:prstGeom prst="roundRect">
+          <a:prstGeom prst="rect">
+            <a:avLst/>
+          </a:prstGeom>
+          <a:noFill/>
+        </p:spPr>
+        <p:txBody>
+          <a:bodyPr wrap="square" rtlCol="0">
+            <a:spAutoFit/>
+          </a:bodyPr>
+          <a:lstStyle/>
+          <a:p>
+            <a:pPr algn="ctr"/>
+            <a:r>
+              <a:rPr lang="ko-KR" altLang="en-US" sz="1000" dirty="0"/>
+              <a:t>예시 이미지 출처 </a:t>
+            </a:r>
+            <a:r>
+              <a:rPr lang="en-US" altLang="ko-KR" sz="1000" dirty="0"/>
+              <a:t>: yes24</a:t>
+            </a:r>
+            <a:endParaRPr lang="ko-KR" altLang="en-US" sz="1000" dirty="0"/>
+          </a:p>
+        </p:txBody>
+      </p:sp>
+      <p:pic>
+        <p:nvPicPr>
+          <p:cNvPr id="9" name="그림 8">
+            <a:extLst>
+              <a:ext uri="{FF2B5EF4-FFF2-40B4-BE49-F238E27FC236}">
+                <a16:creationId xmlns:a16="http://schemas.microsoft.com/office/drawing/2014/main" xmlns="" id="{68D15965-3EC0-4E38-A6F9-22929AF99887}"/>
+              </a:ext>
+            </a:extLst>
+          </p:cNvPr>
+          <p:cNvPicPr>
+            <a:picLocks noChangeAspect="1"/>
+          </p:cNvPicPr>
+          <p:nvPr/>
+        </p:nvPicPr>
+        <p:blipFill>
+          <a:blip r:embed="rId6" cstate="print">
+            <a:extLst>
+              <a:ext uri="{28A0092B-C50C-407E-A947-70E740481C1C}">
+                <a14:useLocalDpi xmlns:a14="http://schemas.microsoft.com/office/drawing/2010/main" xmlns="" val="0"/>
+              </a:ext>
+            </a:extLst>
+          </a:blip>
+          <a:stretch>
+            <a:fillRect/>
+          </a:stretch>
+        </p:blipFill>
+        <p:spPr>
+          <a:xfrm>
+            <a:off x="395536" y="1630179"/>
+            <a:ext cx="3347864" cy="1295493"/>
+          </a:xfrm>
+          <a:prstGeom prst="rect">
             <a:avLst/>
           </a:prstGeom>
         </p:spPr>
-        <p:style>
-          <a:lnRef idx="2">
-            <a:schemeClr val="accent1">
-              <a:shade val="50000"/>
-            </a:schemeClr>
-          </a:lnRef>
-          <a:fillRef idx="1">
-            <a:schemeClr val="accent1"/>
-          </a:fillRef>
-          <a:effectRef idx="0">
-            <a:schemeClr val="accent1"/>
-          </a:effectRef>
-          <a:fontRef idx="minor">
-            <a:schemeClr val="lt1"/>
-          </a:fontRef>
-        </p:style>
-        <p:txBody>
-          <a:bodyPr rtlCol="0" anchor="ctr"/>
-          <a:lstStyle/>
-          <a:p>
-            <a:r>
-              <a:rPr lang="ko-KR" altLang="en-US" dirty="0">
-                <a:solidFill>
-                  <a:srgbClr val="FFFF00"/>
-                </a:solidFill>
-              </a:rPr>
-              <a:t>연극정보 </a:t>
-            </a:r>
-            <a:r>
-              <a:rPr lang="en-US" altLang="ko-KR" dirty="0">
-                <a:solidFill>
-                  <a:srgbClr val="FFFF00"/>
-                </a:solidFill>
-              </a:rPr>
-              <a:t>-&gt; </a:t>
-            </a:r>
-            <a:r>
-              <a:rPr lang="ko-KR" altLang="en-US" dirty="0">
-                <a:solidFill>
-                  <a:srgbClr val="FFFF00"/>
-                </a:solidFill>
-              </a:rPr>
-              <a:t>예매</a:t>
-            </a:r>
-            <a:r>
-              <a:rPr lang="en-US" altLang="ko-KR" dirty="0">
-                <a:solidFill>
-                  <a:srgbClr val="FFFF00"/>
-                </a:solidFill>
-              </a:rPr>
-              <a:t> -&gt; </a:t>
-            </a:r>
-            <a:r>
-              <a:rPr lang="ko-KR" altLang="en-US" dirty="0">
-                <a:solidFill>
-                  <a:srgbClr val="FFFF00"/>
-                </a:solidFill>
-              </a:rPr>
-              <a:t>로그인 </a:t>
-            </a:r>
-            <a:r>
-              <a:rPr lang="en-US" altLang="ko-KR" dirty="0">
-                <a:solidFill>
-                  <a:srgbClr val="FFFF00"/>
-                </a:solidFill>
-              </a:rPr>
-              <a:t>-&gt; </a:t>
-            </a:r>
-            <a:r>
-              <a:rPr lang="ko-KR" altLang="en-US" dirty="0">
-                <a:solidFill>
-                  <a:srgbClr val="FFFF00"/>
-                </a:solidFill>
-              </a:rPr>
-              <a:t>마이페이지</a:t>
-            </a:r>
-            <a:r>
-              <a:rPr lang="en-US" altLang="ko-KR" dirty="0">
-                <a:solidFill>
-                  <a:srgbClr val="FFFF00"/>
-                </a:solidFill>
-              </a:rPr>
-              <a:t>,</a:t>
-            </a:r>
-            <a:r>
-              <a:rPr lang="ko-KR" altLang="en-US" dirty="0">
-                <a:solidFill>
-                  <a:srgbClr val="FFFF00"/>
-                </a:solidFill>
-              </a:rPr>
-              <a:t>예매 확인</a:t>
-            </a:r>
-            <a:r>
-              <a:rPr lang="en-US" altLang="ko-KR" dirty="0">
-                <a:solidFill>
-                  <a:srgbClr val="FFFF00"/>
-                </a:solidFill>
-              </a:rPr>
-              <a:t>/</a:t>
-            </a:r>
-            <a:r>
-              <a:rPr lang="ko-KR" altLang="en-US" dirty="0">
-                <a:solidFill>
-                  <a:srgbClr val="FFFF00"/>
-                </a:solidFill>
-              </a:rPr>
-              <a:t>취소 </a:t>
-            </a:r>
-            <a:r>
-              <a:rPr lang="en-US" altLang="ko-KR" dirty="0">
-                <a:solidFill>
-                  <a:srgbClr val="FFFF00"/>
-                </a:solidFill>
-              </a:rPr>
-              <a:t>-&gt; </a:t>
-            </a:r>
-            <a:r>
-              <a:rPr lang="ko-KR" altLang="en-US" dirty="0">
-                <a:solidFill>
-                  <a:srgbClr val="FFFF00"/>
-                </a:solidFill>
-              </a:rPr>
-              <a:t>이벤트 </a:t>
-            </a:r>
-            <a:r>
-              <a:rPr lang="en-US" altLang="ko-KR" dirty="0">
-                <a:solidFill>
-                  <a:srgbClr val="FFFF00"/>
-                </a:solidFill>
-              </a:rPr>
-              <a:t>-&gt; </a:t>
-            </a:r>
-            <a:r>
-              <a:rPr lang="ko-KR" altLang="en-US" dirty="0">
-                <a:solidFill>
-                  <a:srgbClr val="FFFF00"/>
-                </a:solidFill>
-              </a:rPr>
-              <a:t>게시판</a:t>
-            </a:r>
-            <a:r>
-              <a:rPr lang="en-US" altLang="ko-KR" dirty="0">
-                <a:solidFill>
-                  <a:srgbClr val="FFFF00"/>
-                </a:solidFill>
-              </a:rPr>
-              <a:t> </a:t>
-            </a:r>
-            <a:endParaRPr lang="ko-KR" altLang="en-US" dirty="0">
-              <a:solidFill>
-                <a:srgbClr val="FFFF00"/>
-              </a:solidFill>
-            </a:endParaRPr>
-          </a:p>
-        </p:txBody>
-      </p:sp>
+      </p:pic>
     </p:spTree>
+    <p:extLst>
+      <p:ext uri="{BB962C8B-B14F-4D97-AF65-F5344CB8AC3E}">
+        <p14:creationId xmlns:p14="http://schemas.microsoft.com/office/powerpoint/2010/main" xmlns="" val="2786283654"/>
+      </p:ext>
+    </p:extLst>
   </p:cSld>
   <p:clrMapOvr>
     <a:masterClrMapping/>
   </p:clrMapOvr>
-  <mc:AlternateContent xmlns:mc="http://schemas.openxmlformats.org/markup-compatibility/2006" xmlns:p14="http://schemas.microsoft.com/office/powerpoint/2010/main">
-    <mc:Choice Requires="p14">
+  <mc:AlternateContent xmlns:mc="http://schemas.openxmlformats.org/markup-compatibility/2006">
+    <mc:Choice xmlns:p14="http://schemas.microsoft.com/office/powerpoint/2010/main" xmlns="" Requires="p14">
       <p:transition/>
     </mc:Choice>
-    <mc:Fallback xmlns="">
+    <mc:Fallback>
       <p:transition/>
     </mc:Fallback>
   </mc:AlternateContent>
@@ -9378,17 +9095,17 @@
           <a:p>
             <a:r>
               <a:rPr lang="ko-KR" altLang="en-US" dirty="0"/>
-              <a:t>연극정보</a:t>
+              <a:t>예매하기</a:t>
             </a:r>
           </a:p>
         </p:txBody>
       </p:sp>
       <p:pic>
         <p:nvPicPr>
-          <p:cNvPr id="5" name="내용 개체 틀 4">
+          <p:cNvPr id="10" name="내용 개체 틀 9" descr="스크린샷이(가) 표시된 사진&#10;&#10;자동 생성된 설명">
             <a:extLst>
               <a:ext uri="{FF2B5EF4-FFF2-40B4-BE49-F238E27FC236}">
-                <a16:creationId xmlns:a16="http://schemas.microsoft.com/office/drawing/2014/main" id="{F547DFFA-9159-4895-B740-B12680F1D623}"/>
+                <a16:creationId xmlns:a16="http://schemas.microsoft.com/office/drawing/2014/main" xmlns="" id="{DC4FE2E2-5396-44D4-8669-84284BAA1EE6}"/>
               </a:ext>
             </a:extLst>
           </p:cNvPr>
@@ -9400,10 +9117,10 @@
           </p:nvPr>
         </p:nvPicPr>
         <p:blipFill>
-          <a:blip r:embed="rId3" cstate="print">
+          <a:blip r:embed="rId3">
             <a:extLst>
               <a:ext uri="{28A0092B-C50C-407E-A947-70E740481C1C}">
-                <a14:useLocalDpi xmlns:a14="http://schemas.microsoft.com/office/drawing/2010/main" val="0"/>
+                <a14:useLocalDpi xmlns:a14="http://schemas.microsoft.com/office/drawing/2010/main" xmlns="" val="0"/>
               </a:ext>
             </a:extLst>
           </a:blip>
@@ -9413,20 +9130,17 @@
         </p:blipFill>
         <p:spPr>
           <a:xfrm>
-            <a:off x="5076056" y="1126696"/>
-            <a:ext cx="2650579" cy="1926909"/>
+            <a:off x="2087724" y="1145877"/>
+            <a:ext cx="4725588" cy="1721430"/>
           </a:xfrm>
-          <a:prstGeom prst="rect">
-            <a:avLst/>
-          </a:prstGeom>
         </p:spPr>
       </p:pic>
       <p:pic>
         <p:nvPicPr>
-          <p:cNvPr id="6" name="그림 5">
+          <p:cNvPr id="12" name="그림 11" descr="스크린샷이(가) 표시된 사진&#10;&#10;자동 생성된 설명">
             <a:extLst>
               <a:ext uri="{FF2B5EF4-FFF2-40B4-BE49-F238E27FC236}">
-                <a16:creationId xmlns:a16="http://schemas.microsoft.com/office/drawing/2014/main" id="{BE5AF539-95C7-4363-93EC-1DB3029511B1}"/>
+                <a16:creationId xmlns:a16="http://schemas.microsoft.com/office/drawing/2014/main" xmlns="" id="{D15EB09A-92B7-45F4-A5B5-0A8B25A1CA17}"/>
               </a:ext>
             </a:extLst>
           </p:cNvPr>
@@ -9436,10 +9150,10 @@
           <p:nvPr/>
         </p:nvPicPr>
         <p:blipFill>
-          <a:blip r:embed="rId4" cstate="print">
+          <a:blip r:embed="rId4">
             <a:extLst>
               <a:ext uri="{28A0092B-C50C-407E-A947-70E740481C1C}">
-                <a14:useLocalDpi xmlns:a14="http://schemas.microsoft.com/office/drawing/2010/main" val="0"/>
+                <a14:useLocalDpi xmlns:a14="http://schemas.microsoft.com/office/drawing/2010/main" xmlns="" val="0"/>
               </a:ext>
             </a:extLst>
           </a:blip>
@@ -9449,44 +9163,8 @@
         </p:blipFill>
         <p:spPr>
           <a:xfrm>
-            <a:off x="857262" y="3143237"/>
-            <a:ext cx="4212468" cy="1737345"/>
-          </a:xfrm>
-          <a:prstGeom prst="rect">
-            <a:avLst/>
-          </a:prstGeom>
-        </p:spPr>
-      </p:pic>
-      <p:pic>
-        <p:nvPicPr>
-          <p:cNvPr id="7" name="그림 6">
-            <a:extLst>
-              <a:ext uri="{FF2B5EF4-FFF2-40B4-BE49-F238E27FC236}">
-                <a16:creationId xmlns:a16="http://schemas.microsoft.com/office/drawing/2014/main" id="{31945EBD-E8E2-412E-850F-95DB944B6E8A}"/>
-              </a:ext>
-            </a:extLst>
-          </p:cNvPr>
-          <p:cNvPicPr>
-            <a:picLocks noChangeAspect="1"/>
-          </p:cNvPicPr>
-          <p:nvPr/>
-        </p:nvPicPr>
-        <p:blipFill>
-          <a:blip r:embed="rId5" cstate="print">
-            <a:extLst>
-              <a:ext uri="{28A0092B-C50C-407E-A947-70E740481C1C}">
-                <a14:useLocalDpi xmlns:a14="http://schemas.microsoft.com/office/drawing/2010/main" val="0"/>
-              </a:ext>
-            </a:extLst>
-          </a:blip>
-          <a:stretch>
-            <a:fillRect/>
-          </a:stretch>
-        </p:blipFill>
-        <p:spPr>
-          <a:xfrm>
-            <a:off x="5457806" y="3053348"/>
-            <a:ext cx="3060340" cy="1682858"/>
+            <a:off x="467544" y="2891401"/>
+            <a:ext cx="4582613" cy="2004003"/>
           </a:xfrm>
           <a:prstGeom prst="rect">
             <a:avLst/>
@@ -9495,96 +9173,198 @@
       </p:pic>
       <p:sp>
         <p:nvSpPr>
-          <p:cNvPr id="2" name="TextBox 1">
+          <p:cNvPr id="13" name="직사각형 1">
             <a:extLst>
               <a:ext uri="{FF2B5EF4-FFF2-40B4-BE49-F238E27FC236}">
-                <a16:creationId xmlns:a16="http://schemas.microsoft.com/office/drawing/2014/main" id="{BE9C94D4-9E79-45BE-AC7D-9EE7C20FC636}"/>
+                <a16:creationId xmlns:a16="http://schemas.microsoft.com/office/drawing/2014/main" xmlns="" id="{CA39C048-224A-4D48-80FD-C32400AAA695}"/>
               </a:ext>
             </a:extLst>
           </p:cNvPr>
-          <p:cNvSpPr txBox="1"/>
+          <p:cNvSpPr/>
           <p:nvPr/>
         </p:nvSpPr>
         <p:spPr>
           <a:xfrm>
-            <a:off x="1979713" y="1216032"/>
-            <a:ext cx="2088232" cy="246221"/>
-          </a:xfrm>
-          <a:prstGeom prst="rect">
-            <a:avLst/>
-          </a:prstGeom>
-          <a:noFill/>
-        </p:spPr>
-        <p:txBody>
-          <a:bodyPr wrap="square" rtlCol="0">
-            <a:spAutoFit/>
-          </a:bodyPr>
-          <a:lstStyle/>
-          <a:p>
-            <a:pPr algn="ctr"/>
-            <a:r>
-              <a:rPr lang="ko-KR" altLang="en-US" sz="1000" dirty="0"/>
-              <a:t>예시 이미지 출처 </a:t>
-            </a:r>
-            <a:r>
-              <a:rPr lang="en-US" altLang="ko-KR" sz="1000" dirty="0"/>
-              <a:t>: yes24</a:t>
-            </a:r>
-            <a:endParaRPr lang="ko-KR" altLang="en-US" sz="1000" dirty="0"/>
-          </a:p>
-        </p:txBody>
-      </p:sp>
-      <p:pic>
-        <p:nvPicPr>
-          <p:cNvPr id="9" name="그림 8">
-            <a:extLst>
-              <a:ext uri="{FF2B5EF4-FFF2-40B4-BE49-F238E27FC236}">
-                <a16:creationId xmlns:a16="http://schemas.microsoft.com/office/drawing/2014/main" id="{68D15965-3EC0-4E38-A6F9-22929AF99887}"/>
-              </a:ext>
-            </a:extLst>
-          </p:cNvPr>
-          <p:cNvPicPr>
-            <a:picLocks noChangeAspect="1"/>
-          </p:cNvPicPr>
-          <p:nvPr/>
-        </p:nvPicPr>
-        <p:blipFill>
-          <a:blip r:embed="rId6" cstate="print">
-            <a:extLst>
-              <a:ext uri="{28A0092B-C50C-407E-A947-70E740481C1C}">
-                <a14:useLocalDpi xmlns:a14="http://schemas.microsoft.com/office/drawing/2010/main" val="0"/>
-              </a:ext>
-            </a:extLst>
-          </a:blip>
-          <a:stretch>
-            <a:fillRect/>
-          </a:stretch>
-        </p:blipFill>
-        <p:spPr>
-          <a:xfrm>
-            <a:off x="395536" y="1630179"/>
-            <a:ext cx="3347864" cy="1295493"/>
+            <a:off x="6036190" y="3055760"/>
+            <a:ext cx="1848178" cy="1100166"/>
           </a:xfrm>
           <a:prstGeom prst="rect">
             <a:avLst/>
           </a:prstGeom>
         </p:spPr>
-      </p:pic>
+        <p:style>
+          <a:lnRef idx="2">
+            <a:schemeClr val="accent1">
+              <a:shade val="50000"/>
+            </a:schemeClr>
+          </a:lnRef>
+          <a:fillRef idx="1">
+            <a:schemeClr val="accent1"/>
+          </a:fillRef>
+          <a:effectRef idx="0">
+            <a:schemeClr val="accent1"/>
+          </a:effectRef>
+          <a:fontRef idx="minor">
+            <a:schemeClr val="lt1"/>
+          </a:fontRef>
+        </p:style>
+        <p:txBody>
+          <a:bodyPr anchor="ctr"/>
+          <a:lstStyle/>
+          <a:p>
+            <a:pPr algn="ctr">
+              <a:defRPr/>
+            </a:pPr>
+            <a:r>
+              <a:rPr lang="ko-KR" altLang="en-US" dirty="0"/>
+              <a:t>예매정보</a:t>
+            </a:r>
+          </a:p>
+        </p:txBody>
+      </p:sp>
+      <p:graphicFrame>
+        <p:nvGraphicFramePr>
+          <p:cNvPr id="14" name="표 13">
+            <a:extLst>
+              <a:ext uri="{FF2B5EF4-FFF2-40B4-BE49-F238E27FC236}">
+                <a16:creationId xmlns:a16="http://schemas.microsoft.com/office/drawing/2014/main" xmlns="" id="{DF55EFAC-04DA-439A-95B9-82309C4C5472}"/>
+              </a:ext>
+            </a:extLst>
+          </p:cNvPr>
+          <p:cNvGraphicFramePr/>
+          <p:nvPr>
+            <p:extLst>
+              <p:ext uri="{D42A27DB-BD31-4B8C-83A1-F6EECF244321}">
+                <p14:modId xmlns:p14="http://schemas.microsoft.com/office/powerpoint/2010/main" xmlns="" val="2949337151"/>
+              </p:ext>
+            </p:extLst>
+          </p:nvPr>
+        </p:nvGraphicFramePr>
+        <p:xfrm>
+          <a:off x="7056276" y="4241428"/>
+          <a:ext cx="871296" cy="275099"/>
+        </p:xfrm>
+        <a:graphic>
+          <a:graphicData uri="http://schemas.openxmlformats.org/drawingml/2006/table">
+            <a:tbl>
+              <a:tblPr firstRow="1" bandRow="1">
+                <a:tableStyleId>{01A66EDD-3DAB-4C5B-A090-DC80EC1FD486}</a:tableStyleId>
+              </a:tblPr>
+              <a:tblGrid>
+                <a:gridCol w="871296">
+                  <a:extLst>
+                    <a:ext uri="{9D8B030D-6E8A-4147-A177-3AD203B41FA5}">
+                      <a16:colId xmlns:a16="http://schemas.microsoft.com/office/drawing/2014/main" xmlns="" val="20000"/>
+                    </a:ext>
+                  </a:extLst>
+                </a:gridCol>
+              </a:tblGrid>
+              <a:tr h="275099">
+                <a:tc>
+                  <a:txBody>
+                    <a:bodyPr/>
+                    <a:lstStyle/>
+                    <a:p>
+                      <a:pPr>
+                        <a:defRPr/>
+                      </a:pPr>
+                      <a:r>
+                        <a:rPr lang="ko-KR" altLang="en-US" sz="1100" dirty="0"/>
+                        <a:t>예매 취소</a:t>
+                      </a:r>
+                    </a:p>
+                  </a:txBody>
+                  <a:tcPr/>
+                </a:tc>
+                <a:extLst>
+                  <a:ext uri="{0D108BD9-81ED-4DB2-BD59-A6C34878D82A}">
+                    <a16:rowId xmlns:a16="http://schemas.microsoft.com/office/drawing/2014/main" xmlns="" val="10000"/>
+                  </a:ext>
+                </a:extLst>
+              </a:tr>
+            </a:tbl>
+          </a:graphicData>
+        </a:graphic>
+      </p:graphicFrame>
+      <p:graphicFrame>
+        <p:nvGraphicFramePr>
+          <p:cNvPr id="15" name="표 14">
+            <a:extLst>
+              <a:ext uri="{FF2B5EF4-FFF2-40B4-BE49-F238E27FC236}">
+                <a16:creationId xmlns:a16="http://schemas.microsoft.com/office/drawing/2014/main" xmlns="" id="{F009B698-F18F-4AAF-AE5A-61AD903D68C1}"/>
+              </a:ext>
+            </a:extLst>
+          </p:cNvPr>
+          <p:cNvGraphicFramePr/>
+          <p:nvPr>
+            <p:extLst>
+              <p:ext uri="{D42A27DB-BD31-4B8C-83A1-F6EECF244321}">
+                <p14:modId xmlns:p14="http://schemas.microsoft.com/office/powerpoint/2010/main" xmlns="" val="4001104561"/>
+              </p:ext>
+            </p:extLst>
+          </p:nvPr>
+        </p:nvGraphicFramePr>
+        <p:xfrm>
+          <a:off x="6036190" y="4241428"/>
+          <a:ext cx="950505" cy="275098"/>
+        </p:xfrm>
+        <a:graphic>
+          <a:graphicData uri="http://schemas.openxmlformats.org/drawingml/2006/table">
+            <a:tbl>
+              <a:tblPr firstRow="1" bandRow="1">
+                <a:tableStyleId>{01A66EDD-3DAB-4C5B-A090-DC80EC1FD486}</a:tableStyleId>
+              </a:tblPr>
+              <a:tblGrid>
+                <a:gridCol w="950505">
+                  <a:extLst>
+                    <a:ext uri="{9D8B030D-6E8A-4147-A177-3AD203B41FA5}">
+                      <a16:colId xmlns:a16="http://schemas.microsoft.com/office/drawing/2014/main" xmlns="" val="20000"/>
+                    </a:ext>
+                  </a:extLst>
+                </a:gridCol>
+              </a:tblGrid>
+              <a:tr h="275098">
+                <a:tc>
+                  <a:txBody>
+                    <a:bodyPr/>
+                    <a:lstStyle/>
+                    <a:p>
+                      <a:pPr algn="ctr">
+                        <a:defRPr/>
+                      </a:pPr>
+                      <a:r>
+                        <a:rPr lang="ko-KR" altLang="en-US" sz="800" dirty="0"/>
+                        <a:t>연극 상세보기</a:t>
+                      </a:r>
+                    </a:p>
+                  </a:txBody>
+                  <a:tcPr/>
+                </a:tc>
+                <a:extLst>
+                  <a:ext uri="{0D108BD9-81ED-4DB2-BD59-A6C34878D82A}">
+                    <a16:rowId xmlns:a16="http://schemas.microsoft.com/office/drawing/2014/main" xmlns="" val="10000"/>
+                  </a:ext>
+                </a:extLst>
+              </a:tr>
+            </a:tbl>
+          </a:graphicData>
+        </a:graphic>
+      </p:graphicFrame>
     </p:spTree>
     <p:extLst>
       <p:ext uri="{BB962C8B-B14F-4D97-AF65-F5344CB8AC3E}">
-        <p14:creationId xmlns:p14="http://schemas.microsoft.com/office/powerpoint/2010/main" val="2786283654"/>
+        <p14:creationId xmlns:p14="http://schemas.microsoft.com/office/powerpoint/2010/main" xmlns="" val="1660649409"/>
       </p:ext>
     </p:extLst>
   </p:cSld>
   <p:clrMapOvr>
     <a:masterClrMapping/>
   </p:clrMapOvr>
-  <mc:AlternateContent xmlns:mc="http://schemas.openxmlformats.org/markup-compatibility/2006" xmlns:p14="http://schemas.microsoft.com/office/powerpoint/2010/main">
-    <mc:Choice Requires="p14">
+  <mc:AlternateContent xmlns:mc="http://schemas.openxmlformats.org/markup-compatibility/2006">
+    <mc:Choice xmlns:p14="http://schemas.microsoft.com/office/powerpoint/2010/main" xmlns="" Requires="p14">
       <p:transition/>
     </mc:Choice>
-    <mc:Fallback xmlns="">
+    <mc:Fallback>
       <p:transition/>
     </mc:Fallback>
   </mc:AlternateContent>
@@ -9654,17 +9434,25 @@
           <a:p>
             <a:r>
               <a:rPr lang="ko-KR" altLang="en-US" dirty="0"/>
-              <a:t>예매하기</a:t>
+              <a:t>로그인</a:t>
+            </a:r>
+            <a:r>
+              <a:rPr lang="en-US" altLang="ko-KR" dirty="0"/>
+              <a:t>/</a:t>
+            </a:r>
+            <a:r>
+              <a:rPr lang="ko-KR" altLang="en-US" dirty="0"/>
+              <a:t>회원가입</a:t>
             </a:r>
           </a:p>
         </p:txBody>
       </p:sp>
       <p:pic>
         <p:nvPicPr>
-          <p:cNvPr id="10" name="내용 개체 틀 9" descr="스크린샷이(가) 표시된 사진&#10;&#10;자동 생성된 설명">
+          <p:cNvPr id="25" name="내용 개체 틀 24" descr="스크린샷, 거리, 도시, 버스이(가) 표시된 사진&#10;&#10;자동 생성된 설명">
             <a:extLst>
               <a:ext uri="{FF2B5EF4-FFF2-40B4-BE49-F238E27FC236}">
-                <a16:creationId xmlns:a16="http://schemas.microsoft.com/office/drawing/2014/main" id="{DC4FE2E2-5396-44D4-8669-84284BAA1EE6}"/>
+                <a16:creationId xmlns:a16="http://schemas.microsoft.com/office/drawing/2014/main" xmlns="" id="{6B75C285-5B81-4CED-94AD-ADADF21FD486}"/>
               </a:ext>
             </a:extLst>
           </p:cNvPr>
@@ -9679,7 +9467,7 @@
           <a:blip r:embed="rId3">
             <a:extLst>
               <a:ext uri="{28A0092B-C50C-407E-A947-70E740481C1C}">
-                <a14:useLocalDpi xmlns:a14="http://schemas.microsoft.com/office/drawing/2010/main" val="0"/>
+                <a14:useLocalDpi xmlns:a14="http://schemas.microsoft.com/office/drawing/2010/main" xmlns="" val="0"/>
               </a:ext>
             </a:extLst>
           </a:blip>
@@ -9689,53 +9477,438 @@
         </p:blipFill>
         <p:spPr>
           <a:xfrm>
-            <a:off x="2087724" y="1145877"/>
-            <a:ext cx="4725588" cy="1721430"/>
+            <a:off x="395536" y="1600523"/>
+            <a:ext cx="2199785" cy="2995612"/>
           </a:xfrm>
         </p:spPr>
       </p:pic>
-      <p:pic>
-        <p:nvPicPr>
-          <p:cNvPr id="12" name="그림 11" descr="스크린샷이(가) 표시된 사진&#10;&#10;자동 생성된 설명">
+      <p:graphicFrame>
+        <p:nvGraphicFramePr>
+          <p:cNvPr id="26" name="표 6">
             <a:extLst>
               <a:ext uri="{FF2B5EF4-FFF2-40B4-BE49-F238E27FC236}">
-                <a16:creationId xmlns:a16="http://schemas.microsoft.com/office/drawing/2014/main" id="{D15EB09A-92B7-45F4-A5B5-0A8B25A1CA17}"/>
+                <a16:creationId xmlns:a16="http://schemas.microsoft.com/office/drawing/2014/main" xmlns="" id="{721A183B-8CCC-400E-AFD7-EB401BAA1B42}"/>
               </a:ext>
             </a:extLst>
           </p:cNvPr>
-          <p:cNvPicPr>
-            <a:picLocks noChangeAspect="1"/>
-          </p:cNvPicPr>
-          <p:nvPr/>
-        </p:nvPicPr>
-        <p:blipFill>
-          <a:blip r:embed="rId4">
+          <p:cNvGraphicFramePr>
+            <a:graphicFrameLocks noGrp="1"/>
+          </p:cNvGraphicFramePr>
+          <p:nvPr>
+            <p:extLst>
+              <p:ext uri="{D42A27DB-BD31-4B8C-83A1-F6EECF244321}">
+                <p14:modId xmlns:p14="http://schemas.microsoft.com/office/powerpoint/2010/main" xmlns="" val="914080219"/>
+              </p:ext>
+            </p:extLst>
+          </p:nvPr>
+        </p:nvGraphicFramePr>
+        <p:xfrm>
+          <a:off x="4004737" y="1703841"/>
+          <a:ext cx="1503367" cy="367665"/>
+        </p:xfrm>
+        <a:graphic>
+          <a:graphicData uri="http://schemas.openxmlformats.org/drawingml/2006/table">
+            <a:tbl>
+              <a:tblPr firstRow="1" bandRow="1">
+                <a:tableStyleId>{01A66EDD-3DAB-4C5B-A090-DC80EC1FD486}</a:tableStyleId>
+              </a:tblPr>
+              <a:tblGrid>
+                <a:gridCol w="1503367">
+                  <a:extLst>
+                    <a:ext uri="{9D8B030D-6E8A-4147-A177-3AD203B41FA5}">
+                      <a16:colId xmlns:a16="http://schemas.microsoft.com/office/drawing/2014/main" xmlns="" val="20000"/>
+                    </a:ext>
+                  </a:extLst>
+                </a:gridCol>
+              </a:tblGrid>
+              <a:tr h="367665">
+                <a:tc>
+                  <a:txBody>
+                    <a:bodyPr/>
+                    <a:lstStyle/>
+                    <a:p>
+                      <a:pPr>
+                        <a:defRPr/>
+                      </a:pPr>
+                      <a:r>
+                        <a:rPr lang="ko-KR" altLang="en-US" dirty="0"/>
+                        <a:t>이름</a:t>
+                      </a:r>
+                    </a:p>
+                  </a:txBody>
+                  <a:tcPr/>
+                </a:tc>
+                <a:extLst>
+                  <a:ext uri="{0D108BD9-81ED-4DB2-BD59-A6C34878D82A}">
+                    <a16:rowId xmlns:a16="http://schemas.microsoft.com/office/drawing/2014/main" xmlns="" val="10000"/>
+                  </a:ext>
+                </a:extLst>
+              </a:tr>
+            </a:tbl>
+          </a:graphicData>
+        </a:graphic>
+      </p:graphicFrame>
+      <p:graphicFrame>
+        <p:nvGraphicFramePr>
+          <p:cNvPr id="27" name="표 7">
             <a:extLst>
-              <a:ext uri="{28A0092B-C50C-407E-A947-70E740481C1C}">
-                <a14:useLocalDpi xmlns:a14="http://schemas.microsoft.com/office/drawing/2010/main" val="0"/>
+              <a:ext uri="{FF2B5EF4-FFF2-40B4-BE49-F238E27FC236}">
+                <a16:creationId xmlns:a16="http://schemas.microsoft.com/office/drawing/2014/main" xmlns="" id="{AAA6443C-808E-4784-8DD6-FAD0A83FF8CC}"/>
               </a:ext>
             </a:extLst>
-          </a:blip>
-          <a:stretch>
-            <a:fillRect/>
-          </a:stretch>
-        </p:blipFill>
+          </p:cNvPr>
+          <p:cNvGraphicFramePr>
+            <a:graphicFrameLocks noGrp="1"/>
+          </p:cNvGraphicFramePr>
+          <p:nvPr>
+            <p:extLst>
+              <p:ext uri="{D42A27DB-BD31-4B8C-83A1-F6EECF244321}">
+                <p14:modId xmlns:p14="http://schemas.microsoft.com/office/powerpoint/2010/main" xmlns="" val="243613989"/>
+              </p:ext>
+            </p:extLst>
+          </p:nvPr>
+        </p:nvGraphicFramePr>
+        <p:xfrm>
+          <a:off x="4004737" y="2103698"/>
+          <a:ext cx="1503367" cy="370840"/>
+        </p:xfrm>
+        <a:graphic>
+          <a:graphicData uri="http://schemas.openxmlformats.org/drawingml/2006/table">
+            <a:tbl>
+              <a:tblPr firstRow="1" bandRow="1">
+                <a:tableStyleId>{01A66EDD-3DAB-4C5B-A090-DC80EC1FD486}</a:tableStyleId>
+              </a:tblPr>
+              <a:tblGrid>
+                <a:gridCol w="1503367">
+                  <a:extLst>
+                    <a:ext uri="{9D8B030D-6E8A-4147-A177-3AD203B41FA5}">
+                      <a16:colId xmlns:a16="http://schemas.microsoft.com/office/drawing/2014/main" xmlns="" val="20000"/>
+                    </a:ext>
+                  </a:extLst>
+                </a:gridCol>
+              </a:tblGrid>
+              <a:tr h="370840">
+                <a:tc>
+                  <a:txBody>
+                    <a:bodyPr/>
+                    <a:lstStyle/>
+                    <a:p>
+                      <a:pPr>
+                        <a:defRPr/>
+                      </a:pPr>
+                      <a:r>
+                        <a:rPr lang="ko-KR" altLang="en-US" dirty="0"/>
+                        <a:t>휴대폰 번호</a:t>
+                      </a:r>
+                    </a:p>
+                  </a:txBody>
+                  <a:tcPr/>
+                </a:tc>
+                <a:extLst>
+                  <a:ext uri="{0D108BD9-81ED-4DB2-BD59-A6C34878D82A}">
+                    <a16:rowId xmlns:a16="http://schemas.microsoft.com/office/drawing/2014/main" xmlns="" val="10000"/>
+                  </a:ext>
+                </a:extLst>
+              </a:tr>
+            </a:tbl>
+          </a:graphicData>
+        </a:graphic>
+      </p:graphicFrame>
+      <p:sp>
+        <p:nvSpPr>
+          <p:cNvPr id="28" name="TextBox 27">
+            <a:extLst>
+              <a:ext uri="{FF2B5EF4-FFF2-40B4-BE49-F238E27FC236}">
+                <a16:creationId xmlns:a16="http://schemas.microsoft.com/office/drawing/2014/main" xmlns="" id="{FA242DE6-5E3F-4717-9C58-21009B61E2C9}"/>
+              </a:ext>
+            </a:extLst>
+          </p:cNvPr>
+          <p:cNvSpPr txBox="1"/>
+          <p:nvPr/>
+        </p:nvSpPr>
         <p:spPr>
           <a:xfrm>
-            <a:off x="467544" y="2891401"/>
-            <a:ext cx="4582613" cy="2004003"/>
+            <a:off x="4724817" y="1783474"/>
+            <a:ext cx="648072" cy="363839"/>
           </a:xfrm>
           <a:prstGeom prst="rect">
             <a:avLst/>
           </a:prstGeom>
         </p:spPr>
-      </p:pic>
+        <p:txBody>
+          <a:bodyPr wrap="square">
+            <a:spAutoFit/>
+          </a:bodyPr>
+          <a:lstStyle/>
+          <a:p>
+            <a:pPr>
+              <a:defRPr/>
+            </a:pPr>
+            <a:endParaRPr lang="ko-KR" altLang="en-US"/>
+          </a:p>
+        </p:txBody>
+      </p:sp>
       <p:sp>
         <p:nvSpPr>
-          <p:cNvPr id="13" name="직사각형 1">
+          <p:cNvPr id="29" name="TextBox 28">
             <a:extLst>
               <a:ext uri="{FF2B5EF4-FFF2-40B4-BE49-F238E27FC236}">
-                <a16:creationId xmlns:a16="http://schemas.microsoft.com/office/drawing/2014/main" id="{CA39C048-224A-4D48-80FD-C32400AAA695}"/>
+                <a16:creationId xmlns:a16="http://schemas.microsoft.com/office/drawing/2014/main" xmlns="" id="{D16BA98C-92AA-4F74-99ED-E404147928C3}"/>
+              </a:ext>
+            </a:extLst>
+          </p:cNvPr>
+          <p:cNvSpPr txBox="1"/>
+          <p:nvPr/>
+        </p:nvSpPr>
+        <p:spPr>
+          <a:xfrm>
+            <a:off x="3140641" y="1743658"/>
+            <a:ext cx="648072" cy="296024"/>
+          </a:xfrm>
+          <a:prstGeom prst="rect">
+            <a:avLst/>
+          </a:prstGeom>
+        </p:spPr>
+        <p:txBody>
+          <a:bodyPr wrap="square">
+            <a:spAutoFit/>
+          </a:bodyPr>
+          <a:lstStyle/>
+          <a:p>
+            <a:pPr>
+              <a:defRPr/>
+            </a:pPr>
+            <a:r>
+              <a:rPr lang="ko-KR" altLang="en-US" sz="1400"/>
+              <a:t>이름</a:t>
+            </a:r>
+            <a:r>
+              <a:rPr lang="en-US" altLang="ko-KR" sz="1400"/>
+              <a:t>:</a:t>
+            </a:r>
+          </a:p>
+        </p:txBody>
+      </p:sp>
+      <p:sp>
+        <p:nvSpPr>
+          <p:cNvPr id="30" name="TextBox 29">
+            <a:extLst>
+              <a:ext uri="{FF2B5EF4-FFF2-40B4-BE49-F238E27FC236}">
+                <a16:creationId xmlns:a16="http://schemas.microsoft.com/office/drawing/2014/main" xmlns="" id="{337092E8-D3F7-4BB9-9BB9-6ED14C5C1E45}"/>
+              </a:ext>
+            </a:extLst>
+          </p:cNvPr>
+          <p:cNvSpPr txBox="1"/>
+          <p:nvPr/>
+        </p:nvSpPr>
+        <p:spPr>
+          <a:xfrm>
+            <a:off x="2852609" y="2163517"/>
+            <a:ext cx="1368152" cy="300221"/>
+          </a:xfrm>
+          <a:prstGeom prst="rect">
+            <a:avLst/>
+          </a:prstGeom>
+        </p:spPr>
+        <p:txBody>
+          <a:bodyPr wrap="square">
+            <a:spAutoFit/>
+          </a:bodyPr>
+          <a:lstStyle/>
+          <a:p>
+            <a:pPr>
+              <a:defRPr/>
+            </a:pPr>
+            <a:r>
+              <a:rPr lang="ko-KR" altLang="en-US" sz="1400" dirty="0"/>
+              <a:t>휴대폰 번호</a:t>
+            </a:r>
+            <a:r>
+              <a:rPr lang="en-US" altLang="ko-KR" sz="1400" dirty="0"/>
+              <a:t>:</a:t>
+            </a:r>
+          </a:p>
+        </p:txBody>
+      </p:sp>
+      <p:graphicFrame>
+        <p:nvGraphicFramePr>
+          <p:cNvPr id="31" name="표 30">
+            <a:extLst>
+              <a:ext uri="{FF2B5EF4-FFF2-40B4-BE49-F238E27FC236}">
+                <a16:creationId xmlns:a16="http://schemas.microsoft.com/office/drawing/2014/main" xmlns="" id="{CE66A556-CD3F-4809-ABBE-A12270B5E089}"/>
+              </a:ext>
+            </a:extLst>
+          </p:cNvPr>
+          <p:cNvGraphicFramePr>
+            <a:graphicFrameLocks noGrp="1"/>
+          </p:cNvGraphicFramePr>
+          <p:nvPr>
+            <p:extLst>
+              <p:ext uri="{D42A27DB-BD31-4B8C-83A1-F6EECF244321}">
+                <p14:modId xmlns:p14="http://schemas.microsoft.com/office/powerpoint/2010/main" xmlns="" val="2636023074"/>
+              </p:ext>
+            </p:extLst>
+          </p:nvPr>
+        </p:nvGraphicFramePr>
+        <p:xfrm>
+          <a:off x="4004737" y="2555749"/>
+          <a:ext cx="1511354" cy="370840"/>
+        </p:xfrm>
+        <a:graphic>
+          <a:graphicData uri="http://schemas.openxmlformats.org/drawingml/2006/table">
+            <a:tbl>
+              <a:tblPr firstRow="1" bandRow="1">
+                <a:tableStyleId>{01A66EDD-3DAB-4C5B-A090-DC80EC1FD486}</a:tableStyleId>
+              </a:tblPr>
+              <a:tblGrid>
+                <a:gridCol w="1511354">
+                  <a:extLst>
+                    <a:ext uri="{9D8B030D-6E8A-4147-A177-3AD203B41FA5}">
+                      <a16:colId xmlns:a16="http://schemas.microsoft.com/office/drawing/2014/main" xmlns="" val="20000"/>
+                    </a:ext>
+                  </a:extLst>
+                </a:gridCol>
+              </a:tblGrid>
+              <a:tr h="370840">
+                <a:tc>
+                  <a:txBody>
+                    <a:bodyPr/>
+                    <a:lstStyle/>
+                    <a:p>
+                      <a:pPr>
+                        <a:defRPr/>
+                      </a:pPr>
+                      <a:r>
+                        <a:rPr lang="ko-KR" altLang="en-US" dirty="0"/>
+                        <a:t>비밀번호</a:t>
+                      </a:r>
+                    </a:p>
+                  </a:txBody>
+                  <a:tcPr/>
+                </a:tc>
+                <a:extLst>
+                  <a:ext uri="{0D108BD9-81ED-4DB2-BD59-A6C34878D82A}">
+                    <a16:rowId xmlns:a16="http://schemas.microsoft.com/office/drawing/2014/main" xmlns="" val="10000"/>
+                  </a:ext>
+                </a:extLst>
+              </a:tr>
+            </a:tbl>
+          </a:graphicData>
+        </a:graphic>
+      </p:graphicFrame>
+      <p:sp>
+        <p:nvSpPr>
+          <p:cNvPr id="32" name="TextBox 31">
+            <a:extLst>
+              <a:ext uri="{FF2B5EF4-FFF2-40B4-BE49-F238E27FC236}">
+                <a16:creationId xmlns:a16="http://schemas.microsoft.com/office/drawing/2014/main" xmlns="" id="{48CEA21C-C7D1-44D2-A323-5EC32F64A191}"/>
+              </a:ext>
+            </a:extLst>
+          </p:cNvPr>
+          <p:cNvSpPr txBox="1"/>
+          <p:nvPr/>
+        </p:nvSpPr>
+        <p:spPr>
+          <a:xfrm>
+            <a:off x="2975993" y="2587280"/>
+            <a:ext cx="1368152" cy="307777"/>
+          </a:xfrm>
+          <a:prstGeom prst="rect">
+            <a:avLst/>
+          </a:prstGeom>
+        </p:spPr>
+        <p:txBody>
+          <a:bodyPr wrap="square">
+            <a:spAutoFit/>
+          </a:bodyPr>
+          <a:lstStyle/>
+          <a:p>
+            <a:pPr>
+              <a:defRPr/>
+            </a:pPr>
+            <a:r>
+              <a:rPr lang="ko-KR" altLang="en-US" sz="1400" dirty="0"/>
+              <a:t>비밀번호</a:t>
+            </a:r>
+            <a:r>
+              <a:rPr lang="en-US" altLang="ko-KR" sz="1400" dirty="0"/>
+              <a:t>:</a:t>
+            </a:r>
+          </a:p>
+        </p:txBody>
+      </p:sp>
+      <p:graphicFrame>
+        <p:nvGraphicFramePr>
+          <p:cNvPr id="33" name="표 6">
+            <a:extLst>
+              <a:ext uri="{FF2B5EF4-FFF2-40B4-BE49-F238E27FC236}">
+                <a16:creationId xmlns:a16="http://schemas.microsoft.com/office/drawing/2014/main" xmlns="" id="{53D7F177-6EFB-4A4C-9853-3974387F1B02}"/>
+              </a:ext>
+            </a:extLst>
+          </p:cNvPr>
+          <p:cNvGraphicFramePr>
+            <a:graphicFrameLocks noGrp="1"/>
+          </p:cNvGraphicFramePr>
+          <p:nvPr>
+            <p:extLst>
+              <p:ext uri="{D42A27DB-BD31-4B8C-83A1-F6EECF244321}">
+                <p14:modId xmlns:p14="http://schemas.microsoft.com/office/powerpoint/2010/main" xmlns="" val="3230076305"/>
+              </p:ext>
+            </p:extLst>
+          </p:nvPr>
+        </p:nvGraphicFramePr>
+        <p:xfrm>
+          <a:off x="2975993" y="3522435"/>
+          <a:ext cx="2543944" cy="367665"/>
+        </p:xfrm>
+        <a:graphic>
+          <a:graphicData uri="http://schemas.openxmlformats.org/drawingml/2006/table">
+            <a:tbl>
+              <a:tblPr firstRow="1" bandRow="1">
+                <a:tableStyleId>{01A66EDD-3DAB-4C5B-A090-DC80EC1FD486}</a:tableStyleId>
+              </a:tblPr>
+              <a:tblGrid>
+                <a:gridCol w="2543944">
+                  <a:extLst>
+                    <a:ext uri="{9D8B030D-6E8A-4147-A177-3AD203B41FA5}">
+                      <a16:colId xmlns:a16="http://schemas.microsoft.com/office/drawing/2014/main" xmlns="" val="20000"/>
+                    </a:ext>
+                  </a:extLst>
+                </a:gridCol>
+              </a:tblGrid>
+              <a:tr h="367665">
+                <a:tc>
+                  <a:txBody>
+                    <a:bodyPr/>
+                    <a:lstStyle/>
+                    <a:p>
+                      <a:pPr>
+                        <a:defRPr/>
+                      </a:pPr>
+                      <a:r>
+                        <a:rPr lang="ko-KR" altLang="en-US" dirty="0"/>
+                        <a:t>예매번호</a:t>
+                      </a:r>
+                    </a:p>
+                  </a:txBody>
+                  <a:tcPr/>
+                </a:tc>
+                <a:extLst>
+                  <a:ext uri="{0D108BD9-81ED-4DB2-BD59-A6C34878D82A}">
+                    <a16:rowId xmlns:a16="http://schemas.microsoft.com/office/drawing/2014/main" xmlns="" val="10000"/>
+                  </a:ext>
+                </a:extLst>
+              </a:tr>
+            </a:tbl>
+          </a:graphicData>
+        </a:graphic>
+      </p:graphicFrame>
+      <p:sp>
+        <p:nvSpPr>
+          <p:cNvPr id="34" name="더하기 기호 33">
+            <a:extLst>
+              <a:ext uri="{FF2B5EF4-FFF2-40B4-BE49-F238E27FC236}">
+                <a16:creationId xmlns:a16="http://schemas.microsoft.com/office/drawing/2014/main" xmlns="" id="{BAC5E25A-7118-43E8-8A5C-793B4D2F48C3}"/>
               </a:ext>
             </a:extLst>
           </p:cNvPr>
@@ -9744,10 +9917,10 @@
         </p:nvSpPr>
         <p:spPr>
           <a:xfrm>
-            <a:off x="6036190" y="3055760"/>
-            <a:ext cx="1848178" cy="1100166"/>
+            <a:off x="4004737" y="3098329"/>
+            <a:ext cx="339408" cy="312503"/>
           </a:xfrm>
-          <a:prstGeom prst="rect">
+          <a:prstGeom prst="mathPlus">
             <a:avLst/>
           </a:prstGeom>
         </p:spPr>
@@ -9768,162 +9941,353 @@
           </a:fontRef>
         </p:style>
         <p:txBody>
-          <a:bodyPr anchor="ctr"/>
+          <a:bodyPr rtlCol="0" anchor="ctr"/>
           <a:lstStyle/>
           <a:p>
-            <a:pPr algn="ctr">
-              <a:defRPr/>
-            </a:pPr>
-            <a:r>
-              <a:rPr lang="ko-KR" altLang="en-US" dirty="0"/>
-              <a:t>예매정보</a:t>
-            </a:r>
+            <a:pPr algn="ctr"/>
+            <a:endParaRPr lang="ko-KR" altLang="en-US"/>
           </a:p>
         </p:txBody>
       </p:sp>
-      <p:graphicFrame>
-        <p:nvGraphicFramePr>
-          <p:cNvPr id="14" name="표 13">
+      <p:sp>
+        <p:nvSpPr>
+          <p:cNvPr id="35" name="TextBox 34">
             <a:extLst>
               <a:ext uri="{FF2B5EF4-FFF2-40B4-BE49-F238E27FC236}">
-                <a16:creationId xmlns:a16="http://schemas.microsoft.com/office/drawing/2014/main" id="{DF55EFAC-04DA-439A-95B9-82309C4C5472}"/>
+                <a16:creationId xmlns:a16="http://schemas.microsoft.com/office/drawing/2014/main" xmlns="" id="{319B97F2-C381-44E7-965D-1DF643AE5E3D}"/>
               </a:ext>
             </a:extLst>
           </p:cNvPr>
-          <p:cNvGraphicFramePr/>
-          <p:nvPr>
-            <p:extLst>
-              <p:ext uri="{D42A27DB-BD31-4B8C-83A1-F6EECF244321}">
-                <p14:modId xmlns:p14="http://schemas.microsoft.com/office/powerpoint/2010/main" val="2949337151"/>
-              </p:ext>
-            </p:extLst>
-          </p:nvPr>
-        </p:nvGraphicFramePr>
-        <p:xfrm>
-          <a:off x="7056276" y="4241428"/>
-          <a:ext cx="871296" cy="275099"/>
-        </p:xfrm>
-        <a:graphic>
-          <a:graphicData uri="http://schemas.openxmlformats.org/drawingml/2006/table">
-            <a:tbl>
-              <a:tblPr firstRow="1" bandRow="1">
-                <a:tableStyleId>{01A66EDD-3DAB-4C5B-A090-DC80EC1FD486}</a:tableStyleId>
-              </a:tblPr>
-              <a:tblGrid>
-                <a:gridCol w="871296">
-                  <a:extLst>
-                    <a:ext uri="{9D8B030D-6E8A-4147-A177-3AD203B41FA5}">
-                      <a16:colId xmlns:a16="http://schemas.microsoft.com/office/drawing/2014/main" val="20000"/>
-                    </a:ext>
-                  </a:extLst>
-                </a:gridCol>
-              </a:tblGrid>
-              <a:tr h="275099">
-                <a:tc>
-                  <a:txBody>
-                    <a:bodyPr/>
-                    <a:lstStyle/>
-                    <a:p>
-                      <a:pPr>
-                        <a:defRPr/>
-                      </a:pPr>
-                      <a:r>
-                        <a:rPr lang="ko-KR" altLang="en-US" sz="1100" dirty="0"/>
-                        <a:t>예매 취소</a:t>
-                      </a:r>
-                    </a:p>
-                  </a:txBody>
-                  <a:tcPr/>
-                </a:tc>
-                <a:extLst>
-                  <a:ext uri="{0D108BD9-81ED-4DB2-BD59-A6C34878D82A}">
-                    <a16:rowId xmlns:a16="http://schemas.microsoft.com/office/drawing/2014/main" val="10000"/>
-                  </a:ext>
-                </a:extLst>
-              </a:tr>
-            </a:tbl>
-          </a:graphicData>
-        </a:graphic>
-      </p:graphicFrame>
-      <p:graphicFrame>
-        <p:nvGraphicFramePr>
-          <p:cNvPr id="15" name="표 14">
+          <p:cNvSpPr txBox="1"/>
+          <p:nvPr/>
+        </p:nvSpPr>
+        <p:spPr>
+          <a:xfrm>
+            <a:off x="5743948" y="1271516"/>
+            <a:ext cx="2472323" cy="260199"/>
+          </a:xfrm>
+          <a:prstGeom prst="rect">
+            <a:avLst/>
+          </a:prstGeom>
+        </p:spPr>
+        <p:txBody>
+          <a:bodyPr wrap="square">
+            <a:spAutoFit/>
+          </a:bodyPr>
+          <a:lstStyle/>
+          <a:p>
+            <a:pPr>
+              <a:defRPr lang="ko-KR" altLang="en-US"/>
+            </a:pPr>
+            <a:endParaRPr lang="ko-KR" altLang="en-US"/>
+          </a:p>
+        </p:txBody>
+      </p:sp>
+      <p:sp>
+        <p:nvSpPr>
+          <p:cNvPr id="36" name="사각형: 둥근 모서리 35">
             <a:extLst>
               <a:ext uri="{FF2B5EF4-FFF2-40B4-BE49-F238E27FC236}">
-                <a16:creationId xmlns:a16="http://schemas.microsoft.com/office/drawing/2014/main" id="{F009B698-F18F-4AAF-AE5A-61AD903D68C1}"/>
+                <a16:creationId xmlns:a16="http://schemas.microsoft.com/office/drawing/2014/main" xmlns="" id="{94818892-6E26-4883-A4A1-E5F9B51C4CDB}"/>
               </a:ext>
             </a:extLst>
           </p:cNvPr>
-          <p:cNvGraphicFramePr/>
-          <p:nvPr>
-            <p:extLst>
-              <p:ext uri="{D42A27DB-BD31-4B8C-83A1-F6EECF244321}">
-                <p14:modId xmlns:p14="http://schemas.microsoft.com/office/powerpoint/2010/main" val="4001104561"/>
-              </p:ext>
-            </p:extLst>
-          </p:nvPr>
-        </p:nvGraphicFramePr>
-        <p:xfrm>
-          <a:off x="6036190" y="4241428"/>
-          <a:ext cx="950505" cy="275098"/>
-        </p:xfrm>
-        <a:graphic>
-          <a:graphicData uri="http://schemas.openxmlformats.org/drawingml/2006/table">
-            <a:tbl>
-              <a:tblPr firstRow="1" bandRow="1">
-                <a:tableStyleId>{01A66EDD-3DAB-4C5B-A090-DC80EC1FD486}</a:tableStyleId>
-              </a:tblPr>
-              <a:tblGrid>
-                <a:gridCol w="950505">
-                  <a:extLst>
-                    <a:ext uri="{9D8B030D-6E8A-4147-A177-3AD203B41FA5}">
-                      <a16:colId xmlns:a16="http://schemas.microsoft.com/office/drawing/2014/main" val="20000"/>
-                    </a:ext>
-                  </a:extLst>
-                </a:gridCol>
-              </a:tblGrid>
-              <a:tr h="275098">
-                <a:tc>
-                  <a:txBody>
-                    <a:bodyPr/>
-                    <a:lstStyle/>
-                    <a:p>
-                      <a:pPr algn="ctr">
-                        <a:defRPr/>
-                      </a:pPr>
-                      <a:r>
-                        <a:rPr lang="ko-KR" altLang="en-US" sz="800" dirty="0"/>
-                        <a:t>연극 상세보기</a:t>
-                      </a:r>
-                    </a:p>
-                  </a:txBody>
-                  <a:tcPr/>
-                </a:tc>
-                <a:extLst>
-                  <a:ext uri="{0D108BD9-81ED-4DB2-BD59-A6C34878D82A}">
-                    <a16:rowId xmlns:a16="http://schemas.microsoft.com/office/drawing/2014/main" val="10000"/>
-                  </a:ext>
-                </a:extLst>
-              </a:tr>
-            </a:tbl>
-          </a:graphicData>
-        </a:graphic>
-      </p:graphicFrame>
+          <p:cNvSpPr/>
+          <p:nvPr/>
+        </p:nvSpPr>
+        <p:spPr>
+          <a:xfrm>
+            <a:off x="5982359" y="1383618"/>
+            <a:ext cx="2845504" cy="731348"/>
+          </a:xfrm>
+          <a:prstGeom prst="roundRect">
+            <a:avLst>
+              <a:gd name="adj" fmla="val 16667"/>
+            </a:avLst>
+          </a:prstGeom>
+        </p:spPr>
+        <p:style>
+          <a:lnRef idx="2">
+            <a:schemeClr val="accent1">
+              <a:shade val="20000"/>
+            </a:schemeClr>
+          </a:lnRef>
+          <a:fillRef idx="1">
+            <a:schemeClr val="accent1"/>
+          </a:fillRef>
+          <a:effectRef idx="0">
+            <a:schemeClr val="accent1"/>
+          </a:effectRef>
+          <a:fontRef idx="minor">
+            <a:schemeClr val="lt1"/>
+          </a:fontRef>
+        </p:style>
+        <p:txBody>
+          <a:bodyPr anchor="ctr"/>
+          <a:lstStyle/>
+          <a:p>
+            <a:pPr>
+              <a:defRPr lang="ko-KR" altLang="en-US"/>
+            </a:pPr>
+            <a:r>
+              <a:rPr lang="ko-KR" altLang="en-US" sz="1000" dirty="0" err="1"/>
+              <a:t>ㅁ개인정보</a:t>
+            </a:r>
+            <a:r>
+              <a:rPr lang="ko-KR" altLang="en-US" sz="1000" dirty="0"/>
+              <a:t> </a:t>
+            </a:r>
+            <a:r>
+              <a:rPr lang="ko-KR" altLang="en-US" sz="1000" dirty="0" err="1"/>
+              <a:t>수집에대한</a:t>
+            </a:r>
+            <a:r>
+              <a:rPr lang="ko-KR" altLang="en-US" sz="1000" dirty="0"/>
+              <a:t> 동의</a:t>
+            </a:r>
+          </a:p>
+          <a:p>
+            <a:pPr>
+              <a:defRPr lang="ko-KR" altLang="en-US"/>
+            </a:pPr>
+            <a:r>
+              <a:rPr lang="ko-KR" altLang="en-US" sz="1000" dirty="0" err="1"/>
+              <a:t>ㅁ개인정보</a:t>
+            </a:r>
+            <a:r>
+              <a:rPr lang="ko-KR" altLang="en-US" sz="1000" dirty="0"/>
+              <a:t> 제3자 정보에 대한 동의</a:t>
+            </a:r>
+          </a:p>
+          <a:p>
+            <a:pPr>
+              <a:defRPr lang="ko-KR" altLang="en-US"/>
+            </a:pPr>
+            <a:r>
+              <a:rPr lang="ko-KR" altLang="en-US" sz="1000" dirty="0" err="1"/>
+              <a:t>ㅁ민감</a:t>
+            </a:r>
+            <a:r>
+              <a:rPr lang="ko-KR" altLang="en-US" sz="1000" dirty="0"/>
+              <a:t> 정보 수집에 대한 동의</a:t>
+            </a:r>
+          </a:p>
+          <a:p>
+            <a:pPr>
+              <a:defRPr lang="ko-KR" altLang="en-US"/>
+            </a:pPr>
+            <a:r>
+              <a:rPr lang="ko-KR" altLang="en-US" sz="1000" dirty="0"/>
+              <a:t>           </a:t>
+            </a:r>
+            <a:r>
+              <a:rPr lang="ko-KR" altLang="en-US" sz="1000" dirty="0" err="1"/>
+              <a:t>ㅁ위의</a:t>
+            </a:r>
+            <a:r>
+              <a:rPr lang="ko-KR" altLang="en-US" sz="1000" dirty="0"/>
+              <a:t> 개인정보 </a:t>
+            </a:r>
+            <a:r>
+              <a:rPr lang="ko-KR" altLang="en-US" sz="1000" dirty="0" err="1"/>
+              <a:t>수집에대한</a:t>
+            </a:r>
+            <a:r>
+              <a:rPr lang="ko-KR" altLang="en-US" sz="1000" dirty="0"/>
+              <a:t> 동의</a:t>
+            </a:r>
+          </a:p>
+        </p:txBody>
+      </p:sp>
+      <p:sp>
+        <p:nvSpPr>
+          <p:cNvPr id="37" name="직사각형 36">
+            <a:extLst>
+              <a:ext uri="{FF2B5EF4-FFF2-40B4-BE49-F238E27FC236}">
+                <a16:creationId xmlns:a16="http://schemas.microsoft.com/office/drawing/2014/main" xmlns="" id="{7F3A4C48-D0C7-4BE0-BA0A-41D9B18A3BD8}"/>
+              </a:ext>
+            </a:extLst>
+          </p:cNvPr>
+          <p:cNvSpPr/>
+          <p:nvPr/>
+        </p:nvSpPr>
+        <p:spPr>
+          <a:xfrm>
+            <a:off x="5982359" y="2147313"/>
+            <a:ext cx="2845504" cy="2393826"/>
+          </a:xfrm>
+          <a:prstGeom prst="rect">
+            <a:avLst/>
+          </a:prstGeom>
+        </p:spPr>
+        <p:style>
+          <a:lnRef idx="2">
+            <a:schemeClr val="accent1">
+              <a:shade val="20000"/>
+            </a:schemeClr>
+          </a:lnRef>
+          <a:fillRef idx="1">
+            <a:schemeClr val="accent1"/>
+          </a:fillRef>
+          <a:effectRef idx="0">
+            <a:schemeClr val="accent1"/>
+          </a:effectRef>
+          <a:fontRef idx="minor">
+            <a:schemeClr val="lt1"/>
+          </a:fontRef>
+        </p:style>
+        <p:txBody>
+          <a:bodyPr anchor="ctr"/>
+          <a:lstStyle/>
+          <a:p>
+            <a:pPr>
+              <a:defRPr lang="ko-KR" altLang="en-US"/>
+            </a:pPr>
+            <a:r>
+              <a:rPr lang="ko-KR" altLang="en-US" dirty="0"/>
+              <a:t>*이메일 :</a:t>
+            </a:r>
+          </a:p>
+          <a:p>
+            <a:pPr>
+              <a:defRPr lang="ko-KR" altLang="en-US"/>
+            </a:pPr>
+            <a:r>
+              <a:rPr lang="ko-KR" altLang="en-US" dirty="0"/>
+              <a:t>*이름:</a:t>
+            </a:r>
+          </a:p>
+          <a:p>
+            <a:pPr>
+              <a:defRPr lang="ko-KR" altLang="en-US"/>
+            </a:pPr>
+            <a:r>
+              <a:rPr lang="ko-KR" altLang="en-US" dirty="0"/>
+              <a:t>*</a:t>
+            </a:r>
+            <a:r>
+              <a:rPr lang="ko-KR" altLang="en-US" dirty="0" err="1"/>
+              <a:t>폰번호</a:t>
+            </a:r>
+            <a:r>
+              <a:rPr lang="ko-KR" altLang="en-US" dirty="0"/>
+              <a:t>:                     [</a:t>
+            </a:r>
+            <a:r>
+              <a:rPr lang="ko-KR" altLang="en-US" dirty="0" err="1"/>
+              <a:t>인증번호받기</a:t>
+            </a:r>
+            <a:r>
+              <a:rPr lang="ko-KR" altLang="en-US" dirty="0"/>
+              <a:t>]</a:t>
+            </a:r>
+          </a:p>
+          <a:p>
+            <a:pPr>
+              <a:defRPr lang="ko-KR" altLang="en-US"/>
+            </a:pPr>
+            <a:r>
+              <a:rPr lang="ko-KR" altLang="en-US" dirty="0"/>
+              <a:t>*생년월일:</a:t>
+            </a:r>
+          </a:p>
+          <a:p>
+            <a:pPr>
+              <a:defRPr lang="ko-KR" altLang="en-US"/>
+            </a:pPr>
+            <a:r>
+              <a:rPr lang="ko-KR" altLang="en-US" dirty="0"/>
+              <a:t>*비밀번호:</a:t>
+            </a:r>
+          </a:p>
+          <a:p>
+            <a:pPr>
+              <a:defRPr lang="ko-KR" altLang="en-US"/>
+            </a:pPr>
+            <a:r>
+              <a:rPr lang="ko-KR" altLang="en-US" dirty="0"/>
+              <a:t>*비밀번호 확인:</a:t>
+            </a:r>
+          </a:p>
+          <a:p>
+            <a:pPr>
+              <a:defRPr lang="ko-KR" altLang="en-US"/>
+            </a:pPr>
+            <a:r>
+              <a:rPr lang="ko-KR" altLang="en-US" dirty="0"/>
+              <a:t>선호극장:</a:t>
+            </a:r>
+          </a:p>
+        </p:txBody>
+      </p:sp>
+      <p:sp>
+        <p:nvSpPr>
+          <p:cNvPr id="38" name="사각형: 둥근 모서리 37">
+            <a:extLst>
+              <a:ext uri="{FF2B5EF4-FFF2-40B4-BE49-F238E27FC236}">
+                <a16:creationId xmlns:a16="http://schemas.microsoft.com/office/drawing/2014/main" xmlns="" id="{786892A4-8FBD-4BEE-9275-B700CC82E3C9}"/>
+              </a:ext>
+            </a:extLst>
+          </p:cNvPr>
+          <p:cNvSpPr/>
+          <p:nvPr/>
+        </p:nvSpPr>
+        <p:spPr>
+          <a:xfrm>
+            <a:off x="8310968" y="4596135"/>
+            <a:ext cx="513124" cy="260199"/>
+          </a:xfrm>
+          <a:prstGeom prst="roundRect">
+            <a:avLst>
+              <a:gd name="adj" fmla="val 16667"/>
+            </a:avLst>
+          </a:prstGeom>
+        </p:spPr>
+        <p:style>
+          <a:lnRef idx="2">
+            <a:schemeClr val="accent1">
+              <a:shade val="20000"/>
+            </a:schemeClr>
+          </a:lnRef>
+          <a:fillRef idx="1">
+            <a:schemeClr val="accent1"/>
+          </a:fillRef>
+          <a:effectRef idx="0">
+            <a:schemeClr val="accent1"/>
+          </a:effectRef>
+          <a:fontRef idx="minor">
+            <a:schemeClr val="lt1"/>
+          </a:fontRef>
+        </p:style>
+        <p:txBody>
+          <a:bodyPr anchor="ctr"/>
+          <a:lstStyle/>
+          <a:p>
+            <a:pPr algn="ctr">
+              <a:defRPr lang="ko-KR" altLang="en-US"/>
+            </a:pPr>
+            <a:r>
+              <a:rPr lang="ko-KR" altLang="en-US" sz="1100" dirty="0"/>
+              <a:t>가입</a:t>
+            </a:r>
+          </a:p>
+        </p:txBody>
+      </p:sp>
     </p:spTree>
     <p:extLst>
       <p:ext uri="{BB962C8B-B14F-4D97-AF65-F5344CB8AC3E}">
-        <p14:creationId xmlns:p14="http://schemas.microsoft.com/office/powerpoint/2010/main" val="1660649409"/>
+        <p14:creationId xmlns:p14="http://schemas.microsoft.com/office/powerpoint/2010/main" xmlns="" val="32345116"/>
       </p:ext>
     </p:extLst>
   </p:cSld>
   <p:clrMapOvr>
     <a:masterClrMapping/>
   </p:clrMapOvr>
-  <mc:AlternateContent xmlns:mc="http://schemas.openxmlformats.org/markup-compatibility/2006" xmlns:p14="http://schemas.microsoft.com/office/powerpoint/2010/main">
-    <mc:Choice Requires="p14">
+  <mc:AlternateContent xmlns:mc="http://schemas.openxmlformats.org/markup-compatibility/2006">
+    <mc:Choice xmlns:p14="http://schemas.microsoft.com/office/powerpoint/2010/main" xmlns="" Requires="p14">
       <p:transition/>
     </mc:Choice>
-    <mc:Fallback xmlns="">
+    <mc:Fallback>
       <p:transition/>
     </mc:Fallback>
   </mc:AlternateContent>
@@ -9993,7 +10357,7 @@
           <a:p>
             <a:r>
               <a:rPr lang="ko-KR" altLang="en-US" dirty="0"/>
-              <a:t>로그인</a:t>
+              <a:t>마이페이지</a:t>
             </a:r>
             <a:r>
               <a:rPr lang="en-US" altLang="ko-KR" dirty="0"/>
@@ -10001,17 +10365,25 @@
             </a:r>
             <a:r>
               <a:rPr lang="ko-KR" altLang="en-US" dirty="0"/>
-              <a:t>회원가입</a:t>
+              <a:t>예매확인</a:t>
+            </a:r>
+            <a:r>
+              <a:rPr lang="en-US" altLang="ko-KR" dirty="0"/>
+              <a:t>,</a:t>
+            </a:r>
+            <a:r>
+              <a:rPr lang="ko-KR" altLang="en-US" dirty="0"/>
+              <a:t>취소</a:t>
             </a:r>
           </a:p>
         </p:txBody>
       </p:sp>
       <p:pic>
         <p:nvPicPr>
-          <p:cNvPr id="25" name="내용 개체 틀 24" descr="스크린샷, 거리, 도시, 버스이(가) 표시된 사진&#10;&#10;자동 생성된 설명">
+          <p:cNvPr id="5" name="내용 개체 틀 4" descr="스크린샷이(가) 표시된 사진&#10;&#10;자동 생성된 설명">
             <a:extLst>
               <a:ext uri="{FF2B5EF4-FFF2-40B4-BE49-F238E27FC236}">
-                <a16:creationId xmlns:a16="http://schemas.microsoft.com/office/drawing/2014/main" id="{6B75C285-5B81-4CED-94AD-ADADF21FD486}"/>
+                <a16:creationId xmlns:a16="http://schemas.microsoft.com/office/drawing/2014/main" xmlns="" id="{4F4FF533-114A-4623-B2B6-AAEBAACDFDC0}"/>
               </a:ext>
             </a:extLst>
           </p:cNvPr>
@@ -10026,7 +10398,7 @@
           <a:blip r:embed="rId3">
             <a:extLst>
               <a:ext uri="{28A0092B-C50C-407E-A947-70E740481C1C}">
-                <a14:useLocalDpi xmlns:a14="http://schemas.microsoft.com/office/drawing/2010/main" val="0"/>
+                <a14:useLocalDpi xmlns:a14="http://schemas.microsoft.com/office/drawing/2010/main" xmlns="" val="0"/>
               </a:ext>
             </a:extLst>
           </a:blip>
@@ -10036,817 +10408,62 @@
         </p:blipFill>
         <p:spPr>
           <a:xfrm>
-            <a:off x="395536" y="1600523"/>
-            <a:ext cx="2199785" cy="2995612"/>
+            <a:off x="575556" y="1592238"/>
+            <a:ext cx="4445543" cy="2995612"/>
           </a:xfrm>
         </p:spPr>
       </p:pic>
-      <p:graphicFrame>
-        <p:nvGraphicFramePr>
-          <p:cNvPr id="26" name="표 6">
+      <p:pic>
+        <p:nvPicPr>
+          <p:cNvPr id="7" name="그림 6" descr="스크린샷, 주차장, 거리이(가) 표시된 사진&#10;&#10;자동 생성된 설명">
             <a:extLst>
               <a:ext uri="{FF2B5EF4-FFF2-40B4-BE49-F238E27FC236}">
-                <a16:creationId xmlns:a16="http://schemas.microsoft.com/office/drawing/2014/main" id="{721A183B-8CCC-400E-AFD7-EB401BAA1B42}"/>
+                <a16:creationId xmlns:a16="http://schemas.microsoft.com/office/drawing/2014/main" xmlns="" id="{685EC5AC-88E6-4359-A60E-4DEBA17511AE}"/>
               </a:ext>
             </a:extLst>
           </p:cNvPr>
-          <p:cNvGraphicFramePr>
-            <a:graphicFrameLocks noGrp="1"/>
-          </p:cNvGraphicFramePr>
-          <p:nvPr>
-            <p:extLst>
-              <p:ext uri="{D42A27DB-BD31-4B8C-83A1-F6EECF244321}">
-                <p14:modId xmlns:p14="http://schemas.microsoft.com/office/powerpoint/2010/main" val="914080219"/>
-              </p:ext>
-            </p:extLst>
-          </p:nvPr>
-        </p:nvGraphicFramePr>
-        <p:xfrm>
-          <a:off x="4004737" y="1703841"/>
-          <a:ext cx="1503367" cy="367665"/>
-        </p:xfrm>
-        <a:graphic>
-          <a:graphicData uri="http://schemas.openxmlformats.org/drawingml/2006/table">
-            <a:tbl>
-              <a:tblPr firstRow="1" bandRow="1">
-                <a:tableStyleId>{01A66EDD-3DAB-4C5B-A090-DC80EC1FD486}</a:tableStyleId>
-              </a:tblPr>
-              <a:tblGrid>
-                <a:gridCol w="1503367">
-                  <a:extLst>
-                    <a:ext uri="{9D8B030D-6E8A-4147-A177-3AD203B41FA5}">
-                      <a16:colId xmlns:a16="http://schemas.microsoft.com/office/drawing/2014/main" val="20000"/>
-                    </a:ext>
-                  </a:extLst>
-                </a:gridCol>
-              </a:tblGrid>
-              <a:tr h="367665">
-                <a:tc>
-                  <a:txBody>
-                    <a:bodyPr/>
-                    <a:lstStyle/>
-                    <a:p>
-                      <a:pPr>
-                        <a:defRPr/>
-                      </a:pPr>
-                      <a:r>
-                        <a:rPr lang="ko-KR" altLang="en-US" dirty="0"/>
-                        <a:t>이름</a:t>
-                      </a:r>
-                    </a:p>
-                  </a:txBody>
-                  <a:tcPr/>
-                </a:tc>
-                <a:extLst>
-                  <a:ext uri="{0D108BD9-81ED-4DB2-BD59-A6C34878D82A}">
-                    <a16:rowId xmlns:a16="http://schemas.microsoft.com/office/drawing/2014/main" val="10000"/>
-                  </a:ext>
-                </a:extLst>
-              </a:tr>
-            </a:tbl>
-          </a:graphicData>
-        </a:graphic>
-      </p:graphicFrame>
-      <p:graphicFrame>
-        <p:nvGraphicFramePr>
-          <p:cNvPr id="27" name="표 7">
+          <p:cNvPicPr>
+            <a:picLocks noChangeAspect="1"/>
+          </p:cNvPicPr>
+          <p:nvPr/>
+        </p:nvPicPr>
+        <p:blipFill>
+          <a:blip r:embed="rId4">
             <a:extLst>
-              <a:ext uri="{FF2B5EF4-FFF2-40B4-BE49-F238E27FC236}">
-                <a16:creationId xmlns:a16="http://schemas.microsoft.com/office/drawing/2014/main" id="{AAA6443C-808E-4784-8DD6-FAD0A83FF8CC}"/>
+              <a:ext uri="{28A0092B-C50C-407E-A947-70E740481C1C}">
+                <a14:useLocalDpi xmlns:a14="http://schemas.microsoft.com/office/drawing/2010/main" xmlns="" val="0"/>
               </a:ext>
             </a:extLst>
-          </p:cNvPr>
-          <p:cNvGraphicFramePr>
-            <a:graphicFrameLocks noGrp="1"/>
-          </p:cNvGraphicFramePr>
-          <p:nvPr>
-            <p:extLst>
-              <p:ext uri="{D42A27DB-BD31-4B8C-83A1-F6EECF244321}">
-                <p14:modId xmlns:p14="http://schemas.microsoft.com/office/powerpoint/2010/main" val="243613989"/>
-              </p:ext>
-            </p:extLst>
-          </p:nvPr>
-        </p:nvGraphicFramePr>
-        <p:xfrm>
-          <a:off x="4004737" y="2103698"/>
-          <a:ext cx="1503367" cy="370840"/>
-        </p:xfrm>
-        <a:graphic>
-          <a:graphicData uri="http://schemas.openxmlformats.org/drawingml/2006/table">
-            <a:tbl>
-              <a:tblPr firstRow="1" bandRow="1">
-                <a:tableStyleId>{01A66EDD-3DAB-4C5B-A090-DC80EC1FD486}</a:tableStyleId>
-              </a:tblPr>
-              <a:tblGrid>
-                <a:gridCol w="1503367">
-                  <a:extLst>
-                    <a:ext uri="{9D8B030D-6E8A-4147-A177-3AD203B41FA5}">
-                      <a16:colId xmlns:a16="http://schemas.microsoft.com/office/drawing/2014/main" val="20000"/>
-                    </a:ext>
-                  </a:extLst>
-                </a:gridCol>
-              </a:tblGrid>
-              <a:tr h="370840">
-                <a:tc>
-                  <a:txBody>
-                    <a:bodyPr/>
-                    <a:lstStyle/>
-                    <a:p>
-                      <a:pPr>
-                        <a:defRPr/>
-                      </a:pPr>
-                      <a:r>
-                        <a:rPr lang="ko-KR" altLang="en-US" dirty="0"/>
-                        <a:t>휴대폰 번호</a:t>
-                      </a:r>
-                    </a:p>
-                  </a:txBody>
-                  <a:tcPr/>
-                </a:tc>
-                <a:extLst>
-                  <a:ext uri="{0D108BD9-81ED-4DB2-BD59-A6C34878D82A}">
-                    <a16:rowId xmlns:a16="http://schemas.microsoft.com/office/drawing/2014/main" val="10000"/>
-                  </a:ext>
-                </a:extLst>
-              </a:tr>
-            </a:tbl>
-          </a:graphicData>
-        </a:graphic>
-      </p:graphicFrame>
-      <p:sp>
-        <p:nvSpPr>
-          <p:cNvPr id="28" name="TextBox 27">
-            <a:extLst>
-              <a:ext uri="{FF2B5EF4-FFF2-40B4-BE49-F238E27FC236}">
-                <a16:creationId xmlns:a16="http://schemas.microsoft.com/office/drawing/2014/main" id="{FA242DE6-5E3F-4717-9C58-21009B61E2C9}"/>
-              </a:ext>
-            </a:extLst>
-          </p:cNvPr>
-          <p:cNvSpPr txBox="1"/>
-          <p:nvPr/>
-        </p:nvSpPr>
+          </a:blip>
+          <a:stretch>
+            <a:fillRect/>
+          </a:stretch>
+        </p:blipFill>
         <p:spPr>
           <a:xfrm>
-            <a:off x="4724817" y="1783474"/>
-            <a:ext cx="648072" cy="363839"/>
+            <a:off x="5331897" y="1665496"/>
+            <a:ext cx="3229615" cy="2346414"/>
           </a:xfrm>
           <a:prstGeom prst="rect">
             <a:avLst/>
           </a:prstGeom>
         </p:spPr>
-        <p:txBody>
-          <a:bodyPr wrap="square">
-            <a:spAutoFit/>
-          </a:bodyPr>
-          <a:lstStyle/>
-          <a:p>
-            <a:pPr>
-              <a:defRPr/>
-            </a:pPr>
-            <a:endParaRPr lang="ko-KR" altLang="en-US"/>
-          </a:p>
-        </p:txBody>
-      </p:sp>
-      <p:sp>
-        <p:nvSpPr>
-          <p:cNvPr id="29" name="TextBox 28">
-            <a:extLst>
-              <a:ext uri="{FF2B5EF4-FFF2-40B4-BE49-F238E27FC236}">
-                <a16:creationId xmlns:a16="http://schemas.microsoft.com/office/drawing/2014/main" id="{D16BA98C-92AA-4F74-99ED-E404147928C3}"/>
-              </a:ext>
-            </a:extLst>
-          </p:cNvPr>
-          <p:cNvSpPr txBox="1"/>
-          <p:nvPr/>
-        </p:nvSpPr>
-        <p:spPr>
-          <a:xfrm>
-            <a:off x="3140641" y="1743658"/>
-            <a:ext cx="648072" cy="296024"/>
-          </a:xfrm>
-          <a:prstGeom prst="rect">
-            <a:avLst/>
-          </a:prstGeom>
-        </p:spPr>
-        <p:txBody>
-          <a:bodyPr wrap="square">
-            <a:spAutoFit/>
-          </a:bodyPr>
-          <a:lstStyle/>
-          <a:p>
-            <a:pPr>
-              <a:defRPr/>
-            </a:pPr>
-            <a:r>
-              <a:rPr lang="ko-KR" altLang="en-US" sz="1400"/>
-              <a:t>이름</a:t>
-            </a:r>
-            <a:r>
-              <a:rPr lang="en-US" altLang="ko-KR" sz="1400"/>
-              <a:t>:</a:t>
-            </a:r>
-          </a:p>
-        </p:txBody>
-      </p:sp>
-      <p:sp>
-        <p:nvSpPr>
-          <p:cNvPr id="30" name="TextBox 29">
-            <a:extLst>
-              <a:ext uri="{FF2B5EF4-FFF2-40B4-BE49-F238E27FC236}">
-                <a16:creationId xmlns:a16="http://schemas.microsoft.com/office/drawing/2014/main" id="{337092E8-D3F7-4BB9-9BB9-6ED14C5C1E45}"/>
-              </a:ext>
-            </a:extLst>
-          </p:cNvPr>
-          <p:cNvSpPr txBox="1"/>
-          <p:nvPr/>
-        </p:nvSpPr>
-        <p:spPr>
-          <a:xfrm>
-            <a:off x="2852609" y="2163517"/>
-            <a:ext cx="1368152" cy="300221"/>
-          </a:xfrm>
-          <a:prstGeom prst="rect">
-            <a:avLst/>
-          </a:prstGeom>
-        </p:spPr>
-        <p:txBody>
-          <a:bodyPr wrap="square">
-            <a:spAutoFit/>
-          </a:bodyPr>
-          <a:lstStyle/>
-          <a:p>
-            <a:pPr>
-              <a:defRPr/>
-            </a:pPr>
-            <a:r>
-              <a:rPr lang="ko-KR" altLang="en-US" sz="1400" dirty="0"/>
-              <a:t>휴대폰 번호</a:t>
-            </a:r>
-            <a:r>
-              <a:rPr lang="en-US" altLang="ko-KR" sz="1400" dirty="0"/>
-              <a:t>:</a:t>
-            </a:r>
-          </a:p>
-        </p:txBody>
-      </p:sp>
-      <p:graphicFrame>
-        <p:nvGraphicFramePr>
-          <p:cNvPr id="31" name="표 30">
-            <a:extLst>
-              <a:ext uri="{FF2B5EF4-FFF2-40B4-BE49-F238E27FC236}">
-                <a16:creationId xmlns:a16="http://schemas.microsoft.com/office/drawing/2014/main" id="{CE66A556-CD3F-4809-ABBE-A12270B5E089}"/>
-              </a:ext>
-            </a:extLst>
-          </p:cNvPr>
-          <p:cNvGraphicFramePr>
-            <a:graphicFrameLocks noGrp="1"/>
-          </p:cNvGraphicFramePr>
-          <p:nvPr>
-            <p:extLst>
-              <p:ext uri="{D42A27DB-BD31-4B8C-83A1-F6EECF244321}">
-                <p14:modId xmlns:p14="http://schemas.microsoft.com/office/powerpoint/2010/main" val="2636023074"/>
-              </p:ext>
-            </p:extLst>
-          </p:nvPr>
-        </p:nvGraphicFramePr>
-        <p:xfrm>
-          <a:off x="4004737" y="2555749"/>
-          <a:ext cx="1511354" cy="370840"/>
-        </p:xfrm>
-        <a:graphic>
-          <a:graphicData uri="http://schemas.openxmlformats.org/drawingml/2006/table">
-            <a:tbl>
-              <a:tblPr firstRow="1" bandRow="1">
-                <a:tableStyleId>{01A66EDD-3DAB-4C5B-A090-DC80EC1FD486}</a:tableStyleId>
-              </a:tblPr>
-              <a:tblGrid>
-                <a:gridCol w="1511354">
-                  <a:extLst>
-                    <a:ext uri="{9D8B030D-6E8A-4147-A177-3AD203B41FA5}">
-                      <a16:colId xmlns:a16="http://schemas.microsoft.com/office/drawing/2014/main" val="20000"/>
-                    </a:ext>
-                  </a:extLst>
-                </a:gridCol>
-              </a:tblGrid>
-              <a:tr h="370840">
-                <a:tc>
-                  <a:txBody>
-                    <a:bodyPr/>
-                    <a:lstStyle/>
-                    <a:p>
-                      <a:pPr>
-                        <a:defRPr/>
-                      </a:pPr>
-                      <a:r>
-                        <a:rPr lang="ko-KR" altLang="en-US" dirty="0"/>
-                        <a:t>비밀번호</a:t>
-                      </a:r>
-                    </a:p>
-                  </a:txBody>
-                  <a:tcPr/>
-                </a:tc>
-                <a:extLst>
-                  <a:ext uri="{0D108BD9-81ED-4DB2-BD59-A6C34878D82A}">
-                    <a16:rowId xmlns:a16="http://schemas.microsoft.com/office/drawing/2014/main" val="10000"/>
-                  </a:ext>
-                </a:extLst>
-              </a:tr>
-            </a:tbl>
-          </a:graphicData>
-        </a:graphic>
-      </p:graphicFrame>
-      <p:sp>
-        <p:nvSpPr>
-          <p:cNvPr id="32" name="TextBox 31">
-            <a:extLst>
-              <a:ext uri="{FF2B5EF4-FFF2-40B4-BE49-F238E27FC236}">
-                <a16:creationId xmlns:a16="http://schemas.microsoft.com/office/drawing/2014/main" id="{48CEA21C-C7D1-44D2-A323-5EC32F64A191}"/>
-              </a:ext>
-            </a:extLst>
-          </p:cNvPr>
-          <p:cNvSpPr txBox="1"/>
-          <p:nvPr/>
-        </p:nvSpPr>
-        <p:spPr>
-          <a:xfrm>
-            <a:off x="2975993" y="2587280"/>
-            <a:ext cx="1368152" cy="307777"/>
-          </a:xfrm>
-          <a:prstGeom prst="rect">
-            <a:avLst/>
-          </a:prstGeom>
-        </p:spPr>
-        <p:txBody>
-          <a:bodyPr wrap="square">
-            <a:spAutoFit/>
-          </a:bodyPr>
-          <a:lstStyle/>
-          <a:p>
-            <a:pPr>
-              <a:defRPr/>
-            </a:pPr>
-            <a:r>
-              <a:rPr lang="ko-KR" altLang="en-US" sz="1400" dirty="0"/>
-              <a:t>비밀번호</a:t>
-            </a:r>
-            <a:r>
-              <a:rPr lang="en-US" altLang="ko-KR" sz="1400" dirty="0"/>
-              <a:t>:</a:t>
-            </a:r>
-          </a:p>
-        </p:txBody>
-      </p:sp>
-      <p:graphicFrame>
-        <p:nvGraphicFramePr>
-          <p:cNvPr id="33" name="표 6">
-            <a:extLst>
-              <a:ext uri="{FF2B5EF4-FFF2-40B4-BE49-F238E27FC236}">
-                <a16:creationId xmlns:a16="http://schemas.microsoft.com/office/drawing/2014/main" id="{53D7F177-6EFB-4A4C-9853-3974387F1B02}"/>
-              </a:ext>
-            </a:extLst>
-          </p:cNvPr>
-          <p:cNvGraphicFramePr>
-            <a:graphicFrameLocks noGrp="1"/>
-          </p:cNvGraphicFramePr>
-          <p:nvPr>
-            <p:extLst>
-              <p:ext uri="{D42A27DB-BD31-4B8C-83A1-F6EECF244321}">
-                <p14:modId xmlns:p14="http://schemas.microsoft.com/office/powerpoint/2010/main" val="3230076305"/>
-              </p:ext>
-            </p:extLst>
-          </p:nvPr>
-        </p:nvGraphicFramePr>
-        <p:xfrm>
-          <a:off x="2975993" y="3522435"/>
-          <a:ext cx="2543944" cy="367665"/>
-        </p:xfrm>
-        <a:graphic>
-          <a:graphicData uri="http://schemas.openxmlformats.org/drawingml/2006/table">
-            <a:tbl>
-              <a:tblPr firstRow="1" bandRow="1">
-                <a:tableStyleId>{01A66EDD-3DAB-4C5B-A090-DC80EC1FD486}</a:tableStyleId>
-              </a:tblPr>
-              <a:tblGrid>
-                <a:gridCol w="2543944">
-                  <a:extLst>
-                    <a:ext uri="{9D8B030D-6E8A-4147-A177-3AD203B41FA5}">
-                      <a16:colId xmlns:a16="http://schemas.microsoft.com/office/drawing/2014/main" val="20000"/>
-                    </a:ext>
-                  </a:extLst>
-                </a:gridCol>
-              </a:tblGrid>
-              <a:tr h="367665">
-                <a:tc>
-                  <a:txBody>
-                    <a:bodyPr/>
-                    <a:lstStyle/>
-                    <a:p>
-                      <a:pPr>
-                        <a:defRPr/>
-                      </a:pPr>
-                      <a:r>
-                        <a:rPr lang="ko-KR" altLang="en-US" dirty="0"/>
-                        <a:t>예매번호</a:t>
-                      </a:r>
-                    </a:p>
-                  </a:txBody>
-                  <a:tcPr/>
-                </a:tc>
-                <a:extLst>
-                  <a:ext uri="{0D108BD9-81ED-4DB2-BD59-A6C34878D82A}">
-                    <a16:rowId xmlns:a16="http://schemas.microsoft.com/office/drawing/2014/main" val="10000"/>
-                  </a:ext>
-                </a:extLst>
-              </a:tr>
-            </a:tbl>
-          </a:graphicData>
-        </a:graphic>
-      </p:graphicFrame>
-      <p:sp>
-        <p:nvSpPr>
-          <p:cNvPr id="34" name="더하기 기호 33">
-            <a:extLst>
-              <a:ext uri="{FF2B5EF4-FFF2-40B4-BE49-F238E27FC236}">
-                <a16:creationId xmlns:a16="http://schemas.microsoft.com/office/drawing/2014/main" id="{BAC5E25A-7118-43E8-8A5C-793B4D2F48C3}"/>
-              </a:ext>
-            </a:extLst>
-          </p:cNvPr>
-          <p:cNvSpPr/>
-          <p:nvPr/>
-        </p:nvSpPr>
-        <p:spPr>
-          <a:xfrm>
-            <a:off x="4004737" y="3098329"/>
-            <a:ext cx="339408" cy="312503"/>
-          </a:xfrm>
-          <a:prstGeom prst="mathPlus">
-            <a:avLst/>
-          </a:prstGeom>
-        </p:spPr>
-        <p:style>
-          <a:lnRef idx="2">
-            <a:schemeClr val="accent1">
-              <a:shade val="50000"/>
-            </a:schemeClr>
-          </a:lnRef>
-          <a:fillRef idx="1">
-            <a:schemeClr val="accent1"/>
-          </a:fillRef>
-          <a:effectRef idx="0">
-            <a:schemeClr val="accent1"/>
-          </a:effectRef>
-          <a:fontRef idx="minor">
-            <a:schemeClr val="lt1"/>
-          </a:fontRef>
-        </p:style>
-        <p:txBody>
-          <a:bodyPr rtlCol="0" anchor="ctr"/>
-          <a:lstStyle/>
-          <a:p>
-            <a:pPr algn="ctr"/>
-            <a:endParaRPr lang="ko-KR" altLang="en-US"/>
-          </a:p>
-        </p:txBody>
-      </p:sp>
-      <p:sp>
-        <p:nvSpPr>
-          <p:cNvPr id="35" name="TextBox 34">
-            <a:extLst>
-              <a:ext uri="{FF2B5EF4-FFF2-40B4-BE49-F238E27FC236}">
-                <a16:creationId xmlns:a16="http://schemas.microsoft.com/office/drawing/2014/main" id="{319B97F2-C381-44E7-965D-1DF643AE5E3D}"/>
-              </a:ext>
-            </a:extLst>
-          </p:cNvPr>
-          <p:cNvSpPr txBox="1"/>
-          <p:nvPr/>
-        </p:nvSpPr>
-        <p:spPr>
-          <a:xfrm>
-            <a:off x="5743948" y="1271516"/>
-            <a:ext cx="2472323" cy="260199"/>
-          </a:xfrm>
-          <a:prstGeom prst="rect">
-            <a:avLst/>
-          </a:prstGeom>
-        </p:spPr>
-        <p:txBody>
-          <a:bodyPr wrap="square">
-            <a:spAutoFit/>
-          </a:bodyPr>
-          <a:lstStyle/>
-          <a:p>
-            <a:pPr>
-              <a:defRPr lang="ko-KR" altLang="en-US"/>
-            </a:pPr>
-            <a:endParaRPr lang="ko-KR" altLang="en-US"/>
-          </a:p>
-        </p:txBody>
-      </p:sp>
-      <p:sp>
-        <p:nvSpPr>
-          <p:cNvPr id="36" name="사각형: 둥근 모서리 35">
-            <a:extLst>
-              <a:ext uri="{FF2B5EF4-FFF2-40B4-BE49-F238E27FC236}">
-                <a16:creationId xmlns:a16="http://schemas.microsoft.com/office/drawing/2014/main" id="{94818892-6E26-4883-A4A1-E5F9B51C4CDB}"/>
-              </a:ext>
-            </a:extLst>
-          </p:cNvPr>
-          <p:cNvSpPr/>
-          <p:nvPr/>
-        </p:nvSpPr>
-        <p:spPr>
-          <a:xfrm>
-            <a:off x="5982359" y="1383618"/>
-            <a:ext cx="2845504" cy="731348"/>
-          </a:xfrm>
-          <a:prstGeom prst="roundRect">
-            <a:avLst>
-              <a:gd name="adj" fmla="val 16667"/>
-            </a:avLst>
-          </a:prstGeom>
-        </p:spPr>
-        <p:style>
-          <a:lnRef idx="2">
-            <a:schemeClr val="accent1">
-              <a:shade val="20000"/>
-            </a:schemeClr>
-          </a:lnRef>
-          <a:fillRef idx="1">
-            <a:schemeClr val="accent1"/>
-          </a:fillRef>
-          <a:effectRef idx="0">
-            <a:schemeClr val="accent1"/>
-          </a:effectRef>
-          <a:fontRef idx="minor">
-            <a:schemeClr val="lt1"/>
-          </a:fontRef>
-        </p:style>
-        <p:txBody>
-          <a:bodyPr anchor="ctr"/>
-          <a:lstStyle/>
-          <a:p>
-            <a:pPr>
-              <a:defRPr lang="ko-KR" altLang="en-US"/>
-            </a:pPr>
-            <a:r>
-              <a:rPr lang="ko-KR" altLang="en-US" sz="1000" dirty="0" err="1"/>
-              <a:t>ㅁ개인정보</a:t>
-            </a:r>
-            <a:r>
-              <a:rPr lang="ko-KR" altLang="en-US" sz="1000" dirty="0"/>
-              <a:t> </a:t>
-            </a:r>
-            <a:r>
-              <a:rPr lang="ko-KR" altLang="en-US" sz="1000" dirty="0" err="1"/>
-              <a:t>수집에대한</a:t>
-            </a:r>
-            <a:r>
-              <a:rPr lang="ko-KR" altLang="en-US" sz="1000" dirty="0"/>
-              <a:t> 동의</a:t>
-            </a:r>
-          </a:p>
-          <a:p>
-            <a:pPr>
-              <a:defRPr lang="ko-KR" altLang="en-US"/>
-            </a:pPr>
-            <a:r>
-              <a:rPr lang="ko-KR" altLang="en-US" sz="1000" dirty="0" err="1"/>
-              <a:t>ㅁ개인정보</a:t>
-            </a:r>
-            <a:r>
-              <a:rPr lang="ko-KR" altLang="en-US" sz="1000" dirty="0"/>
-              <a:t> 제3자 정보에 대한 동의</a:t>
-            </a:r>
-          </a:p>
-          <a:p>
-            <a:pPr>
-              <a:defRPr lang="ko-KR" altLang="en-US"/>
-            </a:pPr>
-            <a:r>
-              <a:rPr lang="ko-KR" altLang="en-US" sz="1000" dirty="0" err="1"/>
-              <a:t>ㅁ민감</a:t>
-            </a:r>
-            <a:r>
-              <a:rPr lang="ko-KR" altLang="en-US" sz="1000" dirty="0"/>
-              <a:t> 정보 수집에 대한 동의</a:t>
-            </a:r>
-          </a:p>
-          <a:p>
-            <a:pPr>
-              <a:defRPr lang="ko-KR" altLang="en-US"/>
-            </a:pPr>
-            <a:r>
-              <a:rPr lang="ko-KR" altLang="en-US" sz="1000" dirty="0"/>
-              <a:t>           </a:t>
-            </a:r>
-            <a:r>
-              <a:rPr lang="ko-KR" altLang="en-US" sz="1000" dirty="0" err="1"/>
-              <a:t>ㅁ위의</a:t>
-            </a:r>
-            <a:r>
-              <a:rPr lang="ko-KR" altLang="en-US" sz="1000" dirty="0"/>
-              <a:t> 개인정보 </a:t>
-            </a:r>
-            <a:r>
-              <a:rPr lang="ko-KR" altLang="en-US" sz="1000" dirty="0" err="1"/>
-              <a:t>수집에대한</a:t>
-            </a:r>
-            <a:r>
-              <a:rPr lang="ko-KR" altLang="en-US" sz="1000" dirty="0"/>
-              <a:t> 동의</a:t>
-            </a:r>
-          </a:p>
-        </p:txBody>
-      </p:sp>
-      <p:sp>
-        <p:nvSpPr>
-          <p:cNvPr id="37" name="직사각형 36">
-            <a:extLst>
-              <a:ext uri="{FF2B5EF4-FFF2-40B4-BE49-F238E27FC236}">
-                <a16:creationId xmlns:a16="http://schemas.microsoft.com/office/drawing/2014/main" id="{7F3A4C48-D0C7-4BE0-BA0A-41D9B18A3BD8}"/>
-              </a:ext>
-            </a:extLst>
-          </p:cNvPr>
-          <p:cNvSpPr/>
-          <p:nvPr/>
-        </p:nvSpPr>
-        <p:spPr>
-          <a:xfrm>
-            <a:off x="5982359" y="2147313"/>
-            <a:ext cx="2845504" cy="2393826"/>
-          </a:xfrm>
-          <a:prstGeom prst="rect">
-            <a:avLst/>
-          </a:prstGeom>
-        </p:spPr>
-        <p:style>
-          <a:lnRef idx="2">
-            <a:schemeClr val="accent1">
-              <a:shade val="20000"/>
-            </a:schemeClr>
-          </a:lnRef>
-          <a:fillRef idx="1">
-            <a:schemeClr val="accent1"/>
-          </a:fillRef>
-          <a:effectRef idx="0">
-            <a:schemeClr val="accent1"/>
-          </a:effectRef>
-          <a:fontRef idx="minor">
-            <a:schemeClr val="lt1"/>
-          </a:fontRef>
-        </p:style>
-        <p:txBody>
-          <a:bodyPr anchor="ctr"/>
-          <a:lstStyle/>
-          <a:p>
-            <a:pPr>
-              <a:defRPr lang="ko-KR" altLang="en-US"/>
-            </a:pPr>
-            <a:r>
-              <a:rPr lang="ko-KR" altLang="en-US" dirty="0"/>
-              <a:t>*이메일 :</a:t>
-            </a:r>
-          </a:p>
-          <a:p>
-            <a:pPr>
-              <a:defRPr lang="ko-KR" altLang="en-US"/>
-            </a:pPr>
-            <a:r>
-              <a:rPr lang="ko-KR" altLang="en-US" dirty="0"/>
-              <a:t>*이름:</a:t>
-            </a:r>
-          </a:p>
-          <a:p>
-            <a:pPr>
-              <a:defRPr lang="ko-KR" altLang="en-US"/>
-            </a:pPr>
-            <a:r>
-              <a:rPr lang="ko-KR" altLang="en-US" dirty="0"/>
-              <a:t>*</a:t>
-            </a:r>
-            <a:r>
-              <a:rPr lang="ko-KR" altLang="en-US" dirty="0" err="1"/>
-              <a:t>폰번호</a:t>
-            </a:r>
-            <a:r>
-              <a:rPr lang="ko-KR" altLang="en-US" dirty="0"/>
-              <a:t>:                     [</a:t>
-            </a:r>
-            <a:r>
-              <a:rPr lang="ko-KR" altLang="en-US" dirty="0" err="1"/>
-              <a:t>인증번호받기</a:t>
-            </a:r>
-            <a:r>
-              <a:rPr lang="ko-KR" altLang="en-US" dirty="0"/>
-              <a:t>]</a:t>
-            </a:r>
-          </a:p>
-          <a:p>
-            <a:pPr>
-              <a:defRPr lang="ko-KR" altLang="en-US"/>
-            </a:pPr>
-            <a:r>
-              <a:rPr lang="ko-KR" altLang="en-US" dirty="0"/>
-              <a:t>*생년월일:</a:t>
-            </a:r>
-          </a:p>
-          <a:p>
-            <a:pPr>
-              <a:defRPr lang="ko-KR" altLang="en-US"/>
-            </a:pPr>
-            <a:r>
-              <a:rPr lang="ko-KR" altLang="en-US" dirty="0"/>
-              <a:t>*비밀번호:</a:t>
-            </a:r>
-          </a:p>
-          <a:p>
-            <a:pPr>
-              <a:defRPr lang="ko-KR" altLang="en-US"/>
-            </a:pPr>
-            <a:r>
-              <a:rPr lang="ko-KR" altLang="en-US" dirty="0"/>
-              <a:t>*비밀번호 확인:</a:t>
-            </a:r>
-          </a:p>
-          <a:p>
-            <a:pPr>
-              <a:defRPr lang="ko-KR" altLang="en-US"/>
-            </a:pPr>
-            <a:r>
-              <a:rPr lang="ko-KR" altLang="en-US" dirty="0"/>
-              <a:t>선호극장:</a:t>
-            </a:r>
-          </a:p>
-        </p:txBody>
-      </p:sp>
-      <p:sp>
-        <p:nvSpPr>
-          <p:cNvPr id="38" name="사각형: 둥근 모서리 37">
-            <a:extLst>
-              <a:ext uri="{FF2B5EF4-FFF2-40B4-BE49-F238E27FC236}">
-                <a16:creationId xmlns:a16="http://schemas.microsoft.com/office/drawing/2014/main" id="{786892A4-8FBD-4BEE-9275-B700CC82E3C9}"/>
-              </a:ext>
-            </a:extLst>
-          </p:cNvPr>
-          <p:cNvSpPr/>
-          <p:nvPr/>
-        </p:nvSpPr>
-        <p:spPr>
-          <a:xfrm>
-            <a:off x="8310968" y="4596135"/>
-            <a:ext cx="513124" cy="260199"/>
-          </a:xfrm>
-          <a:prstGeom prst="roundRect">
-            <a:avLst>
-              <a:gd name="adj" fmla="val 16667"/>
-            </a:avLst>
-          </a:prstGeom>
-        </p:spPr>
-        <p:style>
-          <a:lnRef idx="2">
-            <a:schemeClr val="accent1">
-              <a:shade val="20000"/>
-            </a:schemeClr>
-          </a:lnRef>
-          <a:fillRef idx="1">
-            <a:schemeClr val="accent1"/>
-          </a:fillRef>
-          <a:effectRef idx="0">
-            <a:schemeClr val="accent1"/>
-          </a:effectRef>
-          <a:fontRef idx="minor">
-            <a:schemeClr val="lt1"/>
-          </a:fontRef>
-        </p:style>
-        <p:txBody>
-          <a:bodyPr anchor="ctr"/>
-          <a:lstStyle/>
-          <a:p>
-            <a:pPr algn="ctr">
-              <a:defRPr lang="ko-KR" altLang="en-US"/>
-            </a:pPr>
-            <a:r>
-              <a:rPr lang="ko-KR" altLang="en-US" sz="1100" dirty="0"/>
-              <a:t>가입</a:t>
-            </a:r>
-          </a:p>
-        </p:txBody>
-      </p:sp>
+      </p:pic>
     </p:spTree>
     <p:extLst>
       <p:ext uri="{BB962C8B-B14F-4D97-AF65-F5344CB8AC3E}">
-        <p14:creationId xmlns:p14="http://schemas.microsoft.com/office/powerpoint/2010/main" val="32345116"/>
+        <p14:creationId xmlns:p14="http://schemas.microsoft.com/office/powerpoint/2010/main" xmlns="" val="1054281786"/>
       </p:ext>
     </p:extLst>
   </p:cSld>
   <p:clrMapOvr>
     <a:masterClrMapping/>
   </p:clrMapOvr>
-  <mc:AlternateContent xmlns:mc="http://schemas.openxmlformats.org/markup-compatibility/2006" xmlns:p14="http://schemas.microsoft.com/office/powerpoint/2010/main">
-    <mc:Choice Requires="p14">
+  <mc:AlternateContent xmlns:mc="http://schemas.openxmlformats.org/markup-compatibility/2006">
+    <mc:Choice xmlns:p14="http://schemas.microsoft.com/office/powerpoint/2010/main" xmlns="" Requires="p14">
       <p:transition/>
     </mc:Choice>
-    <mc:Fallback xmlns="">
+    <mc:Fallback>
       <p:transition/>
     </mc:Fallback>
   </mc:AlternateContent>
@@ -10899,50 +10516,12 @@
           </a:p>
         </p:txBody>
       </p:sp>
-      <p:sp>
-        <p:nvSpPr>
-          <p:cNvPr id="8" name="내용 개체 틀 7"/>
-          <p:cNvSpPr>
-            <a:spLocks noGrp="1"/>
-          </p:cNvSpPr>
-          <p:nvPr>
-            <p:ph idx="1"/>
-          </p:nvPr>
-        </p:nvSpPr>
-        <p:spPr/>
-        <p:txBody>
-          <a:bodyPr/>
-          <a:lstStyle/>
-          <a:p>
-            <a:r>
-              <a:rPr lang="ko-KR" altLang="en-US" dirty="0"/>
-              <a:t>마이페이지</a:t>
-            </a:r>
-            <a:r>
-              <a:rPr lang="en-US" altLang="ko-KR" dirty="0"/>
-              <a:t>/</a:t>
-            </a:r>
-            <a:r>
-              <a:rPr lang="ko-KR" altLang="en-US" dirty="0"/>
-              <a:t>예매확인</a:t>
-            </a:r>
-            <a:r>
-              <a:rPr lang="en-US" altLang="ko-KR" dirty="0"/>
-              <a:t>,</a:t>
-            </a:r>
-            <a:r>
-              <a:rPr lang="ko-KR" altLang="en-US" dirty="0"/>
-              <a:t>취소</a:t>
-            </a:r>
-          </a:p>
-        </p:txBody>
-      </p:sp>
       <p:pic>
         <p:nvPicPr>
-          <p:cNvPr id="5" name="내용 개체 틀 4" descr="스크린샷이(가) 표시된 사진&#10;&#10;자동 생성된 설명">
+          <p:cNvPr id="33" name="내용 개체 틀 32" descr="스크린샷, 실외, 거리, 표지판이(가) 표시된 사진&#10;&#10;자동 생성된 설명">
             <a:extLst>
               <a:ext uri="{FF2B5EF4-FFF2-40B4-BE49-F238E27FC236}">
-                <a16:creationId xmlns:a16="http://schemas.microsoft.com/office/drawing/2014/main" id="{4F4FF533-114A-4623-B2B6-AAEBAACDFDC0}"/>
+                <a16:creationId xmlns:a16="http://schemas.microsoft.com/office/drawing/2014/main" xmlns="" id="{D046A0DC-DCA6-4667-B1C2-72859732E7A1}"/>
               </a:ext>
             </a:extLst>
           </p:cNvPr>
@@ -10957,7 +10536,7 @@
           <a:blip r:embed="rId3">
             <a:extLst>
               <a:ext uri="{28A0092B-C50C-407E-A947-70E740481C1C}">
-                <a14:useLocalDpi xmlns:a14="http://schemas.microsoft.com/office/drawing/2010/main" val="0"/>
+                <a14:useLocalDpi xmlns:a14="http://schemas.microsoft.com/office/drawing/2010/main" xmlns="" val="0"/>
               </a:ext>
             </a:extLst>
           </a:blip>
@@ -10967,62 +10546,354 @@
         </p:blipFill>
         <p:spPr>
           <a:xfrm>
-            <a:off x="575556" y="1592238"/>
-            <a:ext cx="4445543" cy="2995612"/>
+            <a:off x="1644557" y="1671650"/>
+            <a:ext cx="2855435" cy="2995612"/>
           </a:xfrm>
         </p:spPr>
       </p:pic>
-      <p:pic>
-        <p:nvPicPr>
-          <p:cNvPr id="7" name="그림 6" descr="스크린샷, 주차장, 거리이(가) 표시된 사진&#10;&#10;자동 생성된 설명">
+      <p:sp>
+        <p:nvSpPr>
+          <p:cNvPr id="5" name="내용 개체 틀 4">
             <a:extLst>
               <a:ext uri="{FF2B5EF4-FFF2-40B4-BE49-F238E27FC236}">
-                <a16:creationId xmlns:a16="http://schemas.microsoft.com/office/drawing/2014/main" id="{685EC5AC-88E6-4359-A60E-4DEBA17511AE}"/>
+                <a16:creationId xmlns:a16="http://schemas.microsoft.com/office/drawing/2014/main" xmlns="" id="{5B7915EA-A7D9-4FDC-8974-CCC6CA74623F}"/>
               </a:ext>
             </a:extLst>
           </p:cNvPr>
-          <p:cNvPicPr>
-            <a:picLocks noChangeAspect="1"/>
-          </p:cNvPicPr>
-          <p:nvPr/>
-        </p:nvPicPr>
-        <p:blipFill>
-          <a:blip r:embed="rId4">
+          <p:cNvSpPr>
+            <a:spLocks noGrp="1"/>
+          </p:cNvSpPr>
+          <p:nvPr>
+            <p:ph idx="1"/>
+          </p:nvPr>
+        </p:nvSpPr>
+        <p:spPr/>
+        <p:txBody>
+          <a:bodyPr/>
+          <a:lstStyle/>
+          <a:p>
+            <a:r>
+              <a:rPr lang="ko-KR" altLang="en-US" dirty="0"/>
+              <a:t>게시판</a:t>
+            </a:r>
+            <a:r>
+              <a:rPr lang="en-US" altLang="ko-KR" dirty="0"/>
+              <a:t>/</a:t>
+            </a:r>
+            <a:r>
+              <a:rPr lang="ko-KR" altLang="en-US" dirty="0"/>
+              <a:t>이벤트</a:t>
+            </a:r>
+          </a:p>
+        </p:txBody>
+      </p:sp>
+      <p:sp>
+        <p:nvSpPr>
+          <p:cNvPr id="35" name="TextBox 34">
             <a:extLst>
-              <a:ext uri="{28A0092B-C50C-407E-A947-70E740481C1C}">
-                <a14:useLocalDpi xmlns:a14="http://schemas.microsoft.com/office/drawing/2010/main" val="0"/>
+              <a:ext uri="{FF2B5EF4-FFF2-40B4-BE49-F238E27FC236}">
+                <a16:creationId xmlns:a16="http://schemas.microsoft.com/office/drawing/2014/main" xmlns="" id="{B0E4B81C-D09C-4CCC-BE82-D12A5A8F422A}"/>
               </a:ext>
             </a:extLst>
-          </a:blip>
-          <a:stretch>
-            <a:fillRect/>
-          </a:stretch>
-        </p:blipFill>
+          </p:cNvPr>
+          <p:cNvSpPr txBox="1"/>
+          <p:nvPr/>
+        </p:nvSpPr>
         <p:spPr>
           <a:xfrm>
-            <a:off x="5331897" y="1665496"/>
-            <a:ext cx="3229615" cy="2346414"/>
+            <a:off x="393545" y="1839362"/>
+            <a:ext cx="1637928" cy="861774"/>
           </a:xfrm>
           <a:prstGeom prst="rect">
             <a:avLst/>
           </a:prstGeom>
+          <a:noFill/>
         </p:spPr>
-      </p:pic>
+        <p:txBody>
+          <a:bodyPr wrap="square">
+            <a:spAutoFit/>
+          </a:bodyPr>
+          <a:lstStyle/>
+          <a:p>
+            <a:pPr algn="ctr">
+              <a:defRPr lang="ko-KR" altLang="en-US"/>
+            </a:pPr>
+            <a:r>
+              <a:rPr lang="ko-KR" altLang="en-US" sz="1000" dirty="0">
+                <a:solidFill>
+                  <a:schemeClr val="tx1"/>
+                </a:solidFill>
+              </a:rPr>
+              <a:t>공지 게시판</a:t>
+            </a:r>
+          </a:p>
+          <a:p>
+            <a:pPr algn="ctr">
+              <a:defRPr lang="ko-KR" altLang="en-US"/>
+            </a:pPr>
+            <a:r>
+              <a:rPr lang="ko-KR" altLang="en-US" sz="1000" dirty="0">
+                <a:solidFill>
+                  <a:schemeClr val="tx1"/>
+                </a:solidFill>
+              </a:rPr>
+              <a:t>------------------</a:t>
+            </a:r>
+          </a:p>
+          <a:p>
+            <a:pPr algn="ctr">
+              <a:defRPr lang="ko-KR" altLang="en-US"/>
+            </a:pPr>
+            <a:r>
+              <a:rPr lang="ko-KR" altLang="en-US" sz="1000" dirty="0">
+                <a:solidFill>
+                  <a:schemeClr val="tx1"/>
+                </a:solidFill>
+              </a:rPr>
+              <a:t>자유 게시판</a:t>
+            </a:r>
+          </a:p>
+          <a:p>
+            <a:pPr algn="ctr">
+              <a:defRPr lang="ko-KR" altLang="en-US"/>
+            </a:pPr>
+            <a:r>
+              <a:rPr lang="ko-KR" altLang="en-US" sz="1000" dirty="0">
+                <a:solidFill>
+                  <a:schemeClr val="tx1"/>
+                </a:solidFill>
+              </a:rPr>
+              <a:t>------------------</a:t>
+            </a:r>
+          </a:p>
+          <a:p>
+            <a:pPr algn="ctr">
+              <a:defRPr lang="ko-KR" altLang="en-US"/>
+            </a:pPr>
+            <a:r>
+              <a:rPr lang="ko-KR" altLang="en-US" sz="1000" dirty="0">
+                <a:solidFill>
+                  <a:schemeClr val="tx1"/>
+                </a:solidFill>
+              </a:rPr>
+              <a:t>홍보 게시판</a:t>
+            </a:r>
+          </a:p>
+        </p:txBody>
+      </p:sp>
+      <p:sp>
+        <p:nvSpPr>
+          <p:cNvPr id="36" name="모서리가 둥근 직사각형 11">
+            <a:extLst>
+              <a:ext uri="{FF2B5EF4-FFF2-40B4-BE49-F238E27FC236}">
+                <a16:creationId xmlns:a16="http://schemas.microsoft.com/office/drawing/2014/main" xmlns="" id="{B1F3BF63-567B-4997-AAAA-612C0E558626}"/>
+              </a:ext>
+            </a:extLst>
+          </p:cNvPr>
+          <p:cNvSpPr/>
+          <p:nvPr/>
+        </p:nvSpPr>
+        <p:spPr>
+          <a:xfrm>
+            <a:off x="5784584" y="2164729"/>
+            <a:ext cx="1263423" cy="1709700"/>
+          </a:xfrm>
+          <a:prstGeom prst="roundRect">
+            <a:avLst/>
+          </a:prstGeom>
+        </p:spPr>
+        <p:style>
+          <a:lnRef idx="2">
+            <a:schemeClr val="accent1">
+              <a:shade val="50000"/>
+            </a:schemeClr>
+          </a:lnRef>
+          <a:fillRef idx="1">
+            <a:schemeClr val="accent1"/>
+          </a:fillRef>
+          <a:effectRef idx="0">
+            <a:schemeClr val="accent1"/>
+          </a:effectRef>
+          <a:fontRef idx="minor">
+            <a:schemeClr val="lt1"/>
+          </a:fontRef>
+        </p:style>
+        <p:txBody>
+          <a:bodyPr rtlCol="0" anchor="ctr"/>
+          <a:lstStyle/>
+          <a:p>
+            <a:pPr algn="ctr"/>
+            <a:r>
+              <a:rPr lang="ko-KR" altLang="en-US" sz="1000" dirty="0"/>
+              <a:t>포스터</a:t>
+            </a:r>
+          </a:p>
+        </p:txBody>
+      </p:sp>
+      <p:sp>
+        <p:nvSpPr>
+          <p:cNvPr id="37" name="TextBox 36">
+            <a:extLst>
+              <a:ext uri="{FF2B5EF4-FFF2-40B4-BE49-F238E27FC236}">
+                <a16:creationId xmlns:a16="http://schemas.microsoft.com/office/drawing/2014/main" xmlns="" id="{B024E2A3-DBD7-436E-AFB2-D928CE97CBAA}"/>
+              </a:ext>
+            </a:extLst>
+          </p:cNvPr>
+          <p:cNvSpPr txBox="1"/>
+          <p:nvPr/>
+        </p:nvSpPr>
+        <p:spPr>
+          <a:xfrm>
+            <a:off x="5999331" y="3995653"/>
+            <a:ext cx="2097352" cy="646331"/>
+          </a:xfrm>
+          <a:prstGeom prst="rect">
+            <a:avLst/>
+          </a:prstGeom>
+          <a:noFill/>
+        </p:spPr>
+        <p:txBody>
+          <a:bodyPr wrap="square" rtlCol="0">
+            <a:spAutoFit/>
+          </a:bodyPr>
+          <a:lstStyle/>
+          <a:p>
+            <a:r>
+              <a:rPr lang="ko-KR" altLang="en-US" sz="1200" dirty="0"/>
+              <a:t>이벤트 제목</a:t>
+            </a:r>
+            <a:endParaRPr lang="en-US" altLang="ko-KR" sz="1200" dirty="0"/>
+          </a:p>
+          <a:p>
+            <a:r>
+              <a:rPr lang="ko-KR" altLang="en-US" sz="1200" dirty="0"/>
+              <a:t>기간</a:t>
+            </a:r>
+            <a:endParaRPr lang="en-US" altLang="ko-KR" sz="1200" dirty="0"/>
+          </a:p>
+          <a:p>
+            <a:r>
+              <a:rPr lang="ko-KR" altLang="en-US" sz="1200" dirty="0"/>
+              <a:t>남은 날짜</a:t>
+            </a:r>
+            <a:endParaRPr lang="en-US" altLang="ko-KR" sz="1200" dirty="0"/>
+          </a:p>
+        </p:txBody>
+      </p:sp>
+      <p:sp>
+        <p:nvSpPr>
+          <p:cNvPr id="38" name="모서리가 둥근 직사각형 11">
+            <a:extLst>
+              <a:ext uri="{FF2B5EF4-FFF2-40B4-BE49-F238E27FC236}">
+                <a16:creationId xmlns:a16="http://schemas.microsoft.com/office/drawing/2014/main" xmlns="" id="{777C01C4-C87F-4EC4-9D69-5782D1DD9422}"/>
+              </a:ext>
+            </a:extLst>
+          </p:cNvPr>
+          <p:cNvSpPr/>
+          <p:nvPr/>
+        </p:nvSpPr>
+        <p:spPr>
+          <a:xfrm>
+            <a:off x="7165565" y="2164729"/>
+            <a:ext cx="1263423" cy="1709700"/>
+          </a:xfrm>
+          <a:prstGeom prst="roundRect">
+            <a:avLst/>
+          </a:prstGeom>
+        </p:spPr>
+        <p:style>
+          <a:lnRef idx="2">
+            <a:schemeClr val="accent1">
+              <a:shade val="50000"/>
+            </a:schemeClr>
+          </a:lnRef>
+          <a:fillRef idx="1">
+            <a:schemeClr val="accent1"/>
+          </a:fillRef>
+          <a:effectRef idx="0">
+            <a:schemeClr val="accent1"/>
+          </a:effectRef>
+          <a:fontRef idx="minor">
+            <a:schemeClr val="lt1"/>
+          </a:fontRef>
+        </p:style>
+        <p:txBody>
+          <a:bodyPr rtlCol="0" anchor="ctr"/>
+          <a:lstStyle/>
+          <a:p>
+            <a:pPr algn="ctr"/>
+            <a:r>
+              <a:rPr lang="ko-KR" altLang="en-US" sz="1000" dirty="0"/>
+              <a:t>포스터</a:t>
+            </a:r>
+          </a:p>
+        </p:txBody>
+      </p:sp>
+      <p:sp>
+        <p:nvSpPr>
+          <p:cNvPr id="39" name="TextBox 38">
+            <a:extLst>
+              <a:ext uri="{FF2B5EF4-FFF2-40B4-BE49-F238E27FC236}">
+                <a16:creationId xmlns:a16="http://schemas.microsoft.com/office/drawing/2014/main" xmlns="" id="{27070726-6EF7-4EA7-A32E-B8622A29D99B}"/>
+              </a:ext>
+            </a:extLst>
+          </p:cNvPr>
+          <p:cNvSpPr txBox="1"/>
+          <p:nvPr/>
+        </p:nvSpPr>
+        <p:spPr>
+          <a:xfrm>
+            <a:off x="7380312" y="3995653"/>
+            <a:ext cx="2097352" cy="646331"/>
+          </a:xfrm>
+          <a:prstGeom prst="rect">
+            <a:avLst/>
+          </a:prstGeom>
+          <a:noFill/>
+        </p:spPr>
+        <p:txBody>
+          <a:bodyPr wrap="square" rtlCol="0">
+            <a:spAutoFit/>
+          </a:bodyPr>
+          <a:lstStyle/>
+          <a:p>
+            <a:r>
+              <a:rPr lang="ko-KR" altLang="en-US" sz="1200" dirty="0"/>
+              <a:t>이벤트 제목</a:t>
+            </a:r>
+            <a:endParaRPr lang="en-US" altLang="ko-KR" sz="1200" dirty="0"/>
+          </a:p>
+          <a:p>
+            <a:r>
+              <a:rPr lang="ko-KR" altLang="en-US" sz="1200" dirty="0"/>
+              <a:t>기간</a:t>
+            </a:r>
+            <a:endParaRPr lang="en-US" altLang="ko-KR" sz="1200" dirty="0"/>
+          </a:p>
+          <a:p>
+            <a:r>
+              <a:rPr lang="ko-KR" altLang="en-US" sz="1200" dirty="0"/>
+              <a:t>남은 날짜</a:t>
+            </a:r>
+            <a:endParaRPr lang="en-US" altLang="ko-KR" sz="1200" dirty="0"/>
+          </a:p>
+        </p:txBody>
+      </p:sp>
     </p:spTree>
     <p:extLst>
       <p:ext uri="{BB962C8B-B14F-4D97-AF65-F5344CB8AC3E}">
-        <p14:creationId xmlns:p14="http://schemas.microsoft.com/office/powerpoint/2010/main" val="1054281786"/>
+        <p14:creationId xmlns:p14="http://schemas.microsoft.com/office/powerpoint/2010/main" xmlns="" val="898516486"/>
       </p:ext>
     </p:extLst>
   </p:cSld>
   <p:clrMapOvr>
     <a:masterClrMapping/>
   </p:clrMapOvr>
-  <mc:AlternateContent xmlns:mc="http://schemas.openxmlformats.org/markup-compatibility/2006" xmlns:p14="http://schemas.microsoft.com/office/powerpoint/2010/main">
-    <mc:Choice Requires="p14">
+  <mc:AlternateContent xmlns:mc="http://schemas.openxmlformats.org/markup-compatibility/2006">
+    <mc:Choice xmlns:p14="http://schemas.microsoft.com/office/powerpoint/2010/main" xmlns="" Requires="p14">
       <p:transition/>
     </mc:Choice>
-    <mc:Fallback xmlns="">
+    <mc:Fallback>
       <p:transition/>
     </mc:Fallback>
   </mc:AlternateContent>
@@ -11357,7 +11228,7 @@
     </a:clrScheme>
     <a:fontScheme name="Office">
       <a:majorFont>
-        <a:latin typeface="맑은 고딕" panose="020F0302020204030204"/>
+        <a:latin typeface="맑은 고딕"/>
         <a:ea typeface=""/>
         <a:cs typeface=""/>
         <a:font script="Jpan" typeface="游ゴシック Light"/>
@@ -11409,7 +11280,7 @@
         <a:font script="Tfng" typeface="Ebrima"/>
       </a:majorFont>
       <a:minorFont>
-        <a:latin typeface="맑은 고딕" panose="020F0502020204030204"/>
+        <a:latin typeface="맑은 고딕"/>
         <a:ea typeface=""/>
         <a:cs typeface=""/>
         <a:font script="Jpan" typeface="游ゴシック"/>
@@ -11603,7 +11474,7 @@
   <a:extraClrSchemeLst/>
   <a:extLst>
     <a:ext uri="{05A4C25C-085E-4340-85A3-A5531E510DB2}">
-      <thm15:themeFamily xmlns:thm15="http://schemas.microsoft.com/office/thememl/2012/main" name="Office Theme" id="{62F939B6-93AF-4DB8-9C6B-D6C7DFDC589F}" vid="{4A3C46E8-61CC-4603-A589-7422A47A8E4A}"/>
+      <thm15:themeFamily xmlns:thm15="http://schemas.microsoft.com/office/thememl/2012/main" xmlns="" name="Office Theme" id="{62F939B6-93AF-4DB8-9C6B-D6C7DFDC589F}" vid="{4A3C46E8-61CC-4603-A589-7422A47A8E4A}"/>
     </a:ext>
   </a:extLst>
 </a:theme>
